--- a/zigbee/files/ZB-2019Q4-ZMGC-Training/source/EmberZnet-and-WSTK.pptx
+++ b/zigbee/files/ZB-2019Q4-ZMGC-Training/source/EmberZnet-and-WSTK.pptx
@@ -7,9 +7,6 @@
   <p:notesMasterIdLst>
     <p:notesMasterId r:id="rId37"/>
   </p:notesMasterIdLst>
-  <p:handoutMasterIdLst>
-    <p:handoutMasterId r:id="rId38"/>
-  </p:handoutMasterIdLst>
   <p:sldIdLst>
     <p:sldId id="257" r:id="rId5"/>
     <p:sldId id="377" r:id="rId6"/>
@@ -169,196 +166,6 @@
 </p:cmAuthorLst>
 </file>
 
-<file path=ppt/handoutMasters/handoutMaster1.xml><?xml version="1.0" encoding="utf-8"?>
-<p:handoutMaster xmlns:a="http://schemas.openxmlformats.org/drawingml/2006/main" xmlns:r="http://schemas.openxmlformats.org/officeDocument/2006/relationships" xmlns:p="http://schemas.openxmlformats.org/presentationml/2006/main">
-  <p:cSld>
-    <p:bg>
-      <p:bgRef idx="1001">
-        <a:schemeClr val="bg1"/>
-      </p:bgRef>
-    </p:bg>
-    <p:spTree>
-      <p:nvGrpSpPr>
-        <p:cNvPr id="1" name=""/>
-        <p:cNvGrpSpPr/>
-        <p:nvPr/>
-      </p:nvGrpSpPr>
-      <p:grpSpPr>
-        <a:xfrm>
-          <a:off x="0" y="0"/>
-          <a:ext cx="0" cy="0"/>
-          <a:chOff x="0" y="0"/>
-          <a:chExt cx="0" cy="0"/>
-        </a:xfrm>
-      </p:grpSpPr>
-      <p:sp>
-        <p:nvSpPr>
-          <p:cNvPr id="2" name="Header Placeholder 1">
-            <a:extLst>
-              <a:ext uri="{FF2B5EF4-FFF2-40B4-BE49-F238E27FC236}">
-                <a16:creationId xmlns:a16="http://schemas.microsoft.com/office/drawing/2014/main" id="{F5837F58-ABD9-4602-B4E1-A78B0BB5E215}"/>
-              </a:ext>
-            </a:extLst>
-          </p:cNvPr>
-          <p:cNvSpPr>
-            <a:spLocks noGrp="1"/>
-          </p:cNvSpPr>
-          <p:nvPr>
-            <p:ph type="hdr" sz="quarter"/>
-          </p:nvPr>
-        </p:nvSpPr>
-        <p:spPr>
-          <a:xfrm>
-            <a:off x="0" y="0"/>
-            <a:ext cx="3038475" cy="466725"/>
-          </a:xfrm>
-          <a:prstGeom prst="rect">
-            <a:avLst/>
-          </a:prstGeom>
-        </p:spPr>
-        <p:txBody>
-          <a:bodyPr vert="horz" lIns="91440" tIns="45720" rIns="91440" bIns="45720" rtlCol="0"/>
-          <a:lstStyle>
-            <a:lvl1pPr algn="l">
-              <a:defRPr sz="1200"/>
-            </a:lvl1pPr>
-          </a:lstStyle>
-          <a:p>
-            <a:endParaRPr lang="en-US"/>
-          </a:p>
-        </p:txBody>
-      </p:sp>
-      <p:sp>
-        <p:nvSpPr>
-          <p:cNvPr id="3" name="Date Placeholder 2">
-            <a:extLst>
-              <a:ext uri="{FF2B5EF4-FFF2-40B4-BE49-F238E27FC236}">
-                <a16:creationId xmlns:a16="http://schemas.microsoft.com/office/drawing/2014/main" id="{389435E3-B4DC-459A-8C21-A5317F4B6D7E}"/>
-              </a:ext>
-            </a:extLst>
-          </p:cNvPr>
-          <p:cNvSpPr>
-            <a:spLocks noGrp="1"/>
-          </p:cNvSpPr>
-          <p:nvPr>
-            <p:ph type="dt" sz="quarter" idx="1"/>
-          </p:nvPr>
-        </p:nvSpPr>
-        <p:spPr>
-          <a:xfrm>
-            <a:off x="3970338" y="0"/>
-            <a:ext cx="3038475" cy="466725"/>
-          </a:xfrm>
-          <a:prstGeom prst="rect">
-            <a:avLst/>
-          </a:prstGeom>
-        </p:spPr>
-        <p:txBody>
-          <a:bodyPr vert="horz" lIns="91440" tIns="45720" rIns="91440" bIns="45720" rtlCol="0"/>
-          <a:lstStyle>
-            <a:lvl1pPr algn="r">
-              <a:defRPr sz="1200"/>
-            </a:lvl1pPr>
-          </a:lstStyle>
-          <a:p>
-            <a:fld id="{1B8E5D8A-71AB-46F7-A787-3EC36B289EE3}" type="datetime1">
-              <a:rPr lang="en-US" smtClean="0"/>
-              <a:t>2019-12-25</a:t>
-            </a:fld>
-            <a:endParaRPr lang="en-US"/>
-          </a:p>
-        </p:txBody>
-      </p:sp>
-      <p:sp>
-        <p:nvSpPr>
-          <p:cNvPr id="4" name="Footer Placeholder 3">
-            <a:extLst>
-              <a:ext uri="{FF2B5EF4-FFF2-40B4-BE49-F238E27FC236}">
-                <a16:creationId xmlns:a16="http://schemas.microsoft.com/office/drawing/2014/main" id="{3ACAC00E-AFB5-4353-8A9B-DA8A51E34928}"/>
-              </a:ext>
-            </a:extLst>
-          </p:cNvPr>
-          <p:cNvSpPr>
-            <a:spLocks noGrp="1"/>
-          </p:cNvSpPr>
-          <p:nvPr>
-            <p:ph type="ftr" sz="quarter" idx="2"/>
-          </p:nvPr>
-        </p:nvSpPr>
-        <p:spPr>
-          <a:xfrm>
-            <a:off x="0" y="8829675"/>
-            <a:ext cx="3038475" cy="466725"/>
-          </a:xfrm>
-          <a:prstGeom prst="rect">
-            <a:avLst/>
-          </a:prstGeom>
-        </p:spPr>
-        <p:txBody>
-          <a:bodyPr vert="horz" lIns="91440" tIns="45720" rIns="91440" bIns="45720" rtlCol="0" anchor="b"/>
-          <a:lstStyle>
-            <a:lvl1pPr algn="l">
-              <a:defRPr sz="1200"/>
-            </a:lvl1pPr>
-          </a:lstStyle>
-          <a:p>
-            <a:endParaRPr lang="en-US"/>
-          </a:p>
-        </p:txBody>
-      </p:sp>
-      <p:sp>
-        <p:nvSpPr>
-          <p:cNvPr id="5" name="Slide Number Placeholder 4">
-            <a:extLst>
-              <a:ext uri="{FF2B5EF4-FFF2-40B4-BE49-F238E27FC236}">
-                <a16:creationId xmlns:a16="http://schemas.microsoft.com/office/drawing/2014/main" id="{84170DA3-76F4-4CE6-81F0-E726A59F7B3A}"/>
-              </a:ext>
-            </a:extLst>
-          </p:cNvPr>
-          <p:cNvSpPr>
-            <a:spLocks noGrp="1"/>
-          </p:cNvSpPr>
-          <p:nvPr>
-            <p:ph type="sldNum" sz="quarter" idx="3"/>
-          </p:nvPr>
-        </p:nvSpPr>
-        <p:spPr>
-          <a:xfrm>
-            <a:off x="3970338" y="8829675"/>
-            <a:ext cx="3038475" cy="466725"/>
-          </a:xfrm>
-          <a:prstGeom prst="rect">
-            <a:avLst/>
-          </a:prstGeom>
-        </p:spPr>
-        <p:txBody>
-          <a:bodyPr vert="horz" lIns="91440" tIns="45720" rIns="91440" bIns="45720" rtlCol="0" anchor="b"/>
-          <a:lstStyle>
-            <a:lvl1pPr algn="r">
-              <a:defRPr sz="1200"/>
-            </a:lvl1pPr>
-          </a:lstStyle>
-          <a:p>
-            <a:fld id="{CEED87F9-F98D-4619-B76E-3FEDF21B9716}" type="slidenum">
-              <a:rPr lang="en-US" smtClean="0"/>
-              <a:t>‹#›</a:t>
-            </a:fld>
-            <a:endParaRPr lang="en-US"/>
-          </a:p>
-        </p:txBody>
-      </p:sp>
-    </p:spTree>
-    <p:extLst>
-      <p:ext uri="{BB962C8B-B14F-4D97-AF65-F5344CB8AC3E}">
-        <p14:creationId xmlns:p14="http://schemas.microsoft.com/office/powerpoint/2010/main" val="1423368428"/>
-      </p:ext>
-    </p:extLst>
-  </p:cSld>
-  <p:clrMap bg1="lt1" tx1="dk1" bg2="lt2" tx2="dk2" accent1="accent1" accent2="accent2" accent3="accent3" accent4="accent4" accent5="accent5" accent6="accent6" hlink="hlink" folHlink="folHlink"/>
-  <p:hf/>
-</p:handoutMaster>
-</file>
-
 <file path=ppt/notesMasters/notesMaster1.xml><?xml version="1.0" encoding="utf-8"?>
 <p:notesMaster xmlns:a="http://schemas.openxmlformats.org/drawingml/2006/main" xmlns:r="http://schemas.openxmlformats.org/officeDocument/2006/relationships" xmlns:p="http://schemas.openxmlformats.org/presentationml/2006/main">
   <p:cSld>
@@ -439,9 +246,9 @@
             </a:lvl1pPr>
           </a:lstStyle>
           <a:p>
-            <a:fld id="{BC686D39-1D02-4CFA-BFB6-1440032DFFBF}" type="datetime1">
+            <a:fld id="{3CAB3C29-341D-6743-A203-2F7086D57830}" type="datetimeFigureOut">
               <a:rPr lang="en-US" smtClean="0"/>
-              <a:t>2019-12-25</a:t>
+              <a:t>2020-02-12</a:t>
             </a:fld>
             <a:endParaRPr lang="en-US"/>
           </a:p>
@@ -613,7 +420,6 @@
     </p:extLst>
   </p:cSld>
   <p:clrMap bg1="lt1" tx1="dk1" bg2="lt2" tx2="dk2" accent1="accent1" accent2="accent2" accent3="accent3" accent4="accent4" accent5="accent5" accent6="accent6" hlink="hlink" folHlink="folHlink"/>
-  <p:hf/>
   <p:notesStyle>
     <a:lvl1pPr marL="0" algn="l" defTabSz="914400" rtl="0" eaLnBrk="1" latinLnBrk="0" hangingPunct="1">
       <a:defRPr sz="1200" kern="1200">
@@ -755,7 +561,15 @@
           <a:p>
             <a:r>
               <a:rPr lang="en-US" dirty="0"/>
-              <a:t>Welcome to the training. In this training, we will introduce the SDK and starter kits of Silicon Labs' Zigbee solution.</a:t>
+              <a:t>Welcome to the training. In this training, we will introduce the SDK and starter kits of Silicon </a:t>
+            </a:r>
+            <a:r>
+              <a:rPr lang="en-US" dirty="0" err="1"/>
+              <a:t>Labs’s</a:t>
+            </a:r>
+            <a:r>
+              <a:rPr lang="en-US" dirty="0"/>
+              <a:t> Zigbee solution.</a:t>
             </a:r>
           </a:p>
           <a:p>
@@ -782,86 +596,7 @@
               <a:rPr lang="en-US" smtClean="0"/>
               <a:t>1</a:t>
             </a:fld>
-            <a:endParaRPr lang="en-US" dirty="0"/>
-          </a:p>
-        </p:txBody>
-      </p:sp>
-      <p:sp>
-        <p:nvSpPr>
-          <p:cNvPr id="5" name="Date Placeholder 4">
-            <a:extLst>
-              <a:ext uri="{FF2B5EF4-FFF2-40B4-BE49-F238E27FC236}">
-                <a16:creationId xmlns:a16="http://schemas.microsoft.com/office/drawing/2014/main" id="{F5DD9DF2-0E55-4E95-94C6-57BC43E28BFA}"/>
-              </a:ext>
-            </a:extLst>
-          </p:cNvPr>
-          <p:cNvSpPr>
-            <a:spLocks noGrp="1"/>
-          </p:cNvSpPr>
-          <p:nvPr>
-            <p:ph type="dt" idx="1"/>
-          </p:nvPr>
-        </p:nvSpPr>
-        <p:spPr/>
-        <p:txBody>
-          <a:bodyPr/>
-          <a:lstStyle/>
-          <a:p>
-            <a:fld id="{28E04623-A347-46D9-B2F9-4CFAEA667799}" type="datetime1">
-              <a:rPr lang="en-US" smtClean="0"/>
-              <a:t>2019-12-25</a:t>
-            </a:fld>
-            <a:endParaRPr lang="en-US" dirty="0"/>
-          </a:p>
-        </p:txBody>
-      </p:sp>
-      <p:sp>
-        <p:nvSpPr>
-          <p:cNvPr id="6" name="Footer Placeholder 5">
-            <a:extLst>
-              <a:ext uri="{FF2B5EF4-FFF2-40B4-BE49-F238E27FC236}">
-                <a16:creationId xmlns:a16="http://schemas.microsoft.com/office/drawing/2014/main" id="{ACDE6301-3B7C-4E57-9F9D-66F53905F979}"/>
-              </a:ext>
-            </a:extLst>
-          </p:cNvPr>
-          <p:cNvSpPr>
-            <a:spLocks noGrp="1"/>
-          </p:cNvSpPr>
-          <p:nvPr>
-            <p:ph type="ftr" sz="quarter" idx="4"/>
-          </p:nvPr>
-        </p:nvSpPr>
-        <p:spPr/>
-        <p:txBody>
-          <a:bodyPr/>
-          <a:lstStyle/>
-          <a:p>
-            <a:endParaRPr lang="en-US" dirty="0"/>
-          </a:p>
-        </p:txBody>
-      </p:sp>
-      <p:sp>
-        <p:nvSpPr>
-          <p:cNvPr id="7" name="Header Placeholder 6">
-            <a:extLst>
-              <a:ext uri="{FF2B5EF4-FFF2-40B4-BE49-F238E27FC236}">
-                <a16:creationId xmlns:a16="http://schemas.microsoft.com/office/drawing/2014/main" id="{9C5B8759-4690-4CC6-A9CF-5300835DCD15}"/>
-              </a:ext>
-            </a:extLst>
-          </p:cNvPr>
-          <p:cNvSpPr>
-            <a:spLocks noGrp="1"/>
-          </p:cNvSpPr>
-          <p:nvPr>
-            <p:ph type="hdr" sz="quarter"/>
-          </p:nvPr>
-        </p:nvSpPr>
-        <p:spPr/>
-        <p:txBody>
-          <a:bodyPr/>
-          <a:lstStyle/>
-          <a:p>
-            <a:endParaRPr lang="en-US" dirty="0"/>
+            <a:endParaRPr lang="en-US"/>
           </a:p>
         </p:txBody>
       </p:sp>
@@ -978,86 +713,7 @@
               <a:rPr lang="en-US" smtClean="0"/>
               <a:t>10</a:t>
             </a:fld>
-            <a:endParaRPr lang="en-US" dirty="0"/>
-          </a:p>
-        </p:txBody>
-      </p:sp>
-      <p:sp>
-        <p:nvSpPr>
-          <p:cNvPr id="5" name="Date Placeholder 4">
-            <a:extLst>
-              <a:ext uri="{FF2B5EF4-FFF2-40B4-BE49-F238E27FC236}">
-                <a16:creationId xmlns:a16="http://schemas.microsoft.com/office/drawing/2014/main" id="{91D6E2BE-8558-46F5-930C-A05018649CC1}"/>
-              </a:ext>
-            </a:extLst>
-          </p:cNvPr>
-          <p:cNvSpPr>
-            <a:spLocks noGrp="1"/>
-          </p:cNvSpPr>
-          <p:nvPr>
-            <p:ph type="dt" idx="1"/>
-          </p:nvPr>
-        </p:nvSpPr>
-        <p:spPr/>
-        <p:txBody>
-          <a:bodyPr/>
-          <a:lstStyle/>
-          <a:p>
-            <a:fld id="{54A51179-64B9-45E2-970A-3958A6040788}" type="datetime1">
-              <a:rPr lang="en-US" smtClean="0"/>
-              <a:t>2019-12-25</a:t>
-            </a:fld>
-            <a:endParaRPr lang="en-US" dirty="0"/>
-          </a:p>
-        </p:txBody>
-      </p:sp>
-      <p:sp>
-        <p:nvSpPr>
-          <p:cNvPr id="6" name="Footer Placeholder 5">
-            <a:extLst>
-              <a:ext uri="{FF2B5EF4-FFF2-40B4-BE49-F238E27FC236}">
-                <a16:creationId xmlns:a16="http://schemas.microsoft.com/office/drawing/2014/main" id="{C18B09CC-56F6-42D3-A003-DB0E9F129E4B}"/>
-              </a:ext>
-            </a:extLst>
-          </p:cNvPr>
-          <p:cNvSpPr>
-            <a:spLocks noGrp="1"/>
-          </p:cNvSpPr>
-          <p:nvPr>
-            <p:ph type="ftr" sz="quarter" idx="4"/>
-          </p:nvPr>
-        </p:nvSpPr>
-        <p:spPr/>
-        <p:txBody>
-          <a:bodyPr/>
-          <a:lstStyle/>
-          <a:p>
-            <a:endParaRPr lang="en-US" dirty="0"/>
-          </a:p>
-        </p:txBody>
-      </p:sp>
-      <p:sp>
-        <p:nvSpPr>
-          <p:cNvPr id="7" name="Header Placeholder 6">
-            <a:extLst>
-              <a:ext uri="{FF2B5EF4-FFF2-40B4-BE49-F238E27FC236}">
-                <a16:creationId xmlns:a16="http://schemas.microsoft.com/office/drawing/2014/main" id="{5C1A050C-5610-447A-AE7B-8DF94D69A9CD}"/>
-              </a:ext>
-            </a:extLst>
-          </p:cNvPr>
-          <p:cNvSpPr>
-            <a:spLocks noGrp="1"/>
-          </p:cNvSpPr>
-          <p:nvPr>
-            <p:ph type="hdr" sz="quarter"/>
-          </p:nvPr>
-        </p:nvSpPr>
-        <p:spPr/>
-        <p:txBody>
-          <a:bodyPr/>
-          <a:lstStyle/>
-          <a:p>
-            <a:endParaRPr lang="en-US" dirty="0"/>
+            <a:endParaRPr lang="en-US"/>
           </a:p>
         </p:txBody>
       </p:sp>
@@ -1144,86 +800,7 @@
               <a:rPr lang="en-US" smtClean="0"/>
               <a:t>11</a:t>
             </a:fld>
-            <a:endParaRPr lang="en-US" dirty="0"/>
-          </a:p>
-        </p:txBody>
-      </p:sp>
-      <p:sp>
-        <p:nvSpPr>
-          <p:cNvPr id="5" name="Date Placeholder 4">
-            <a:extLst>
-              <a:ext uri="{FF2B5EF4-FFF2-40B4-BE49-F238E27FC236}">
-                <a16:creationId xmlns:a16="http://schemas.microsoft.com/office/drawing/2014/main" id="{9421949C-64CB-47BD-8DE4-6812DB26D153}"/>
-              </a:ext>
-            </a:extLst>
-          </p:cNvPr>
-          <p:cNvSpPr>
-            <a:spLocks noGrp="1"/>
-          </p:cNvSpPr>
-          <p:nvPr>
-            <p:ph type="dt" idx="1"/>
-          </p:nvPr>
-        </p:nvSpPr>
-        <p:spPr/>
-        <p:txBody>
-          <a:bodyPr/>
-          <a:lstStyle/>
-          <a:p>
-            <a:fld id="{0C0E18D7-68FF-4770-85FB-500064F910D6}" type="datetime1">
-              <a:rPr lang="en-US" smtClean="0"/>
-              <a:t>2019-12-25</a:t>
-            </a:fld>
-            <a:endParaRPr lang="en-US" dirty="0"/>
-          </a:p>
-        </p:txBody>
-      </p:sp>
-      <p:sp>
-        <p:nvSpPr>
-          <p:cNvPr id="6" name="Footer Placeholder 5">
-            <a:extLst>
-              <a:ext uri="{FF2B5EF4-FFF2-40B4-BE49-F238E27FC236}">
-                <a16:creationId xmlns:a16="http://schemas.microsoft.com/office/drawing/2014/main" id="{4A2DDF89-D3CE-4784-86FC-22540E982BC9}"/>
-              </a:ext>
-            </a:extLst>
-          </p:cNvPr>
-          <p:cNvSpPr>
-            <a:spLocks noGrp="1"/>
-          </p:cNvSpPr>
-          <p:nvPr>
-            <p:ph type="ftr" sz="quarter" idx="4"/>
-          </p:nvPr>
-        </p:nvSpPr>
-        <p:spPr/>
-        <p:txBody>
-          <a:bodyPr/>
-          <a:lstStyle/>
-          <a:p>
-            <a:endParaRPr lang="en-US" dirty="0"/>
-          </a:p>
-        </p:txBody>
-      </p:sp>
-      <p:sp>
-        <p:nvSpPr>
-          <p:cNvPr id="7" name="Header Placeholder 6">
-            <a:extLst>
-              <a:ext uri="{FF2B5EF4-FFF2-40B4-BE49-F238E27FC236}">
-                <a16:creationId xmlns:a16="http://schemas.microsoft.com/office/drawing/2014/main" id="{6AC686C7-EE7C-4437-B084-76F609B15CB1}"/>
-              </a:ext>
-            </a:extLst>
-          </p:cNvPr>
-          <p:cNvSpPr>
-            <a:spLocks noGrp="1"/>
-          </p:cNvSpPr>
-          <p:nvPr>
-            <p:ph type="hdr" sz="quarter"/>
-          </p:nvPr>
-        </p:nvSpPr>
-        <p:spPr/>
-        <p:txBody>
-          <a:bodyPr/>
-          <a:lstStyle/>
-          <a:p>
-            <a:endParaRPr lang="en-US" dirty="0"/>
+            <a:endParaRPr lang="en-US"/>
           </a:p>
         </p:txBody>
       </p:sp>
@@ -1348,85 +925,6 @@
           </a:p>
         </p:txBody>
       </p:sp>
-      <p:sp>
-        <p:nvSpPr>
-          <p:cNvPr id="5" name="Date Placeholder 4">
-            <a:extLst>
-              <a:ext uri="{FF2B5EF4-FFF2-40B4-BE49-F238E27FC236}">
-                <a16:creationId xmlns:a16="http://schemas.microsoft.com/office/drawing/2014/main" id="{E99662D5-B7ED-4057-ADAB-C89BE9683209}"/>
-              </a:ext>
-            </a:extLst>
-          </p:cNvPr>
-          <p:cNvSpPr>
-            <a:spLocks noGrp="1"/>
-          </p:cNvSpPr>
-          <p:nvPr>
-            <p:ph type="dt" idx="1"/>
-          </p:nvPr>
-        </p:nvSpPr>
-        <p:spPr/>
-        <p:txBody>
-          <a:bodyPr/>
-          <a:lstStyle/>
-          <a:p>
-            <a:fld id="{D65A9996-66DF-4715-921D-D24DB866D84D}" type="datetime1">
-              <a:rPr lang="en-US" smtClean="0"/>
-              <a:t>2019-12-25</a:t>
-            </a:fld>
-            <a:endParaRPr lang="en-US" dirty="0"/>
-          </a:p>
-        </p:txBody>
-      </p:sp>
-      <p:sp>
-        <p:nvSpPr>
-          <p:cNvPr id="6" name="Footer Placeholder 5">
-            <a:extLst>
-              <a:ext uri="{FF2B5EF4-FFF2-40B4-BE49-F238E27FC236}">
-                <a16:creationId xmlns:a16="http://schemas.microsoft.com/office/drawing/2014/main" id="{624DB334-F0F4-4688-904D-5BF3B004AF22}"/>
-              </a:ext>
-            </a:extLst>
-          </p:cNvPr>
-          <p:cNvSpPr>
-            <a:spLocks noGrp="1"/>
-          </p:cNvSpPr>
-          <p:nvPr>
-            <p:ph type="ftr" sz="quarter" idx="4"/>
-          </p:nvPr>
-        </p:nvSpPr>
-        <p:spPr/>
-        <p:txBody>
-          <a:bodyPr/>
-          <a:lstStyle/>
-          <a:p>
-            <a:endParaRPr lang="en-US" dirty="0"/>
-          </a:p>
-        </p:txBody>
-      </p:sp>
-      <p:sp>
-        <p:nvSpPr>
-          <p:cNvPr id="7" name="Header Placeholder 6">
-            <a:extLst>
-              <a:ext uri="{FF2B5EF4-FFF2-40B4-BE49-F238E27FC236}">
-                <a16:creationId xmlns:a16="http://schemas.microsoft.com/office/drawing/2014/main" id="{98D9D718-ABC8-4291-878D-E0872A0E725E}"/>
-              </a:ext>
-            </a:extLst>
-          </p:cNvPr>
-          <p:cNvSpPr>
-            <a:spLocks noGrp="1"/>
-          </p:cNvSpPr>
-          <p:nvPr>
-            <p:ph type="hdr" sz="quarter"/>
-          </p:nvPr>
-        </p:nvSpPr>
-        <p:spPr/>
-        <p:txBody>
-          <a:bodyPr/>
-          <a:lstStyle/>
-          <a:p>
-            <a:endParaRPr lang="en-US" dirty="0"/>
-          </a:p>
-        </p:txBody>
-      </p:sp>
     </p:spTree>
     <p:extLst>
       <p:ext uri="{BB962C8B-B14F-4D97-AF65-F5344CB8AC3E}">
@@ -1495,7 +993,23 @@
           <a:p>
             <a:r>
               <a:rPr lang="en-US" dirty="0"/>
-              <a:t>For Zigbee applications, we usually use AppBuilder, Hardware Configurator and Netowork Analyzer.</a:t>
+              <a:t>For Zigbee applications, we usually use </a:t>
+            </a:r>
+            <a:r>
+              <a:rPr lang="en-US" dirty="0" err="1"/>
+              <a:t>AppBuilder</a:t>
+            </a:r>
+            <a:r>
+              <a:rPr lang="en-US" dirty="0"/>
+              <a:t>, Hardware Configurator and </a:t>
+            </a:r>
+            <a:r>
+              <a:rPr lang="en-US" dirty="0" err="1"/>
+              <a:t>Netowork</a:t>
+            </a:r>
+            <a:r>
+              <a:rPr lang="en-US" dirty="0"/>
+              <a:t> Analyzer.</a:t>
             </a:r>
           </a:p>
         </p:txBody>
@@ -1519,85 +1033,6 @@
               <a:rPr lang="en-US" smtClean="0"/>
               <a:t>13</a:t>
             </a:fld>
-            <a:endParaRPr lang="en-US" dirty="0"/>
-          </a:p>
-        </p:txBody>
-      </p:sp>
-      <p:sp>
-        <p:nvSpPr>
-          <p:cNvPr id="5" name="Date Placeholder 4">
-            <a:extLst>
-              <a:ext uri="{FF2B5EF4-FFF2-40B4-BE49-F238E27FC236}">
-                <a16:creationId xmlns:a16="http://schemas.microsoft.com/office/drawing/2014/main" id="{B6BD22B9-1256-4A71-AA25-71E7F2AE397D}"/>
-              </a:ext>
-            </a:extLst>
-          </p:cNvPr>
-          <p:cNvSpPr>
-            <a:spLocks noGrp="1"/>
-          </p:cNvSpPr>
-          <p:nvPr>
-            <p:ph type="dt" idx="1"/>
-          </p:nvPr>
-        </p:nvSpPr>
-        <p:spPr/>
-        <p:txBody>
-          <a:bodyPr/>
-          <a:lstStyle/>
-          <a:p>
-            <a:fld id="{F006A448-5F92-4DF0-A753-36E1427BE335}" type="datetime1">
-              <a:rPr lang="en-US" smtClean="0"/>
-              <a:t>2019-12-25</a:t>
-            </a:fld>
-            <a:endParaRPr lang="en-US" dirty="0"/>
-          </a:p>
-        </p:txBody>
-      </p:sp>
-      <p:sp>
-        <p:nvSpPr>
-          <p:cNvPr id="6" name="Footer Placeholder 5">
-            <a:extLst>
-              <a:ext uri="{FF2B5EF4-FFF2-40B4-BE49-F238E27FC236}">
-                <a16:creationId xmlns:a16="http://schemas.microsoft.com/office/drawing/2014/main" id="{00699B44-1EC5-4FCA-A782-54211DB2739B}"/>
-              </a:ext>
-            </a:extLst>
-          </p:cNvPr>
-          <p:cNvSpPr>
-            <a:spLocks noGrp="1"/>
-          </p:cNvSpPr>
-          <p:nvPr>
-            <p:ph type="ftr" sz="quarter" idx="4"/>
-          </p:nvPr>
-        </p:nvSpPr>
-        <p:spPr/>
-        <p:txBody>
-          <a:bodyPr/>
-          <a:lstStyle/>
-          <a:p>
-            <a:endParaRPr lang="en-US" dirty="0"/>
-          </a:p>
-        </p:txBody>
-      </p:sp>
-      <p:sp>
-        <p:nvSpPr>
-          <p:cNvPr id="7" name="Header Placeholder 6">
-            <a:extLst>
-              <a:ext uri="{FF2B5EF4-FFF2-40B4-BE49-F238E27FC236}">
-                <a16:creationId xmlns:a16="http://schemas.microsoft.com/office/drawing/2014/main" id="{13A877BE-8903-4530-9AD3-A65510010F6B}"/>
-              </a:ext>
-            </a:extLst>
-          </p:cNvPr>
-          <p:cNvSpPr>
-            <a:spLocks noGrp="1"/>
-          </p:cNvSpPr>
-          <p:nvPr>
-            <p:ph type="hdr" sz="quarter"/>
-          </p:nvPr>
-        </p:nvSpPr>
-        <p:spPr/>
-        <p:txBody>
-          <a:bodyPr/>
-          <a:lstStyle/>
-          <a:p>
             <a:endParaRPr lang="en-US" dirty="0"/>
           </a:p>
         </p:txBody>
@@ -1692,85 +1127,6 @@
           </a:p>
         </p:txBody>
       </p:sp>
-      <p:sp>
-        <p:nvSpPr>
-          <p:cNvPr id="5" name="Date Placeholder 4">
-            <a:extLst>
-              <a:ext uri="{FF2B5EF4-FFF2-40B4-BE49-F238E27FC236}">
-                <a16:creationId xmlns:a16="http://schemas.microsoft.com/office/drawing/2014/main" id="{31E40DB1-0752-47C4-8BE7-6A705834C12E}"/>
-              </a:ext>
-            </a:extLst>
-          </p:cNvPr>
-          <p:cNvSpPr>
-            <a:spLocks noGrp="1"/>
-          </p:cNvSpPr>
-          <p:nvPr>
-            <p:ph type="dt" idx="1"/>
-          </p:nvPr>
-        </p:nvSpPr>
-        <p:spPr/>
-        <p:txBody>
-          <a:bodyPr/>
-          <a:lstStyle/>
-          <a:p>
-            <a:fld id="{CA4F6253-CE60-4477-9BD7-919C15BE0851}" type="datetime1">
-              <a:rPr lang="en-US" smtClean="0"/>
-              <a:t>2019-12-25</a:t>
-            </a:fld>
-            <a:endParaRPr lang="en-US" dirty="0"/>
-          </a:p>
-        </p:txBody>
-      </p:sp>
-      <p:sp>
-        <p:nvSpPr>
-          <p:cNvPr id="6" name="Footer Placeholder 5">
-            <a:extLst>
-              <a:ext uri="{FF2B5EF4-FFF2-40B4-BE49-F238E27FC236}">
-                <a16:creationId xmlns:a16="http://schemas.microsoft.com/office/drawing/2014/main" id="{5638D041-4C71-4224-BF44-60BD01A9E61B}"/>
-              </a:ext>
-            </a:extLst>
-          </p:cNvPr>
-          <p:cNvSpPr>
-            <a:spLocks noGrp="1"/>
-          </p:cNvSpPr>
-          <p:nvPr>
-            <p:ph type="ftr" sz="quarter" idx="4"/>
-          </p:nvPr>
-        </p:nvSpPr>
-        <p:spPr/>
-        <p:txBody>
-          <a:bodyPr/>
-          <a:lstStyle/>
-          <a:p>
-            <a:endParaRPr lang="en-US" dirty="0"/>
-          </a:p>
-        </p:txBody>
-      </p:sp>
-      <p:sp>
-        <p:nvSpPr>
-          <p:cNvPr id="7" name="Header Placeholder 6">
-            <a:extLst>
-              <a:ext uri="{FF2B5EF4-FFF2-40B4-BE49-F238E27FC236}">
-                <a16:creationId xmlns:a16="http://schemas.microsoft.com/office/drawing/2014/main" id="{75B613FA-A24B-4B13-92C8-28D84F4CE566}"/>
-              </a:ext>
-            </a:extLst>
-          </p:cNvPr>
-          <p:cNvSpPr>
-            <a:spLocks noGrp="1"/>
-          </p:cNvSpPr>
-          <p:nvPr>
-            <p:ph type="hdr" sz="quarter"/>
-          </p:nvPr>
-        </p:nvSpPr>
-        <p:spPr/>
-        <p:txBody>
-          <a:bodyPr/>
-          <a:lstStyle/>
-          <a:p>
-            <a:endParaRPr lang="en-US" dirty="0"/>
-          </a:p>
-        </p:txBody>
-      </p:sp>
     </p:spTree>
     <p:extLst>
       <p:ext uri="{BB962C8B-B14F-4D97-AF65-F5344CB8AC3E}">
@@ -1830,7 +1186,23 @@
           <a:p>
             <a:r>
               <a:rPr lang="en-US" dirty="0"/>
-              <a:t>In the “Borads” field,  if you are using a starter kit, you can just select one from the list. If you are using a custom board and you are familiar with Silicon Labs' solution, you can leave this field empty and just select the part.</a:t>
+              <a:t>In the “</a:t>
+            </a:r>
+            <a:r>
+              <a:rPr lang="en-US" dirty="0" err="1"/>
+              <a:t>Borads</a:t>
+            </a:r>
+            <a:r>
+              <a:rPr lang="en-US" dirty="0"/>
+              <a:t>” field,  if you are using a starter kit, you can just select one from the list. If you are using a custom board and you are familiar with Silicon </a:t>
+            </a:r>
+            <a:r>
+              <a:rPr lang="en-US" dirty="0" err="1"/>
+              <a:t>Labs’s</a:t>
+            </a:r>
+            <a:r>
+              <a:rPr lang="en-US" dirty="0"/>
+              <a:t> solution, you can leave this field empty and just select the part.</a:t>
             </a:r>
           </a:p>
           <a:p>
@@ -1863,85 +1235,6 @@
               <a:rPr lang="en-US" smtClean="0"/>
               <a:t>15</a:t>
             </a:fld>
-            <a:endParaRPr lang="en-US" dirty="0"/>
-          </a:p>
-        </p:txBody>
-      </p:sp>
-      <p:sp>
-        <p:nvSpPr>
-          <p:cNvPr id="5" name="Date Placeholder 4">
-            <a:extLst>
-              <a:ext uri="{FF2B5EF4-FFF2-40B4-BE49-F238E27FC236}">
-                <a16:creationId xmlns:a16="http://schemas.microsoft.com/office/drawing/2014/main" id="{52E0522D-ED37-4C31-A217-A9E81AA3A91E}"/>
-              </a:ext>
-            </a:extLst>
-          </p:cNvPr>
-          <p:cNvSpPr>
-            <a:spLocks noGrp="1"/>
-          </p:cNvSpPr>
-          <p:nvPr>
-            <p:ph type="dt" idx="1"/>
-          </p:nvPr>
-        </p:nvSpPr>
-        <p:spPr/>
-        <p:txBody>
-          <a:bodyPr/>
-          <a:lstStyle/>
-          <a:p>
-            <a:fld id="{DF57D2AB-9BE9-40C6-B0D8-A8AA1B9A4CF0}" type="datetime1">
-              <a:rPr lang="en-US" smtClean="0"/>
-              <a:t>2019-12-25</a:t>
-            </a:fld>
-            <a:endParaRPr lang="en-US" dirty="0"/>
-          </a:p>
-        </p:txBody>
-      </p:sp>
-      <p:sp>
-        <p:nvSpPr>
-          <p:cNvPr id="6" name="Footer Placeholder 5">
-            <a:extLst>
-              <a:ext uri="{FF2B5EF4-FFF2-40B4-BE49-F238E27FC236}">
-                <a16:creationId xmlns:a16="http://schemas.microsoft.com/office/drawing/2014/main" id="{C9619EB9-3A44-4E21-A395-FA9D4152FDC0}"/>
-              </a:ext>
-            </a:extLst>
-          </p:cNvPr>
-          <p:cNvSpPr>
-            <a:spLocks noGrp="1"/>
-          </p:cNvSpPr>
-          <p:nvPr>
-            <p:ph type="ftr" sz="quarter" idx="4"/>
-          </p:nvPr>
-        </p:nvSpPr>
-        <p:spPr/>
-        <p:txBody>
-          <a:bodyPr/>
-          <a:lstStyle/>
-          <a:p>
-            <a:endParaRPr lang="en-US" dirty="0"/>
-          </a:p>
-        </p:txBody>
-      </p:sp>
-      <p:sp>
-        <p:nvSpPr>
-          <p:cNvPr id="7" name="Header Placeholder 6">
-            <a:extLst>
-              <a:ext uri="{FF2B5EF4-FFF2-40B4-BE49-F238E27FC236}">
-                <a16:creationId xmlns:a16="http://schemas.microsoft.com/office/drawing/2014/main" id="{0B75E0A7-A72B-453E-A7AC-0DC21844268C}"/>
-              </a:ext>
-            </a:extLst>
-          </p:cNvPr>
-          <p:cNvSpPr>
-            <a:spLocks noGrp="1"/>
-          </p:cNvSpPr>
-          <p:nvPr>
-            <p:ph type="hdr" sz="quarter"/>
-          </p:nvPr>
-        </p:nvSpPr>
-        <p:spPr/>
-        <p:txBody>
-          <a:bodyPr/>
-          <a:lstStyle/>
-          <a:p>
             <a:endParaRPr lang="en-US" dirty="0"/>
           </a:p>
         </p:txBody>
@@ -2036,85 +1329,6 @@
           </a:p>
         </p:txBody>
       </p:sp>
-      <p:sp>
-        <p:nvSpPr>
-          <p:cNvPr id="5" name="Date Placeholder 4">
-            <a:extLst>
-              <a:ext uri="{FF2B5EF4-FFF2-40B4-BE49-F238E27FC236}">
-                <a16:creationId xmlns:a16="http://schemas.microsoft.com/office/drawing/2014/main" id="{5B0A1060-2D9B-4928-A4BC-9AB8A26BCB9F}"/>
-              </a:ext>
-            </a:extLst>
-          </p:cNvPr>
-          <p:cNvSpPr>
-            <a:spLocks noGrp="1"/>
-          </p:cNvSpPr>
-          <p:nvPr>
-            <p:ph type="dt" idx="1"/>
-          </p:nvPr>
-        </p:nvSpPr>
-        <p:spPr/>
-        <p:txBody>
-          <a:bodyPr/>
-          <a:lstStyle/>
-          <a:p>
-            <a:fld id="{5D231007-63E9-49FC-8682-DCE836E5A75B}" type="datetime1">
-              <a:rPr lang="en-US" smtClean="0"/>
-              <a:t>2019-12-25</a:t>
-            </a:fld>
-            <a:endParaRPr lang="en-US" dirty="0"/>
-          </a:p>
-        </p:txBody>
-      </p:sp>
-      <p:sp>
-        <p:nvSpPr>
-          <p:cNvPr id="6" name="Footer Placeholder 5">
-            <a:extLst>
-              <a:ext uri="{FF2B5EF4-FFF2-40B4-BE49-F238E27FC236}">
-                <a16:creationId xmlns:a16="http://schemas.microsoft.com/office/drawing/2014/main" id="{09FAEA8C-0E6A-4457-8EA8-69B70B434440}"/>
-              </a:ext>
-            </a:extLst>
-          </p:cNvPr>
-          <p:cNvSpPr>
-            <a:spLocks noGrp="1"/>
-          </p:cNvSpPr>
-          <p:nvPr>
-            <p:ph type="ftr" sz="quarter" idx="4"/>
-          </p:nvPr>
-        </p:nvSpPr>
-        <p:spPr/>
-        <p:txBody>
-          <a:bodyPr/>
-          <a:lstStyle/>
-          <a:p>
-            <a:endParaRPr lang="en-US" dirty="0"/>
-          </a:p>
-        </p:txBody>
-      </p:sp>
-      <p:sp>
-        <p:nvSpPr>
-          <p:cNvPr id="7" name="Header Placeholder 6">
-            <a:extLst>
-              <a:ext uri="{FF2B5EF4-FFF2-40B4-BE49-F238E27FC236}">
-                <a16:creationId xmlns:a16="http://schemas.microsoft.com/office/drawing/2014/main" id="{4AE81A42-1AAC-440F-BB3F-198F672232BB}"/>
-              </a:ext>
-            </a:extLst>
-          </p:cNvPr>
-          <p:cNvSpPr>
-            <a:spLocks noGrp="1"/>
-          </p:cNvSpPr>
-          <p:nvPr>
-            <p:ph type="hdr" sz="quarter"/>
-          </p:nvPr>
-        </p:nvSpPr>
-        <p:spPr/>
-        <p:txBody>
-          <a:bodyPr/>
-          <a:lstStyle/>
-          <a:p>
-            <a:endParaRPr lang="en-US" dirty="0"/>
-          </a:p>
-        </p:txBody>
-      </p:sp>
     </p:spTree>
     <p:extLst>
       <p:ext uri="{BB962C8B-B14F-4D97-AF65-F5344CB8AC3E}">
@@ -2199,85 +1413,6 @@
               <a:t>17</a:t>
             </a:fld>
             <a:endParaRPr lang="en-US" dirty="0"/>
-          </a:p>
-        </p:txBody>
-      </p:sp>
-      <p:sp>
-        <p:nvSpPr>
-          <p:cNvPr id="5" name="Date Placeholder 4">
-            <a:extLst>
-              <a:ext uri="{FF2B5EF4-FFF2-40B4-BE49-F238E27FC236}">
-                <a16:creationId xmlns:a16="http://schemas.microsoft.com/office/drawing/2014/main" id="{9CD53600-4301-4342-887C-D8F6602DE17A}"/>
-              </a:ext>
-            </a:extLst>
-          </p:cNvPr>
-          <p:cNvSpPr>
-            <a:spLocks noGrp="1"/>
-          </p:cNvSpPr>
-          <p:nvPr>
-            <p:ph type="dt" idx="1"/>
-          </p:nvPr>
-        </p:nvSpPr>
-        <p:spPr/>
-        <p:txBody>
-          <a:bodyPr/>
-          <a:lstStyle/>
-          <a:p>
-            <a:fld id="{ADB91313-FD9F-4FE3-AF86-AF06501880BB}" type="datetime1">
-              <a:rPr lang="en-US" smtClean="0"/>
-              <a:t>2019-12-25</a:t>
-            </a:fld>
-            <a:endParaRPr lang="en-US"/>
-          </a:p>
-        </p:txBody>
-      </p:sp>
-      <p:sp>
-        <p:nvSpPr>
-          <p:cNvPr id="6" name="Footer Placeholder 5">
-            <a:extLst>
-              <a:ext uri="{FF2B5EF4-FFF2-40B4-BE49-F238E27FC236}">
-                <a16:creationId xmlns:a16="http://schemas.microsoft.com/office/drawing/2014/main" id="{D4B568E9-3F40-4702-B137-FA3B1D040898}"/>
-              </a:ext>
-            </a:extLst>
-          </p:cNvPr>
-          <p:cNvSpPr>
-            <a:spLocks noGrp="1"/>
-          </p:cNvSpPr>
-          <p:nvPr>
-            <p:ph type="ftr" sz="quarter" idx="4"/>
-          </p:nvPr>
-        </p:nvSpPr>
-        <p:spPr/>
-        <p:txBody>
-          <a:bodyPr/>
-          <a:lstStyle/>
-          <a:p>
-            <a:endParaRPr lang="en-US"/>
-          </a:p>
-        </p:txBody>
-      </p:sp>
-      <p:sp>
-        <p:nvSpPr>
-          <p:cNvPr id="7" name="Header Placeholder 6">
-            <a:extLst>
-              <a:ext uri="{FF2B5EF4-FFF2-40B4-BE49-F238E27FC236}">
-                <a16:creationId xmlns:a16="http://schemas.microsoft.com/office/drawing/2014/main" id="{32EC5F7B-54AA-44D4-AE3C-658BE20F9557}"/>
-              </a:ext>
-            </a:extLst>
-          </p:cNvPr>
-          <p:cNvSpPr>
-            <a:spLocks noGrp="1"/>
-          </p:cNvSpPr>
-          <p:nvPr>
-            <p:ph type="hdr" sz="quarter"/>
-          </p:nvPr>
-        </p:nvSpPr>
-        <p:spPr/>
-        <p:txBody>
-          <a:bodyPr/>
-          <a:lstStyle/>
-          <a:p>
-            <a:endParaRPr lang="en-US"/>
           </a:p>
         </p:txBody>
       </p:sp>
@@ -2383,85 +1518,6 @@
           </a:p>
         </p:txBody>
       </p:sp>
-      <p:sp>
-        <p:nvSpPr>
-          <p:cNvPr id="5" name="Date Placeholder 4">
-            <a:extLst>
-              <a:ext uri="{FF2B5EF4-FFF2-40B4-BE49-F238E27FC236}">
-                <a16:creationId xmlns:a16="http://schemas.microsoft.com/office/drawing/2014/main" id="{B7F52818-0BFE-4D38-BCD2-F79DC5F0522B}"/>
-              </a:ext>
-            </a:extLst>
-          </p:cNvPr>
-          <p:cNvSpPr>
-            <a:spLocks noGrp="1"/>
-          </p:cNvSpPr>
-          <p:nvPr>
-            <p:ph type="dt" idx="1"/>
-          </p:nvPr>
-        </p:nvSpPr>
-        <p:spPr/>
-        <p:txBody>
-          <a:bodyPr/>
-          <a:lstStyle/>
-          <a:p>
-            <a:fld id="{2E4F1316-2CCB-4ABC-AEE8-B98EABCB481A}" type="datetime1">
-              <a:rPr lang="en-US" smtClean="0"/>
-              <a:t>2019-12-25</a:t>
-            </a:fld>
-            <a:endParaRPr lang="en-US"/>
-          </a:p>
-        </p:txBody>
-      </p:sp>
-      <p:sp>
-        <p:nvSpPr>
-          <p:cNvPr id="6" name="Footer Placeholder 5">
-            <a:extLst>
-              <a:ext uri="{FF2B5EF4-FFF2-40B4-BE49-F238E27FC236}">
-                <a16:creationId xmlns:a16="http://schemas.microsoft.com/office/drawing/2014/main" id="{1ABC01DB-C04D-4889-A5D3-558C6EA07A1F}"/>
-              </a:ext>
-            </a:extLst>
-          </p:cNvPr>
-          <p:cNvSpPr>
-            <a:spLocks noGrp="1"/>
-          </p:cNvSpPr>
-          <p:nvPr>
-            <p:ph type="ftr" sz="quarter" idx="4"/>
-          </p:nvPr>
-        </p:nvSpPr>
-        <p:spPr/>
-        <p:txBody>
-          <a:bodyPr/>
-          <a:lstStyle/>
-          <a:p>
-            <a:endParaRPr lang="en-US"/>
-          </a:p>
-        </p:txBody>
-      </p:sp>
-      <p:sp>
-        <p:nvSpPr>
-          <p:cNvPr id="7" name="Header Placeholder 6">
-            <a:extLst>
-              <a:ext uri="{FF2B5EF4-FFF2-40B4-BE49-F238E27FC236}">
-                <a16:creationId xmlns:a16="http://schemas.microsoft.com/office/drawing/2014/main" id="{0AF3ADBC-6562-4F53-9346-B1B57CA94149}"/>
-              </a:ext>
-            </a:extLst>
-          </p:cNvPr>
-          <p:cNvSpPr>
-            <a:spLocks noGrp="1"/>
-          </p:cNvSpPr>
-          <p:nvPr>
-            <p:ph type="hdr" sz="quarter"/>
-          </p:nvPr>
-        </p:nvSpPr>
-        <p:spPr/>
-        <p:txBody>
-          <a:bodyPr/>
-          <a:lstStyle/>
-          <a:p>
-            <a:endParaRPr lang="en-US"/>
-          </a:p>
-        </p:txBody>
-      </p:sp>
     </p:spTree>
     <p:extLst>
       <p:ext uri="{BB962C8B-B14F-4D97-AF65-F5344CB8AC3E}">
@@ -2546,85 +1602,6 @@
               <a:t>19</a:t>
             </a:fld>
             <a:endParaRPr lang="en-US" dirty="0"/>
-          </a:p>
-        </p:txBody>
-      </p:sp>
-      <p:sp>
-        <p:nvSpPr>
-          <p:cNvPr id="5" name="Date Placeholder 4">
-            <a:extLst>
-              <a:ext uri="{FF2B5EF4-FFF2-40B4-BE49-F238E27FC236}">
-                <a16:creationId xmlns:a16="http://schemas.microsoft.com/office/drawing/2014/main" id="{6845A793-B610-4E75-A011-44DE7C5DA673}"/>
-              </a:ext>
-            </a:extLst>
-          </p:cNvPr>
-          <p:cNvSpPr>
-            <a:spLocks noGrp="1"/>
-          </p:cNvSpPr>
-          <p:nvPr>
-            <p:ph type="dt" idx="1"/>
-          </p:nvPr>
-        </p:nvSpPr>
-        <p:spPr/>
-        <p:txBody>
-          <a:bodyPr/>
-          <a:lstStyle/>
-          <a:p>
-            <a:fld id="{B48999D2-046B-4F1E-9AE6-64D1C9E36619}" type="datetime1">
-              <a:rPr lang="en-US" smtClean="0"/>
-              <a:t>2019-12-25</a:t>
-            </a:fld>
-            <a:endParaRPr lang="en-US"/>
-          </a:p>
-        </p:txBody>
-      </p:sp>
-      <p:sp>
-        <p:nvSpPr>
-          <p:cNvPr id="6" name="Footer Placeholder 5">
-            <a:extLst>
-              <a:ext uri="{FF2B5EF4-FFF2-40B4-BE49-F238E27FC236}">
-                <a16:creationId xmlns:a16="http://schemas.microsoft.com/office/drawing/2014/main" id="{36B4C09A-D11E-4F9B-833C-D3ECD9AD86FB}"/>
-              </a:ext>
-            </a:extLst>
-          </p:cNvPr>
-          <p:cNvSpPr>
-            <a:spLocks noGrp="1"/>
-          </p:cNvSpPr>
-          <p:nvPr>
-            <p:ph type="ftr" sz="quarter" idx="4"/>
-          </p:nvPr>
-        </p:nvSpPr>
-        <p:spPr/>
-        <p:txBody>
-          <a:bodyPr/>
-          <a:lstStyle/>
-          <a:p>
-            <a:endParaRPr lang="en-US"/>
-          </a:p>
-        </p:txBody>
-      </p:sp>
-      <p:sp>
-        <p:nvSpPr>
-          <p:cNvPr id="7" name="Header Placeholder 6">
-            <a:extLst>
-              <a:ext uri="{FF2B5EF4-FFF2-40B4-BE49-F238E27FC236}">
-                <a16:creationId xmlns:a16="http://schemas.microsoft.com/office/drawing/2014/main" id="{312DE3E0-973C-4F43-AA8B-050C8DD79F34}"/>
-              </a:ext>
-            </a:extLst>
-          </p:cNvPr>
-          <p:cNvSpPr>
-            <a:spLocks noGrp="1"/>
-          </p:cNvSpPr>
-          <p:nvPr>
-            <p:ph type="hdr" sz="quarter"/>
-          </p:nvPr>
-        </p:nvSpPr>
-        <p:spPr/>
-        <p:txBody>
-          <a:bodyPr/>
-          <a:lstStyle/>
-          <a:p>
-            <a:endParaRPr lang="en-US"/>
           </a:p>
         </p:txBody>
       </p:sp>
@@ -2724,85 +1701,6 @@
           </a:p>
         </p:txBody>
       </p:sp>
-      <p:sp>
-        <p:nvSpPr>
-          <p:cNvPr id="5" name="Date Placeholder 4">
-            <a:extLst>
-              <a:ext uri="{FF2B5EF4-FFF2-40B4-BE49-F238E27FC236}">
-                <a16:creationId xmlns:a16="http://schemas.microsoft.com/office/drawing/2014/main" id="{BCABC990-A47E-4522-A255-A7E909D91CAD}"/>
-              </a:ext>
-            </a:extLst>
-          </p:cNvPr>
-          <p:cNvSpPr>
-            <a:spLocks noGrp="1"/>
-          </p:cNvSpPr>
-          <p:nvPr>
-            <p:ph type="dt" idx="1"/>
-          </p:nvPr>
-        </p:nvSpPr>
-        <p:spPr/>
-        <p:txBody>
-          <a:bodyPr/>
-          <a:lstStyle/>
-          <a:p>
-            <a:fld id="{52D76D36-2E53-4AEC-8A65-533E955CB7C9}" type="datetime1">
-              <a:rPr lang="en-US" smtClean="0"/>
-              <a:t>2019-12-25</a:t>
-            </a:fld>
-            <a:endParaRPr lang="en-US" dirty="0"/>
-          </a:p>
-        </p:txBody>
-      </p:sp>
-      <p:sp>
-        <p:nvSpPr>
-          <p:cNvPr id="6" name="Footer Placeholder 5">
-            <a:extLst>
-              <a:ext uri="{FF2B5EF4-FFF2-40B4-BE49-F238E27FC236}">
-                <a16:creationId xmlns:a16="http://schemas.microsoft.com/office/drawing/2014/main" id="{0CFCEBCF-CC84-43F1-90C9-1225E55EB203}"/>
-              </a:ext>
-            </a:extLst>
-          </p:cNvPr>
-          <p:cNvSpPr>
-            <a:spLocks noGrp="1"/>
-          </p:cNvSpPr>
-          <p:nvPr>
-            <p:ph type="ftr" sz="quarter" idx="4"/>
-          </p:nvPr>
-        </p:nvSpPr>
-        <p:spPr/>
-        <p:txBody>
-          <a:bodyPr/>
-          <a:lstStyle/>
-          <a:p>
-            <a:endParaRPr lang="en-US" dirty="0"/>
-          </a:p>
-        </p:txBody>
-      </p:sp>
-      <p:sp>
-        <p:nvSpPr>
-          <p:cNvPr id="7" name="Header Placeholder 6">
-            <a:extLst>
-              <a:ext uri="{FF2B5EF4-FFF2-40B4-BE49-F238E27FC236}">
-                <a16:creationId xmlns:a16="http://schemas.microsoft.com/office/drawing/2014/main" id="{71BCED21-F251-4AB5-AB20-20440393D356}"/>
-              </a:ext>
-            </a:extLst>
-          </p:cNvPr>
-          <p:cNvSpPr>
-            <a:spLocks noGrp="1"/>
-          </p:cNvSpPr>
-          <p:nvPr>
-            <p:ph type="hdr" sz="quarter"/>
-          </p:nvPr>
-        </p:nvSpPr>
-        <p:spPr/>
-        <p:txBody>
-          <a:bodyPr/>
-          <a:lstStyle/>
-          <a:p>
-            <a:endParaRPr lang="en-US" dirty="0"/>
-          </a:p>
-        </p:txBody>
-      </p:sp>
     </p:spTree>
     <p:extLst>
       <p:ext uri="{BB962C8B-B14F-4D97-AF65-F5344CB8AC3E}">
@@ -2911,85 +1809,6 @@
               <a:t>20</a:t>
             </a:fld>
             <a:endParaRPr lang="en-US" dirty="0"/>
-          </a:p>
-        </p:txBody>
-      </p:sp>
-      <p:sp>
-        <p:nvSpPr>
-          <p:cNvPr id="5" name="Date Placeholder 4">
-            <a:extLst>
-              <a:ext uri="{FF2B5EF4-FFF2-40B4-BE49-F238E27FC236}">
-                <a16:creationId xmlns:a16="http://schemas.microsoft.com/office/drawing/2014/main" id="{555AEB72-50F6-4449-B75A-D29C090E82D2}"/>
-              </a:ext>
-            </a:extLst>
-          </p:cNvPr>
-          <p:cNvSpPr>
-            <a:spLocks noGrp="1"/>
-          </p:cNvSpPr>
-          <p:nvPr>
-            <p:ph type="dt" idx="1"/>
-          </p:nvPr>
-        </p:nvSpPr>
-        <p:spPr/>
-        <p:txBody>
-          <a:bodyPr/>
-          <a:lstStyle/>
-          <a:p>
-            <a:fld id="{30F26E73-6BD6-462B-B741-49185686DCC3}" type="datetime1">
-              <a:rPr lang="en-US" smtClean="0"/>
-              <a:t>2019-12-25</a:t>
-            </a:fld>
-            <a:endParaRPr lang="en-US"/>
-          </a:p>
-        </p:txBody>
-      </p:sp>
-      <p:sp>
-        <p:nvSpPr>
-          <p:cNvPr id="6" name="Footer Placeholder 5">
-            <a:extLst>
-              <a:ext uri="{FF2B5EF4-FFF2-40B4-BE49-F238E27FC236}">
-                <a16:creationId xmlns:a16="http://schemas.microsoft.com/office/drawing/2014/main" id="{F22F8675-7551-4806-9837-E207EDA4F7C3}"/>
-              </a:ext>
-            </a:extLst>
-          </p:cNvPr>
-          <p:cNvSpPr>
-            <a:spLocks noGrp="1"/>
-          </p:cNvSpPr>
-          <p:nvPr>
-            <p:ph type="ftr" sz="quarter" idx="4"/>
-          </p:nvPr>
-        </p:nvSpPr>
-        <p:spPr/>
-        <p:txBody>
-          <a:bodyPr/>
-          <a:lstStyle/>
-          <a:p>
-            <a:endParaRPr lang="en-US"/>
-          </a:p>
-        </p:txBody>
-      </p:sp>
-      <p:sp>
-        <p:nvSpPr>
-          <p:cNvPr id="7" name="Header Placeholder 6">
-            <a:extLst>
-              <a:ext uri="{FF2B5EF4-FFF2-40B4-BE49-F238E27FC236}">
-                <a16:creationId xmlns:a16="http://schemas.microsoft.com/office/drawing/2014/main" id="{38A6734F-3812-42AD-AD86-0DC5B7C105ED}"/>
-              </a:ext>
-            </a:extLst>
-          </p:cNvPr>
-          <p:cNvSpPr>
-            <a:spLocks noGrp="1"/>
-          </p:cNvSpPr>
-          <p:nvPr>
-            <p:ph type="hdr" sz="quarter"/>
-          </p:nvPr>
-        </p:nvSpPr>
-        <p:spPr/>
-        <p:txBody>
-          <a:bodyPr/>
-          <a:lstStyle/>
-          <a:p>
-            <a:endParaRPr lang="en-US"/>
           </a:p>
         </p:txBody>
       </p:sp>
@@ -3080,85 +1899,6 @@
           </a:p>
         </p:txBody>
       </p:sp>
-      <p:sp>
-        <p:nvSpPr>
-          <p:cNvPr id="5" name="Date Placeholder 4">
-            <a:extLst>
-              <a:ext uri="{FF2B5EF4-FFF2-40B4-BE49-F238E27FC236}">
-                <a16:creationId xmlns:a16="http://schemas.microsoft.com/office/drawing/2014/main" id="{D36D8C82-FFAF-4391-AE8D-95132552E0B6}"/>
-              </a:ext>
-            </a:extLst>
-          </p:cNvPr>
-          <p:cNvSpPr>
-            <a:spLocks noGrp="1"/>
-          </p:cNvSpPr>
-          <p:nvPr>
-            <p:ph type="dt" idx="1"/>
-          </p:nvPr>
-        </p:nvSpPr>
-        <p:spPr/>
-        <p:txBody>
-          <a:bodyPr/>
-          <a:lstStyle/>
-          <a:p>
-            <a:fld id="{01BD2D7F-6458-4248-8F97-11446D1EE74B}" type="datetime1">
-              <a:rPr lang="en-US" smtClean="0"/>
-              <a:t>2019-12-25</a:t>
-            </a:fld>
-            <a:endParaRPr lang="en-US"/>
-          </a:p>
-        </p:txBody>
-      </p:sp>
-      <p:sp>
-        <p:nvSpPr>
-          <p:cNvPr id="6" name="Footer Placeholder 5">
-            <a:extLst>
-              <a:ext uri="{FF2B5EF4-FFF2-40B4-BE49-F238E27FC236}">
-                <a16:creationId xmlns:a16="http://schemas.microsoft.com/office/drawing/2014/main" id="{37477FBA-F0FA-46B6-97B7-5091ED84F4BC}"/>
-              </a:ext>
-            </a:extLst>
-          </p:cNvPr>
-          <p:cNvSpPr>
-            <a:spLocks noGrp="1"/>
-          </p:cNvSpPr>
-          <p:nvPr>
-            <p:ph type="ftr" sz="quarter" idx="4"/>
-          </p:nvPr>
-        </p:nvSpPr>
-        <p:spPr/>
-        <p:txBody>
-          <a:bodyPr/>
-          <a:lstStyle/>
-          <a:p>
-            <a:endParaRPr lang="en-US"/>
-          </a:p>
-        </p:txBody>
-      </p:sp>
-      <p:sp>
-        <p:nvSpPr>
-          <p:cNvPr id="7" name="Header Placeholder 6">
-            <a:extLst>
-              <a:ext uri="{FF2B5EF4-FFF2-40B4-BE49-F238E27FC236}">
-                <a16:creationId xmlns:a16="http://schemas.microsoft.com/office/drawing/2014/main" id="{1FED9908-6BD5-4175-92F0-53650D293239}"/>
-              </a:ext>
-            </a:extLst>
-          </p:cNvPr>
-          <p:cNvSpPr>
-            <a:spLocks noGrp="1"/>
-          </p:cNvSpPr>
-          <p:nvPr>
-            <p:ph type="hdr" sz="quarter"/>
-          </p:nvPr>
-        </p:nvSpPr>
-        <p:spPr/>
-        <p:txBody>
-          <a:bodyPr/>
-          <a:lstStyle/>
-          <a:p>
-            <a:endParaRPr lang="en-US"/>
-          </a:p>
-        </p:txBody>
-      </p:sp>
     </p:spTree>
     <p:extLst>
       <p:ext uri="{BB962C8B-B14F-4D97-AF65-F5344CB8AC3E}">
@@ -3246,85 +1986,6 @@
               <a:t>22</a:t>
             </a:fld>
             <a:endParaRPr lang="en-US" dirty="0"/>
-          </a:p>
-        </p:txBody>
-      </p:sp>
-      <p:sp>
-        <p:nvSpPr>
-          <p:cNvPr id="5" name="Date Placeholder 4">
-            <a:extLst>
-              <a:ext uri="{FF2B5EF4-FFF2-40B4-BE49-F238E27FC236}">
-                <a16:creationId xmlns:a16="http://schemas.microsoft.com/office/drawing/2014/main" id="{D0917E12-821C-4614-BB45-46B333A7CB12}"/>
-              </a:ext>
-            </a:extLst>
-          </p:cNvPr>
-          <p:cNvSpPr>
-            <a:spLocks noGrp="1"/>
-          </p:cNvSpPr>
-          <p:nvPr>
-            <p:ph type="dt" idx="1"/>
-          </p:nvPr>
-        </p:nvSpPr>
-        <p:spPr/>
-        <p:txBody>
-          <a:bodyPr/>
-          <a:lstStyle/>
-          <a:p>
-            <a:fld id="{2353A662-E435-40B4-BE04-16EA22DA1EDE}" type="datetime1">
-              <a:rPr lang="en-US" smtClean="0"/>
-              <a:t>2019-12-25</a:t>
-            </a:fld>
-            <a:endParaRPr lang="en-US"/>
-          </a:p>
-        </p:txBody>
-      </p:sp>
-      <p:sp>
-        <p:nvSpPr>
-          <p:cNvPr id="6" name="Footer Placeholder 5">
-            <a:extLst>
-              <a:ext uri="{FF2B5EF4-FFF2-40B4-BE49-F238E27FC236}">
-                <a16:creationId xmlns:a16="http://schemas.microsoft.com/office/drawing/2014/main" id="{CBE79128-75F1-488F-AA00-19F118389C93}"/>
-              </a:ext>
-            </a:extLst>
-          </p:cNvPr>
-          <p:cNvSpPr>
-            <a:spLocks noGrp="1"/>
-          </p:cNvSpPr>
-          <p:nvPr>
-            <p:ph type="ftr" sz="quarter" idx="4"/>
-          </p:nvPr>
-        </p:nvSpPr>
-        <p:spPr/>
-        <p:txBody>
-          <a:bodyPr/>
-          <a:lstStyle/>
-          <a:p>
-            <a:endParaRPr lang="en-US"/>
-          </a:p>
-        </p:txBody>
-      </p:sp>
-      <p:sp>
-        <p:nvSpPr>
-          <p:cNvPr id="7" name="Header Placeholder 6">
-            <a:extLst>
-              <a:ext uri="{FF2B5EF4-FFF2-40B4-BE49-F238E27FC236}">
-                <a16:creationId xmlns:a16="http://schemas.microsoft.com/office/drawing/2014/main" id="{16C798CA-DD79-4337-9C57-7F3388FB4AD3}"/>
-              </a:ext>
-            </a:extLst>
-          </p:cNvPr>
-          <p:cNvSpPr>
-            <a:spLocks noGrp="1"/>
-          </p:cNvSpPr>
-          <p:nvPr>
-            <p:ph type="hdr" sz="quarter"/>
-          </p:nvPr>
-        </p:nvSpPr>
-        <p:spPr/>
-        <p:txBody>
-          <a:bodyPr/>
-          <a:lstStyle/>
-          <a:p>
-            <a:endParaRPr lang="en-US"/>
           </a:p>
         </p:txBody>
       </p:sp>
@@ -3415,85 +2076,6 @@
           </a:p>
         </p:txBody>
       </p:sp>
-      <p:sp>
-        <p:nvSpPr>
-          <p:cNvPr id="5" name="Date Placeholder 4">
-            <a:extLst>
-              <a:ext uri="{FF2B5EF4-FFF2-40B4-BE49-F238E27FC236}">
-                <a16:creationId xmlns:a16="http://schemas.microsoft.com/office/drawing/2014/main" id="{90D45758-398C-4C65-A435-D6145C30362A}"/>
-              </a:ext>
-            </a:extLst>
-          </p:cNvPr>
-          <p:cNvSpPr>
-            <a:spLocks noGrp="1"/>
-          </p:cNvSpPr>
-          <p:nvPr>
-            <p:ph type="dt" idx="1"/>
-          </p:nvPr>
-        </p:nvSpPr>
-        <p:spPr/>
-        <p:txBody>
-          <a:bodyPr/>
-          <a:lstStyle/>
-          <a:p>
-            <a:fld id="{87AC05D4-219F-40E9-885F-2AAE65A314E6}" type="datetime1">
-              <a:rPr lang="en-US" smtClean="0"/>
-              <a:t>2019-12-25</a:t>
-            </a:fld>
-            <a:endParaRPr lang="en-US"/>
-          </a:p>
-        </p:txBody>
-      </p:sp>
-      <p:sp>
-        <p:nvSpPr>
-          <p:cNvPr id="6" name="Footer Placeholder 5">
-            <a:extLst>
-              <a:ext uri="{FF2B5EF4-FFF2-40B4-BE49-F238E27FC236}">
-                <a16:creationId xmlns:a16="http://schemas.microsoft.com/office/drawing/2014/main" id="{41519F8E-05A5-4CC0-ADC7-9CFB0B8A8486}"/>
-              </a:ext>
-            </a:extLst>
-          </p:cNvPr>
-          <p:cNvSpPr>
-            <a:spLocks noGrp="1"/>
-          </p:cNvSpPr>
-          <p:nvPr>
-            <p:ph type="ftr" sz="quarter" idx="4"/>
-          </p:nvPr>
-        </p:nvSpPr>
-        <p:spPr/>
-        <p:txBody>
-          <a:bodyPr/>
-          <a:lstStyle/>
-          <a:p>
-            <a:endParaRPr lang="en-US"/>
-          </a:p>
-        </p:txBody>
-      </p:sp>
-      <p:sp>
-        <p:nvSpPr>
-          <p:cNvPr id="7" name="Header Placeholder 6">
-            <a:extLst>
-              <a:ext uri="{FF2B5EF4-FFF2-40B4-BE49-F238E27FC236}">
-                <a16:creationId xmlns:a16="http://schemas.microsoft.com/office/drawing/2014/main" id="{8269D7C4-CE7F-449F-BE60-106A204E7B56}"/>
-              </a:ext>
-            </a:extLst>
-          </p:cNvPr>
-          <p:cNvSpPr>
-            <a:spLocks noGrp="1"/>
-          </p:cNvSpPr>
-          <p:nvPr>
-            <p:ph type="hdr" sz="quarter"/>
-          </p:nvPr>
-        </p:nvSpPr>
-        <p:spPr/>
-        <p:txBody>
-          <a:bodyPr/>
-          <a:lstStyle/>
-          <a:p>
-            <a:endParaRPr lang="en-US"/>
-          </a:p>
-        </p:txBody>
-      </p:sp>
     </p:spTree>
     <p:extLst>
       <p:ext uri="{BB962C8B-B14F-4D97-AF65-F5344CB8AC3E}">
@@ -3584,85 +2166,6 @@
               <a:t>24</a:t>
             </a:fld>
             <a:endParaRPr lang="en-US" dirty="0"/>
-          </a:p>
-        </p:txBody>
-      </p:sp>
-      <p:sp>
-        <p:nvSpPr>
-          <p:cNvPr id="5" name="Date Placeholder 4">
-            <a:extLst>
-              <a:ext uri="{FF2B5EF4-FFF2-40B4-BE49-F238E27FC236}">
-                <a16:creationId xmlns:a16="http://schemas.microsoft.com/office/drawing/2014/main" id="{6737C97E-7912-4CB1-955B-F61159A98FBC}"/>
-              </a:ext>
-            </a:extLst>
-          </p:cNvPr>
-          <p:cNvSpPr>
-            <a:spLocks noGrp="1"/>
-          </p:cNvSpPr>
-          <p:nvPr>
-            <p:ph type="dt" idx="1"/>
-          </p:nvPr>
-        </p:nvSpPr>
-        <p:spPr/>
-        <p:txBody>
-          <a:bodyPr/>
-          <a:lstStyle/>
-          <a:p>
-            <a:fld id="{4F2E5627-A636-454A-871C-A292E8EBFED8}" type="datetime1">
-              <a:rPr lang="en-US" smtClean="0"/>
-              <a:t>2019-12-25</a:t>
-            </a:fld>
-            <a:endParaRPr lang="en-US"/>
-          </a:p>
-        </p:txBody>
-      </p:sp>
-      <p:sp>
-        <p:nvSpPr>
-          <p:cNvPr id="6" name="Footer Placeholder 5">
-            <a:extLst>
-              <a:ext uri="{FF2B5EF4-FFF2-40B4-BE49-F238E27FC236}">
-                <a16:creationId xmlns:a16="http://schemas.microsoft.com/office/drawing/2014/main" id="{4987AAB3-E24F-4F3F-BCA1-EEAFD7107431}"/>
-              </a:ext>
-            </a:extLst>
-          </p:cNvPr>
-          <p:cNvSpPr>
-            <a:spLocks noGrp="1"/>
-          </p:cNvSpPr>
-          <p:nvPr>
-            <p:ph type="ftr" sz="quarter" idx="4"/>
-          </p:nvPr>
-        </p:nvSpPr>
-        <p:spPr/>
-        <p:txBody>
-          <a:bodyPr/>
-          <a:lstStyle/>
-          <a:p>
-            <a:endParaRPr lang="en-US"/>
-          </a:p>
-        </p:txBody>
-      </p:sp>
-      <p:sp>
-        <p:nvSpPr>
-          <p:cNvPr id="7" name="Header Placeholder 6">
-            <a:extLst>
-              <a:ext uri="{FF2B5EF4-FFF2-40B4-BE49-F238E27FC236}">
-                <a16:creationId xmlns:a16="http://schemas.microsoft.com/office/drawing/2014/main" id="{05A97F33-823C-4A85-87B7-BD640FB39E7D}"/>
-              </a:ext>
-            </a:extLst>
-          </p:cNvPr>
-          <p:cNvSpPr>
-            <a:spLocks noGrp="1"/>
-          </p:cNvSpPr>
-          <p:nvPr>
-            <p:ph type="hdr" sz="quarter"/>
-          </p:nvPr>
-        </p:nvSpPr>
-        <p:spPr/>
-        <p:txBody>
-          <a:bodyPr/>
-          <a:lstStyle/>
-          <a:p>
-            <a:endParaRPr lang="en-US"/>
           </a:p>
         </p:txBody>
       </p:sp>
@@ -3756,85 +2259,6 @@
           </a:p>
         </p:txBody>
       </p:sp>
-      <p:sp>
-        <p:nvSpPr>
-          <p:cNvPr id="5" name="Date Placeholder 4">
-            <a:extLst>
-              <a:ext uri="{FF2B5EF4-FFF2-40B4-BE49-F238E27FC236}">
-                <a16:creationId xmlns:a16="http://schemas.microsoft.com/office/drawing/2014/main" id="{CB9D0395-3721-4D2A-A5FA-2FE4F4AFD24E}"/>
-              </a:ext>
-            </a:extLst>
-          </p:cNvPr>
-          <p:cNvSpPr>
-            <a:spLocks noGrp="1"/>
-          </p:cNvSpPr>
-          <p:nvPr>
-            <p:ph type="dt" idx="1"/>
-          </p:nvPr>
-        </p:nvSpPr>
-        <p:spPr/>
-        <p:txBody>
-          <a:bodyPr/>
-          <a:lstStyle/>
-          <a:p>
-            <a:fld id="{276C90CA-AB1B-4BD9-9D35-871B3E203207}" type="datetime1">
-              <a:rPr lang="en-US" smtClean="0"/>
-              <a:t>2019-12-25</a:t>
-            </a:fld>
-            <a:endParaRPr lang="en-US"/>
-          </a:p>
-        </p:txBody>
-      </p:sp>
-      <p:sp>
-        <p:nvSpPr>
-          <p:cNvPr id="6" name="Footer Placeholder 5">
-            <a:extLst>
-              <a:ext uri="{FF2B5EF4-FFF2-40B4-BE49-F238E27FC236}">
-                <a16:creationId xmlns:a16="http://schemas.microsoft.com/office/drawing/2014/main" id="{E8ECEE0D-B17C-4B17-8339-92B34811EA8E}"/>
-              </a:ext>
-            </a:extLst>
-          </p:cNvPr>
-          <p:cNvSpPr>
-            <a:spLocks noGrp="1"/>
-          </p:cNvSpPr>
-          <p:nvPr>
-            <p:ph type="ftr" sz="quarter" idx="4"/>
-          </p:nvPr>
-        </p:nvSpPr>
-        <p:spPr/>
-        <p:txBody>
-          <a:bodyPr/>
-          <a:lstStyle/>
-          <a:p>
-            <a:endParaRPr lang="en-US"/>
-          </a:p>
-        </p:txBody>
-      </p:sp>
-      <p:sp>
-        <p:nvSpPr>
-          <p:cNvPr id="7" name="Header Placeholder 6">
-            <a:extLst>
-              <a:ext uri="{FF2B5EF4-FFF2-40B4-BE49-F238E27FC236}">
-                <a16:creationId xmlns:a16="http://schemas.microsoft.com/office/drawing/2014/main" id="{34F7EADE-581E-45EB-BDCC-430552DA545C}"/>
-              </a:ext>
-            </a:extLst>
-          </p:cNvPr>
-          <p:cNvSpPr>
-            <a:spLocks noGrp="1"/>
-          </p:cNvSpPr>
-          <p:nvPr>
-            <p:ph type="hdr" sz="quarter"/>
-          </p:nvPr>
-        </p:nvSpPr>
-        <p:spPr/>
-        <p:txBody>
-          <a:bodyPr/>
-          <a:lstStyle/>
-          <a:p>
-            <a:endParaRPr lang="en-US"/>
-          </a:p>
-        </p:txBody>
-      </p:sp>
     </p:spTree>
     <p:extLst>
       <p:ext uri="{BB962C8B-B14F-4D97-AF65-F5344CB8AC3E}">
@@ -3924,85 +2348,6 @@
               <a:rPr lang="en-US" smtClean="0"/>
               <a:t>26</a:t>
             </a:fld>
-            <a:endParaRPr lang="en-US"/>
-          </a:p>
-        </p:txBody>
-      </p:sp>
-      <p:sp>
-        <p:nvSpPr>
-          <p:cNvPr id="5" name="Date Placeholder 4">
-            <a:extLst>
-              <a:ext uri="{FF2B5EF4-FFF2-40B4-BE49-F238E27FC236}">
-                <a16:creationId xmlns:a16="http://schemas.microsoft.com/office/drawing/2014/main" id="{26ECEC8A-E901-4438-BC0D-2F6691D3A937}"/>
-              </a:ext>
-            </a:extLst>
-          </p:cNvPr>
-          <p:cNvSpPr>
-            <a:spLocks noGrp="1"/>
-          </p:cNvSpPr>
-          <p:nvPr>
-            <p:ph type="dt" idx="1"/>
-          </p:nvPr>
-        </p:nvSpPr>
-        <p:spPr/>
-        <p:txBody>
-          <a:bodyPr/>
-          <a:lstStyle/>
-          <a:p>
-            <a:fld id="{0C815BF9-DE42-4E85-A534-1D2BE78481D4}" type="datetime1">
-              <a:rPr lang="en-US" smtClean="0"/>
-              <a:t>2019-12-25</a:t>
-            </a:fld>
-            <a:endParaRPr lang="en-US"/>
-          </a:p>
-        </p:txBody>
-      </p:sp>
-      <p:sp>
-        <p:nvSpPr>
-          <p:cNvPr id="6" name="Footer Placeholder 5">
-            <a:extLst>
-              <a:ext uri="{FF2B5EF4-FFF2-40B4-BE49-F238E27FC236}">
-                <a16:creationId xmlns:a16="http://schemas.microsoft.com/office/drawing/2014/main" id="{A6336421-14F8-4F9B-9953-AE468432E7CA}"/>
-              </a:ext>
-            </a:extLst>
-          </p:cNvPr>
-          <p:cNvSpPr>
-            <a:spLocks noGrp="1"/>
-          </p:cNvSpPr>
-          <p:nvPr>
-            <p:ph type="ftr" sz="quarter" idx="4"/>
-          </p:nvPr>
-        </p:nvSpPr>
-        <p:spPr/>
-        <p:txBody>
-          <a:bodyPr/>
-          <a:lstStyle/>
-          <a:p>
-            <a:endParaRPr lang="en-US"/>
-          </a:p>
-        </p:txBody>
-      </p:sp>
-      <p:sp>
-        <p:nvSpPr>
-          <p:cNvPr id="7" name="Header Placeholder 6">
-            <a:extLst>
-              <a:ext uri="{FF2B5EF4-FFF2-40B4-BE49-F238E27FC236}">
-                <a16:creationId xmlns:a16="http://schemas.microsoft.com/office/drawing/2014/main" id="{C58E98A6-9AE9-445D-8B0B-513F8983183E}"/>
-              </a:ext>
-            </a:extLst>
-          </p:cNvPr>
-          <p:cNvSpPr>
-            <a:spLocks noGrp="1"/>
-          </p:cNvSpPr>
-          <p:nvPr>
-            <p:ph type="hdr" sz="quarter"/>
-          </p:nvPr>
-        </p:nvSpPr>
-        <p:spPr/>
-        <p:txBody>
-          <a:bodyPr/>
-          <a:lstStyle/>
-          <a:p>
             <a:endParaRPr lang="en-US"/>
           </a:p>
         </p:txBody>
@@ -4094,85 +2439,6 @@
           </a:p>
         </p:txBody>
       </p:sp>
-      <p:sp>
-        <p:nvSpPr>
-          <p:cNvPr id="5" name="Date Placeholder 4">
-            <a:extLst>
-              <a:ext uri="{FF2B5EF4-FFF2-40B4-BE49-F238E27FC236}">
-                <a16:creationId xmlns:a16="http://schemas.microsoft.com/office/drawing/2014/main" id="{04449F2D-3000-401B-B18D-1275EAE5F328}"/>
-              </a:ext>
-            </a:extLst>
-          </p:cNvPr>
-          <p:cNvSpPr>
-            <a:spLocks noGrp="1"/>
-          </p:cNvSpPr>
-          <p:nvPr>
-            <p:ph type="dt" idx="1"/>
-          </p:nvPr>
-        </p:nvSpPr>
-        <p:spPr/>
-        <p:txBody>
-          <a:bodyPr/>
-          <a:lstStyle/>
-          <a:p>
-            <a:fld id="{05BA36E4-3519-4BFA-A089-7154BC05CC50}" type="datetime1">
-              <a:rPr lang="en-US" smtClean="0"/>
-              <a:t>2019-12-25</a:t>
-            </a:fld>
-            <a:endParaRPr lang="en-US"/>
-          </a:p>
-        </p:txBody>
-      </p:sp>
-      <p:sp>
-        <p:nvSpPr>
-          <p:cNvPr id="6" name="Footer Placeholder 5">
-            <a:extLst>
-              <a:ext uri="{FF2B5EF4-FFF2-40B4-BE49-F238E27FC236}">
-                <a16:creationId xmlns:a16="http://schemas.microsoft.com/office/drawing/2014/main" id="{5335ABE4-F5EC-4BA3-A7F8-58A1C70C8AAD}"/>
-              </a:ext>
-            </a:extLst>
-          </p:cNvPr>
-          <p:cNvSpPr>
-            <a:spLocks noGrp="1"/>
-          </p:cNvSpPr>
-          <p:nvPr>
-            <p:ph type="ftr" sz="quarter" idx="4"/>
-          </p:nvPr>
-        </p:nvSpPr>
-        <p:spPr/>
-        <p:txBody>
-          <a:bodyPr/>
-          <a:lstStyle/>
-          <a:p>
-            <a:endParaRPr lang="en-US"/>
-          </a:p>
-        </p:txBody>
-      </p:sp>
-      <p:sp>
-        <p:nvSpPr>
-          <p:cNvPr id="7" name="Header Placeholder 6">
-            <a:extLst>
-              <a:ext uri="{FF2B5EF4-FFF2-40B4-BE49-F238E27FC236}">
-                <a16:creationId xmlns:a16="http://schemas.microsoft.com/office/drawing/2014/main" id="{6AD1DD06-F53F-4929-9955-E065D1989845}"/>
-              </a:ext>
-            </a:extLst>
-          </p:cNvPr>
-          <p:cNvSpPr>
-            <a:spLocks noGrp="1"/>
-          </p:cNvSpPr>
-          <p:nvPr>
-            <p:ph type="hdr" sz="quarter"/>
-          </p:nvPr>
-        </p:nvSpPr>
-        <p:spPr/>
-        <p:txBody>
-          <a:bodyPr/>
-          <a:lstStyle/>
-          <a:p>
-            <a:endParaRPr lang="en-US"/>
-          </a:p>
-        </p:txBody>
-      </p:sp>
     </p:spTree>
     <p:extLst>
       <p:ext uri="{BB962C8B-B14F-4D97-AF65-F5344CB8AC3E}">
@@ -4286,85 +2552,6 @@
               <a:rPr lang="en-US" smtClean="0"/>
               <a:t>28</a:t>
             </a:fld>
-            <a:endParaRPr lang="en-US"/>
-          </a:p>
-        </p:txBody>
-      </p:sp>
-      <p:sp>
-        <p:nvSpPr>
-          <p:cNvPr id="5" name="Date Placeholder 4">
-            <a:extLst>
-              <a:ext uri="{FF2B5EF4-FFF2-40B4-BE49-F238E27FC236}">
-                <a16:creationId xmlns:a16="http://schemas.microsoft.com/office/drawing/2014/main" id="{288AE36E-0B08-441A-A070-9F3859AA7F5E}"/>
-              </a:ext>
-            </a:extLst>
-          </p:cNvPr>
-          <p:cNvSpPr>
-            <a:spLocks noGrp="1"/>
-          </p:cNvSpPr>
-          <p:nvPr>
-            <p:ph type="dt" idx="1"/>
-          </p:nvPr>
-        </p:nvSpPr>
-        <p:spPr/>
-        <p:txBody>
-          <a:bodyPr/>
-          <a:lstStyle/>
-          <a:p>
-            <a:fld id="{9AA90A32-BCC8-4CD3-B242-AAB1328F6136}" type="datetime1">
-              <a:rPr lang="en-US" smtClean="0"/>
-              <a:t>2019-12-25</a:t>
-            </a:fld>
-            <a:endParaRPr lang="en-US"/>
-          </a:p>
-        </p:txBody>
-      </p:sp>
-      <p:sp>
-        <p:nvSpPr>
-          <p:cNvPr id="6" name="Footer Placeholder 5">
-            <a:extLst>
-              <a:ext uri="{FF2B5EF4-FFF2-40B4-BE49-F238E27FC236}">
-                <a16:creationId xmlns:a16="http://schemas.microsoft.com/office/drawing/2014/main" id="{9FF74FA2-F11F-4BB8-A061-34115E1D83F3}"/>
-              </a:ext>
-            </a:extLst>
-          </p:cNvPr>
-          <p:cNvSpPr>
-            <a:spLocks noGrp="1"/>
-          </p:cNvSpPr>
-          <p:nvPr>
-            <p:ph type="ftr" sz="quarter" idx="4"/>
-          </p:nvPr>
-        </p:nvSpPr>
-        <p:spPr/>
-        <p:txBody>
-          <a:bodyPr/>
-          <a:lstStyle/>
-          <a:p>
-            <a:endParaRPr lang="en-US"/>
-          </a:p>
-        </p:txBody>
-      </p:sp>
-      <p:sp>
-        <p:nvSpPr>
-          <p:cNvPr id="7" name="Header Placeholder 6">
-            <a:extLst>
-              <a:ext uri="{FF2B5EF4-FFF2-40B4-BE49-F238E27FC236}">
-                <a16:creationId xmlns:a16="http://schemas.microsoft.com/office/drawing/2014/main" id="{AE4A0237-8841-4142-BE95-B7E4F4520999}"/>
-              </a:ext>
-            </a:extLst>
-          </p:cNvPr>
-          <p:cNvSpPr>
-            <a:spLocks noGrp="1"/>
-          </p:cNvSpPr>
-          <p:nvPr>
-            <p:ph type="hdr" sz="quarter"/>
-          </p:nvPr>
-        </p:nvSpPr>
-        <p:spPr/>
-        <p:txBody>
-          <a:bodyPr/>
-          <a:lstStyle/>
-          <a:p>
             <a:endParaRPr lang="en-US"/>
           </a:p>
         </p:txBody>
@@ -4493,85 +2680,6 @@
           </a:p>
         </p:txBody>
       </p:sp>
-      <p:sp>
-        <p:nvSpPr>
-          <p:cNvPr id="5" name="Date Placeholder 4">
-            <a:extLst>
-              <a:ext uri="{FF2B5EF4-FFF2-40B4-BE49-F238E27FC236}">
-                <a16:creationId xmlns:a16="http://schemas.microsoft.com/office/drawing/2014/main" id="{88DF7A69-2135-4666-B088-F7A8272C25E2}"/>
-              </a:ext>
-            </a:extLst>
-          </p:cNvPr>
-          <p:cNvSpPr>
-            <a:spLocks noGrp="1"/>
-          </p:cNvSpPr>
-          <p:nvPr>
-            <p:ph type="dt" idx="1"/>
-          </p:nvPr>
-        </p:nvSpPr>
-        <p:spPr/>
-        <p:txBody>
-          <a:bodyPr/>
-          <a:lstStyle/>
-          <a:p>
-            <a:fld id="{A149B5A0-D36F-460D-9153-E3DF52484F72}" type="datetime1">
-              <a:rPr lang="en-US" smtClean="0"/>
-              <a:t>2019-12-25</a:t>
-            </a:fld>
-            <a:endParaRPr lang="en-US"/>
-          </a:p>
-        </p:txBody>
-      </p:sp>
-      <p:sp>
-        <p:nvSpPr>
-          <p:cNvPr id="6" name="Footer Placeholder 5">
-            <a:extLst>
-              <a:ext uri="{FF2B5EF4-FFF2-40B4-BE49-F238E27FC236}">
-                <a16:creationId xmlns:a16="http://schemas.microsoft.com/office/drawing/2014/main" id="{3A39B540-DD7E-4934-81D9-EFDB63F48908}"/>
-              </a:ext>
-            </a:extLst>
-          </p:cNvPr>
-          <p:cNvSpPr>
-            <a:spLocks noGrp="1"/>
-          </p:cNvSpPr>
-          <p:nvPr>
-            <p:ph type="ftr" sz="quarter" idx="4"/>
-          </p:nvPr>
-        </p:nvSpPr>
-        <p:spPr/>
-        <p:txBody>
-          <a:bodyPr/>
-          <a:lstStyle/>
-          <a:p>
-            <a:endParaRPr lang="en-US"/>
-          </a:p>
-        </p:txBody>
-      </p:sp>
-      <p:sp>
-        <p:nvSpPr>
-          <p:cNvPr id="7" name="Header Placeholder 6">
-            <a:extLst>
-              <a:ext uri="{FF2B5EF4-FFF2-40B4-BE49-F238E27FC236}">
-                <a16:creationId xmlns:a16="http://schemas.microsoft.com/office/drawing/2014/main" id="{902832B5-33D5-4CE8-A4FC-411EE8EA5383}"/>
-              </a:ext>
-            </a:extLst>
-          </p:cNvPr>
-          <p:cNvSpPr>
-            <a:spLocks noGrp="1"/>
-          </p:cNvSpPr>
-          <p:nvPr>
-            <p:ph type="hdr" sz="quarter"/>
-          </p:nvPr>
-        </p:nvSpPr>
-        <p:spPr/>
-        <p:txBody>
-          <a:bodyPr/>
-          <a:lstStyle/>
-          <a:p>
-            <a:endParaRPr lang="en-US"/>
-          </a:p>
-        </p:txBody>
-      </p:sp>
     </p:spTree>
     <p:extLst>
       <p:ext uri="{BB962C8B-B14F-4D97-AF65-F5344CB8AC3E}">
@@ -4637,7 +2745,15 @@
           <a:p>
             <a:r>
               <a:rPr lang="en-US" baseline="0" dirty="0"/>
-              <a:t>Lets take a look at the Wireless Gecko series Socs first</a:t>
+              <a:t>Lets take a look at the Wireless Gecko series </a:t>
+            </a:r>
+            <a:r>
+              <a:rPr lang="en-US" baseline="0" dirty="0" err="1"/>
+              <a:t>Socs</a:t>
+            </a:r>
+            <a:r>
+              <a:rPr lang="en-US" baseline="0" dirty="0"/>
+              <a:t> first</a:t>
             </a:r>
             <a:endParaRPr lang="en-US" dirty="0"/>
           </a:p>
@@ -4662,86 +2778,7 @@
               <a:rPr lang="en-US" smtClean="0"/>
               <a:t>3</a:t>
             </a:fld>
-            <a:endParaRPr lang="en-US" dirty="0"/>
-          </a:p>
-        </p:txBody>
-      </p:sp>
-      <p:sp>
-        <p:nvSpPr>
-          <p:cNvPr id="5" name="Date Placeholder 4">
-            <a:extLst>
-              <a:ext uri="{FF2B5EF4-FFF2-40B4-BE49-F238E27FC236}">
-                <a16:creationId xmlns:a16="http://schemas.microsoft.com/office/drawing/2014/main" id="{5168AE5C-63DF-46F9-BB1F-43A64EF3AC19}"/>
-              </a:ext>
-            </a:extLst>
-          </p:cNvPr>
-          <p:cNvSpPr>
-            <a:spLocks noGrp="1"/>
-          </p:cNvSpPr>
-          <p:nvPr>
-            <p:ph type="dt" idx="1"/>
-          </p:nvPr>
-        </p:nvSpPr>
-        <p:spPr/>
-        <p:txBody>
-          <a:bodyPr/>
-          <a:lstStyle/>
-          <a:p>
-            <a:fld id="{A7D8C0F5-E26E-4FA0-90D5-26CF3B8D8183}" type="datetime1">
-              <a:rPr lang="en-US" smtClean="0"/>
-              <a:t>2019-12-25</a:t>
-            </a:fld>
-            <a:endParaRPr lang="en-US" dirty="0"/>
-          </a:p>
-        </p:txBody>
-      </p:sp>
-      <p:sp>
-        <p:nvSpPr>
-          <p:cNvPr id="6" name="Footer Placeholder 5">
-            <a:extLst>
-              <a:ext uri="{FF2B5EF4-FFF2-40B4-BE49-F238E27FC236}">
-                <a16:creationId xmlns:a16="http://schemas.microsoft.com/office/drawing/2014/main" id="{3F01AF46-037C-4877-BBA2-40B34AC0C8A8}"/>
-              </a:ext>
-            </a:extLst>
-          </p:cNvPr>
-          <p:cNvSpPr>
-            <a:spLocks noGrp="1"/>
-          </p:cNvSpPr>
-          <p:nvPr>
-            <p:ph type="ftr" sz="quarter" idx="4"/>
-          </p:nvPr>
-        </p:nvSpPr>
-        <p:spPr/>
-        <p:txBody>
-          <a:bodyPr/>
-          <a:lstStyle/>
-          <a:p>
-            <a:endParaRPr lang="en-US" dirty="0"/>
-          </a:p>
-        </p:txBody>
-      </p:sp>
-      <p:sp>
-        <p:nvSpPr>
-          <p:cNvPr id="7" name="Header Placeholder 6">
-            <a:extLst>
-              <a:ext uri="{FF2B5EF4-FFF2-40B4-BE49-F238E27FC236}">
-                <a16:creationId xmlns:a16="http://schemas.microsoft.com/office/drawing/2014/main" id="{6C79FD83-4B6F-4E23-BA86-22D5E09AD69B}"/>
-              </a:ext>
-            </a:extLst>
-          </p:cNvPr>
-          <p:cNvSpPr>
-            <a:spLocks noGrp="1"/>
-          </p:cNvSpPr>
-          <p:nvPr>
-            <p:ph type="hdr" sz="quarter"/>
-          </p:nvPr>
-        </p:nvSpPr>
-        <p:spPr/>
-        <p:txBody>
-          <a:bodyPr/>
-          <a:lstStyle/>
-          <a:p>
-            <a:endParaRPr lang="en-US" dirty="0"/>
+            <a:endParaRPr lang="en-US"/>
           </a:p>
         </p:txBody>
       </p:sp>
@@ -4835,85 +2872,6 @@
           </a:p>
         </p:txBody>
       </p:sp>
-      <p:sp>
-        <p:nvSpPr>
-          <p:cNvPr id="5" name="Date Placeholder 4">
-            <a:extLst>
-              <a:ext uri="{FF2B5EF4-FFF2-40B4-BE49-F238E27FC236}">
-                <a16:creationId xmlns:a16="http://schemas.microsoft.com/office/drawing/2014/main" id="{AAB074B3-D14B-4B8E-964D-6DA3A9255CFD}"/>
-              </a:ext>
-            </a:extLst>
-          </p:cNvPr>
-          <p:cNvSpPr>
-            <a:spLocks noGrp="1"/>
-          </p:cNvSpPr>
-          <p:nvPr>
-            <p:ph type="dt" idx="1"/>
-          </p:nvPr>
-        </p:nvSpPr>
-        <p:spPr/>
-        <p:txBody>
-          <a:bodyPr/>
-          <a:lstStyle/>
-          <a:p>
-            <a:fld id="{A47DB902-FA1C-441E-AA29-053B486765C0}" type="datetime1">
-              <a:rPr lang="en-US" smtClean="0"/>
-              <a:t>2019-12-25</a:t>
-            </a:fld>
-            <a:endParaRPr lang="en-US"/>
-          </a:p>
-        </p:txBody>
-      </p:sp>
-      <p:sp>
-        <p:nvSpPr>
-          <p:cNvPr id="6" name="Footer Placeholder 5">
-            <a:extLst>
-              <a:ext uri="{FF2B5EF4-FFF2-40B4-BE49-F238E27FC236}">
-                <a16:creationId xmlns:a16="http://schemas.microsoft.com/office/drawing/2014/main" id="{98B75CD6-5F63-4C91-976A-9D5045E0C4B4}"/>
-              </a:ext>
-            </a:extLst>
-          </p:cNvPr>
-          <p:cNvSpPr>
-            <a:spLocks noGrp="1"/>
-          </p:cNvSpPr>
-          <p:nvPr>
-            <p:ph type="ftr" sz="quarter" idx="4"/>
-          </p:nvPr>
-        </p:nvSpPr>
-        <p:spPr/>
-        <p:txBody>
-          <a:bodyPr/>
-          <a:lstStyle/>
-          <a:p>
-            <a:endParaRPr lang="en-US"/>
-          </a:p>
-        </p:txBody>
-      </p:sp>
-      <p:sp>
-        <p:nvSpPr>
-          <p:cNvPr id="7" name="Header Placeholder 6">
-            <a:extLst>
-              <a:ext uri="{FF2B5EF4-FFF2-40B4-BE49-F238E27FC236}">
-                <a16:creationId xmlns:a16="http://schemas.microsoft.com/office/drawing/2014/main" id="{03FD8C35-FA44-4F7A-8FA1-03BE8D9D2522}"/>
-              </a:ext>
-            </a:extLst>
-          </p:cNvPr>
-          <p:cNvSpPr>
-            <a:spLocks noGrp="1"/>
-          </p:cNvSpPr>
-          <p:nvPr>
-            <p:ph type="hdr" sz="quarter"/>
-          </p:nvPr>
-        </p:nvSpPr>
-        <p:spPr/>
-        <p:txBody>
-          <a:bodyPr/>
-          <a:lstStyle/>
-          <a:p>
-            <a:endParaRPr lang="en-US"/>
-          </a:p>
-        </p:txBody>
-      </p:sp>
     </p:spTree>
     <p:extLst>
       <p:ext uri="{BB962C8B-B14F-4D97-AF65-F5344CB8AC3E}">
@@ -5004,85 +2962,6 @@
               <a:rPr lang="en-US" smtClean="0"/>
               <a:t>31</a:t>
             </a:fld>
-            <a:endParaRPr lang="en-US"/>
-          </a:p>
-        </p:txBody>
-      </p:sp>
-      <p:sp>
-        <p:nvSpPr>
-          <p:cNvPr id="5" name="Date Placeholder 4">
-            <a:extLst>
-              <a:ext uri="{FF2B5EF4-FFF2-40B4-BE49-F238E27FC236}">
-                <a16:creationId xmlns:a16="http://schemas.microsoft.com/office/drawing/2014/main" id="{A1703294-6B43-444F-B449-657B4C63F85E}"/>
-              </a:ext>
-            </a:extLst>
-          </p:cNvPr>
-          <p:cNvSpPr>
-            <a:spLocks noGrp="1"/>
-          </p:cNvSpPr>
-          <p:nvPr>
-            <p:ph type="dt" idx="1"/>
-          </p:nvPr>
-        </p:nvSpPr>
-        <p:spPr/>
-        <p:txBody>
-          <a:bodyPr/>
-          <a:lstStyle/>
-          <a:p>
-            <a:fld id="{513001E7-AF9B-49BC-8D31-489D0B325779}" type="datetime1">
-              <a:rPr lang="en-US" smtClean="0"/>
-              <a:t>2019-12-25</a:t>
-            </a:fld>
-            <a:endParaRPr lang="en-US"/>
-          </a:p>
-        </p:txBody>
-      </p:sp>
-      <p:sp>
-        <p:nvSpPr>
-          <p:cNvPr id="6" name="Footer Placeholder 5">
-            <a:extLst>
-              <a:ext uri="{FF2B5EF4-FFF2-40B4-BE49-F238E27FC236}">
-                <a16:creationId xmlns:a16="http://schemas.microsoft.com/office/drawing/2014/main" id="{6E75A185-90BB-4667-AA2A-06EBE11A8DE9}"/>
-              </a:ext>
-            </a:extLst>
-          </p:cNvPr>
-          <p:cNvSpPr>
-            <a:spLocks noGrp="1"/>
-          </p:cNvSpPr>
-          <p:nvPr>
-            <p:ph type="ftr" sz="quarter" idx="4"/>
-          </p:nvPr>
-        </p:nvSpPr>
-        <p:spPr/>
-        <p:txBody>
-          <a:bodyPr/>
-          <a:lstStyle/>
-          <a:p>
-            <a:endParaRPr lang="en-US"/>
-          </a:p>
-        </p:txBody>
-      </p:sp>
-      <p:sp>
-        <p:nvSpPr>
-          <p:cNvPr id="7" name="Header Placeholder 6">
-            <a:extLst>
-              <a:ext uri="{FF2B5EF4-FFF2-40B4-BE49-F238E27FC236}">
-                <a16:creationId xmlns:a16="http://schemas.microsoft.com/office/drawing/2014/main" id="{1D47579B-69CA-4BBB-8EB7-2883438D98B3}"/>
-              </a:ext>
-            </a:extLst>
-          </p:cNvPr>
-          <p:cNvSpPr>
-            <a:spLocks noGrp="1"/>
-          </p:cNvSpPr>
-          <p:nvPr>
-            <p:ph type="hdr" sz="quarter"/>
-          </p:nvPr>
-        </p:nvSpPr>
-        <p:spPr/>
-        <p:txBody>
-          <a:bodyPr/>
-          <a:lstStyle/>
-          <a:p>
             <a:endParaRPr lang="en-US"/>
           </a:p>
         </p:txBody>
@@ -5171,85 +3050,6 @@
           </a:p>
         </p:txBody>
       </p:sp>
-      <p:sp>
-        <p:nvSpPr>
-          <p:cNvPr id="5" name="Date Placeholder 4">
-            <a:extLst>
-              <a:ext uri="{FF2B5EF4-FFF2-40B4-BE49-F238E27FC236}">
-                <a16:creationId xmlns:a16="http://schemas.microsoft.com/office/drawing/2014/main" id="{D51F2C08-4C50-4D34-B23C-5965CEB6F517}"/>
-              </a:ext>
-            </a:extLst>
-          </p:cNvPr>
-          <p:cNvSpPr>
-            <a:spLocks noGrp="1"/>
-          </p:cNvSpPr>
-          <p:nvPr>
-            <p:ph type="dt" idx="1"/>
-          </p:nvPr>
-        </p:nvSpPr>
-        <p:spPr/>
-        <p:txBody>
-          <a:bodyPr/>
-          <a:lstStyle/>
-          <a:p>
-            <a:fld id="{FF8CC733-21BC-4F36-9D16-5D8900E6412C}" type="datetime1">
-              <a:rPr lang="en-US" smtClean="0"/>
-              <a:t>2019-12-25</a:t>
-            </a:fld>
-            <a:endParaRPr lang="en-US"/>
-          </a:p>
-        </p:txBody>
-      </p:sp>
-      <p:sp>
-        <p:nvSpPr>
-          <p:cNvPr id="6" name="Footer Placeholder 5">
-            <a:extLst>
-              <a:ext uri="{FF2B5EF4-FFF2-40B4-BE49-F238E27FC236}">
-                <a16:creationId xmlns:a16="http://schemas.microsoft.com/office/drawing/2014/main" id="{D529844B-7B10-4331-BD85-0CB04B8E475D}"/>
-              </a:ext>
-            </a:extLst>
-          </p:cNvPr>
-          <p:cNvSpPr>
-            <a:spLocks noGrp="1"/>
-          </p:cNvSpPr>
-          <p:nvPr>
-            <p:ph type="ftr" sz="quarter" idx="4"/>
-          </p:nvPr>
-        </p:nvSpPr>
-        <p:spPr/>
-        <p:txBody>
-          <a:bodyPr/>
-          <a:lstStyle/>
-          <a:p>
-            <a:endParaRPr lang="en-US"/>
-          </a:p>
-        </p:txBody>
-      </p:sp>
-      <p:sp>
-        <p:nvSpPr>
-          <p:cNvPr id="7" name="Header Placeholder 6">
-            <a:extLst>
-              <a:ext uri="{FF2B5EF4-FFF2-40B4-BE49-F238E27FC236}">
-                <a16:creationId xmlns:a16="http://schemas.microsoft.com/office/drawing/2014/main" id="{D885B719-8952-4097-BC06-9CC1892E34CB}"/>
-              </a:ext>
-            </a:extLst>
-          </p:cNvPr>
-          <p:cNvSpPr>
-            <a:spLocks noGrp="1"/>
-          </p:cNvSpPr>
-          <p:nvPr>
-            <p:ph type="hdr" sz="quarter"/>
-          </p:nvPr>
-        </p:nvSpPr>
-        <p:spPr/>
-        <p:txBody>
-          <a:bodyPr/>
-          <a:lstStyle/>
-          <a:p>
-            <a:endParaRPr lang="en-US"/>
-          </a:p>
-        </p:txBody>
-      </p:sp>
     </p:spTree>
     <p:extLst>
       <p:ext uri="{BB962C8B-B14F-4D97-AF65-F5344CB8AC3E}">
@@ -5330,7 +3130,15 @@
           <a:p>
             <a:r>
               <a:rPr lang="en-US" sz="800" baseline="0" dirty="0"/>
-              <a:t>Mighty Gecko is the superset part.  While it is focused on 2.4 GHz mesh, including zigbee and Thread, it supports Bluetooth Low Energy and can support both 2.4 GHz and sub-GHZ for proprietary applications.  This makes it a great option for customers that want a single design to support multiple options or want the capability for a single product in the field to support multiple protocols.  With 256K to 1meg of Flash and over 40 parts, including SoCs and modules, it is the ideal multi-protocol solution.</a:t>
+              <a:t>Mighty Gecko is the superset part.  While it is focused on 2.4 GHz mesh, including zigbee and Thread, it supports Bluetooth Low Energy and can support both 2.4 GHz and sub-GHZ for proprietary applications.  This makes it a great option for customers that want a single design to support multiple options or want the capability for a single product in the field to support multiple protocols.  With 256K to 1meg of Flash and over 40 parts, including </a:t>
+            </a:r>
+            <a:r>
+              <a:rPr lang="en-US" sz="800" baseline="0" dirty="0" err="1"/>
+              <a:t>SoCs</a:t>
+            </a:r>
+            <a:r>
+              <a:rPr lang="en-US" sz="800" baseline="0" dirty="0"/>
+              <a:t> and modules, it is the ideal multi-protocol solution.</a:t>
             </a:r>
             <a:endParaRPr lang="en-US" sz="800" dirty="0"/>
           </a:p>
@@ -5358,86 +3166,7 @@
               <a:rPr lang="en-US" smtClean="0"/>
               <a:t>4</a:t>
             </a:fld>
-            <a:endParaRPr lang="en-US" dirty="0"/>
-          </a:p>
-        </p:txBody>
-      </p:sp>
-      <p:sp>
-        <p:nvSpPr>
-          <p:cNvPr id="5" name="Date Placeholder 4">
-            <a:extLst>
-              <a:ext uri="{FF2B5EF4-FFF2-40B4-BE49-F238E27FC236}">
-                <a16:creationId xmlns:a16="http://schemas.microsoft.com/office/drawing/2014/main" id="{EBA7191E-DA92-40E1-9191-97CA34CAD2B0}"/>
-              </a:ext>
-            </a:extLst>
-          </p:cNvPr>
-          <p:cNvSpPr>
-            <a:spLocks noGrp="1"/>
-          </p:cNvSpPr>
-          <p:nvPr>
-            <p:ph type="dt" idx="1"/>
-          </p:nvPr>
-        </p:nvSpPr>
-        <p:spPr/>
-        <p:txBody>
-          <a:bodyPr/>
-          <a:lstStyle/>
-          <a:p>
-            <a:fld id="{553540C0-D396-483A-8CF2-6799B63FE412}" type="datetime1">
-              <a:rPr lang="en-US" smtClean="0"/>
-              <a:t>2019-12-25</a:t>
-            </a:fld>
-            <a:endParaRPr lang="en-US" dirty="0"/>
-          </a:p>
-        </p:txBody>
-      </p:sp>
-      <p:sp>
-        <p:nvSpPr>
-          <p:cNvPr id="6" name="Footer Placeholder 5">
-            <a:extLst>
-              <a:ext uri="{FF2B5EF4-FFF2-40B4-BE49-F238E27FC236}">
-                <a16:creationId xmlns:a16="http://schemas.microsoft.com/office/drawing/2014/main" id="{DBC1661A-6D4C-4AAE-AFF1-197D1461FCFF}"/>
-              </a:ext>
-            </a:extLst>
-          </p:cNvPr>
-          <p:cNvSpPr>
-            <a:spLocks noGrp="1"/>
-          </p:cNvSpPr>
-          <p:nvPr>
-            <p:ph type="ftr" sz="quarter" idx="4"/>
-          </p:nvPr>
-        </p:nvSpPr>
-        <p:spPr/>
-        <p:txBody>
-          <a:bodyPr/>
-          <a:lstStyle/>
-          <a:p>
-            <a:endParaRPr lang="en-US" dirty="0"/>
-          </a:p>
-        </p:txBody>
-      </p:sp>
-      <p:sp>
-        <p:nvSpPr>
-          <p:cNvPr id="7" name="Header Placeholder 6">
-            <a:extLst>
-              <a:ext uri="{FF2B5EF4-FFF2-40B4-BE49-F238E27FC236}">
-                <a16:creationId xmlns:a16="http://schemas.microsoft.com/office/drawing/2014/main" id="{109C1BE9-7927-4670-9F20-B8BFF71DDAA8}"/>
-              </a:ext>
-            </a:extLst>
-          </p:cNvPr>
-          <p:cNvSpPr>
-            <a:spLocks noGrp="1"/>
-          </p:cNvSpPr>
-          <p:nvPr>
-            <p:ph type="hdr" sz="quarter"/>
-          </p:nvPr>
-        </p:nvSpPr>
-        <p:spPr/>
-        <p:txBody>
-          <a:bodyPr/>
-          <a:lstStyle/>
-          <a:p>
-            <a:endParaRPr lang="en-US" dirty="0"/>
+            <a:endParaRPr lang="en-US"/>
           </a:p>
         </p:txBody>
       </p:sp>
@@ -5551,86 +3280,7 @@
               <a:rPr lang="en-US" smtClean="0"/>
               <a:t>5</a:t>
             </a:fld>
-            <a:endParaRPr lang="en-US" dirty="0"/>
-          </a:p>
-        </p:txBody>
-      </p:sp>
-      <p:sp>
-        <p:nvSpPr>
-          <p:cNvPr id="5" name="Date Placeholder 4">
-            <a:extLst>
-              <a:ext uri="{FF2B5EF4-FFF2-40B4-BE49-F238E27FC236}">
-                <a16:creationId xmlns:a16="http://schemas.microsoft.com/office/drawing/2014/main" id="{7CC0894F-C0E3-4258-8DA8-3F5C7F868E19}"/>
-              </a:ext>
-            </a:extLst>
-          </p:cNvPr>
-          <p:cNvSpPr>
-            <a:spLocks noGrp="1"/>
-          </p:cNvSpPr>
-          <p:nvPr>
-            <p:ph type="dt" idx="1"/>
-          </p:nvPr>
-        </p:nvSpPr>
-        <p:spPr/>
-        <p:txBody>
-          <a:bodyPr/>
-          <a:lstStyle/>
-          <a:p>
-            <a:fld id="{E60FD3DB-43FD-4F23-A27B-B9BD4CACB020}" type="datetime1">
-              <a:rPr lang="en-US" smtClean="0"/>
-              <a:t>2019-12-25</a:t>
-            </a:fld>
-            <a:endParaRPr lang="en-US" dirty="0"/>
-          </a:p>
-        </p:txBody>
-      </p:sp>
-      <p:sp>
-        <p:nvSpPr>
-          <p:cNvPr id="6" name="Footer Placeholder 5">
-            <a:extLst>
-              <a:ext uri="{FF2B5EF4-FFF2-40B4-BE49-F238E27FC236}">
-                <a16:creationId xmlns:a16="http://schemas.microsoft.com/office/drawing/2014/main" id="{2ABE99C0-4584-47A8-844D-47EFE2DC6C79}"/>
-              </a:ext>
-            </a:extLst>
-          </p:cNvPr>
-          <p:cNvSpPr>
-            <a:spLocks noGrp="1"/>
-          </p:cNvSpPr>
-          <p:nvPr>
-            <p:ph type="ftr" sz="quarter" idx="4"/>
-          </p:nvPr>
-        </p:nvSpPr>
-        <p:spPr/>
-        <p:txBody>
-          <a:bodyPr/>
-          <a:lstStyle/>
-          <a:p>
-            <a:endParaRPr lang="en-US" dirty="0"/>
-          </a:p>
-        </p:txBody>
-      </p:sp>
-      <p:sp>
-        <p:nvSpPr>
-          <p:cNvPr id="7" name="Header Placeholder 6">
-            <a:extLst>
-              <a:ext uri="{FF2B5EF4-FFF2-40B4-BE49-F238E27FC236}">
-                <a16:creationId xmlns:a16="http://schemas.microsoft.com/office/drawing/2014/main" id="{21672C20-7A08-4482-84A6-EDBA1AA4C300}"/>
-              </a:ext>
-            </a:extLst>
-          </p:cNvPr>
-          <p:cNvSpPr>
-            <a:spLocks noGrp="1"/>
-          </p:cNvSpPr>
-          <p:nvPr>
-            <p:ph type="hdr" sz="quarter"/>
-          </p:nvPr>
-        </p:nvSpPr>
-        <p:spPr/>
-        <p:txBody>
-          <a:bodyPr/>
-          <a:lstStyle/>
-          <a:p>
-            <a:endParaRPr lang="en-US" dirty="0"/>
+            <a:endParaRPr lang="en-US"/>
           </a:p>
         </p:txBody>
       </p:sp>
@@ -5714,7 +3364,15 @@
             </a:r>
             <a:r>
               <a:rPr lang="en-US" sz="800" baseline="0" dirty="0"/>
-              <a:t> diagram, Mighty Gecko is a full featured MCU and wireless SoC.   </a:t>
+              <a:t> diagram, Mighty Gecko is a full featured MCU and wireless </a:t>
+            </a:r>
+            <a:r>
+              <a:rPr lang="en-US" sz="800" baseline="0" dirty="0" err="1"/>
+              <a:t>SoC.</a:t>
+            </a:r>
+            <a:r>
+              <a:rPr lang="en-US" sz="800" baseline="0" dirty="0"/>
+              <a:t>   </a:t>
             </a:r>
           </a:p>
           <a:p>
@@ -5972,7 +3630,15 @@
             </a:pPr>
             <a:r>
               <a:rPr lang="en-US" sz="800" baseline="0" dirty="0"/>
-              <a:t>The radio has  options for both 2.4 GHz and sub-GHz with output power up to +20 dBm and excellent sensitivity eliminates the need for costly front end modules.  </a:t>
+              <a:t>The radio has  options for both 2.4 GHz and sub-GHz with output power up to +20 </a:t>
+            </a:r>
+            <a:r>
+              <a:rPr lang="en-US" sz="800" baseline="0" dirty="0" err="1"/>
+              <a:t>dBm</a:t>
+            </a:r>
+            <a:r>
+              <a:rPr lang="en-US" sz="800" baseline="0" dirty="0"/>
+              <a:t> and excellent sensitivity eliminates the need for costly front end modules.  </a:t>
             </a:r>
           </a:p>
           <a:p>
@@ -6015,7 +3681,23 @@
             </a:pPr>
             <a:r>
               <a:rPr lang="en-US" sz="800" baseline="0" dirty="0"/>
-              <a:t>And of course, no system is complete without the necessary security blocks to offload the cryptos required for IoT devices.</a:t>
+              <a:t>And of course, no system is complete without the necessary security blocks to offload the </a:t>
+            </a:r>
+            <a:r>
+              <a:rPr lang="en-US" sz="800" baseline="0" dirty="0" err="1"/>
+              <a:t>cryptos</a:t>
+            </a:r>
+            <a:r>
+              <a:rPr lang="en-US" sz="800" baseline="0" dirty="0"/>
+              <a:t> required for </a:t>
+            </a:r>
+            <a:r>
+              <a:rPr lang="en-US" sz="800" baseline="0" dirty="0" err="1"/>
+              <a:t>IoT</a:t>
+            </a:r>
+            <a:r>
+              <a:rPr lang="en-US" sz="800" baseline="0" dirty="0"/>
+              <a:t> devices.</a:t>
             </a:r>
           </a:p>
           <a:p>
@@ -6152,85 +3834,6 @@
                 <a:prstClr val="black"/>
               </a:solidFill>
             </a:endParaRPr>
-          </a:p>
-        </p:txBody>
-      </p:sp>
-      <p:sp>
-        <p:nvSpPr>
-          <p:cNvPr id="5" name="Date Placeholder 4">
-            <a:extLst>
-              <a:ext uri="{FF2B5EF4-FFF2-40B4-BE49-F238E27FC236}">
-                <a16:creationId xmlns:a16="http://schemas.microsoft.com/office/drawing/2014/main" id="{8C67492D-ECFA-4730-8EC2-E62CD49A2396}"/>
-              </a:ext>
-            </a:extLst>
-          </p:cNvPr>
-          <p:cNvSpPr>
-            <a:spLocks noGrp="1"/>
-          </p:cNvSpPr>
-          <p:nvPr>
-            <p:ph type="dt" idx="1"/>
-          </p:nvPr>
-        </p:nvSpPr>
-        <p:spPr/>
-        <p:txBody>
-          <a:bodyPr/>
-          <a:lstStyle/>
-          <a:p>
-            <a:fld id="{1DC50AD6-101E-4C12-9C8D-EC568BE0D630}" type="datetime1">
-              <a:rPr lang="en-US" smtClean="0"/>
-              <a:t>2019-12-25</a:t>
-            </a:fld>
-            <a:endParaRPr lang="en-US" dirty="0"/>
-          </a:p>
-        </p:txBody>
-      </p:sp>
-      <p:sp>
-        <p:nvSpPr>
-          <p:cNvPr id="6" name="Footer Placeholder 5">
-            <a:extLst>
-              <a:ext uri="{FF2B5EF4-FFF2-40B4-BE49-F238E27FC236}">
-                <a16:creationId xmlns:a16="http://schemas.microsoft.com/office/drawing/2014/main" id="{4A4AFB31-6E79-4333-9731-820031F1F0FA}"/>
-              </a:ext>
-            </a:extLst>
-          </p:cNvPr>
-          <p:cNvSpPr>
-            <a:spLocks noGrp="1"/>
-          </p:cNvSpPr>
-          <p:nvPr>
-            <p:ph type="ftr" sz="quarter" idx="4"/>
-          </p:nvPr>
-        </p:nvSpPr>
-        <p:spPr/>
-        <p:txBody>
-          <a:bodyPr/>
-          <a:lstStyle/>
-          <a:p>
-            <a:endParaRPr lang="en-US" dirty="0"/>
-          </a:p>
-        </p:txBody>
-      </p:sp>
-      <p:sp>
-        <p:nvSpPr>
-          <p:cNvPr id="7" name="Header Placeholder 6">
-            <a:extLst>
-              <a:ext uri="{FF2B5EF4-FFF2-40B4-BE49-F238E27FC236}">
-                <a16:creationId xmlns:a16="http://schemas.microsoft.com/office/drawing/2014/main" id="{D9EFDE02-2032-4D3C-829E-E08E9694B3B5}"/>
-              </a:ext>
-            </a:extLst>
-          </p:cNvPr>
-          <p:cNvSpPr>
-            <a:spLocks noGrp="1"/>
-          </p:cNvSpPr>
-          <p:nvPr>
-            <p:ph type="hdr" sz="quarter"/>
-          </p:nvPr>
-        </p:nvSpPr>
-        <p:spPr/>
-        <p:txBody>
-          <a:bodyPr/>
-          <a:lstStyle/>
-          <a:p>
-            <a:endParaRPr lang="en-US" dirty="0"/>
           </a:p>
         </p:txBody>
       </p:sp>
@@ -6321,86 +3924,7 @@
               <a:rPr lang="en-US" smtClean="0"/>
               <a:t>7</a:t>
             </a:fld>
-            <a:endParaRPr lang="en-US" dirty="0"/>
-          </a:p>
-        </p:txBody>
-      </p:sp>
-      <p:sp>
-        <p:nvSpPr>
-          <p:cNvPr id="5" name="Date Placeholder 4">
-            <a:extLst>
-              <a:ext uri="{FF2B5EF4-FFF2-40B4-BE49-F238E27FC236}">
-                <a16:creationId xmlns:a16="http://schemas.microsoft.com/office/drawing/2014/main" id="{61DA93EB-2D07-43F1-813F-03FE12815640}"/>
-              </a:ext>
-            </a:extLst>
-          </p:cNvPr>
-          <p:cNvSpPr>
-            <a:spLocks noGrp="1"/>
-          </p:cNvSpPr>
-          <p:nvPr>
-            <p:ph type="dt" idx="1"/>
-          </p:nvPr>
-        </p:nvSpPr>
-        <p:spPr/>
-        <p:txBody>
-          <a:bodyPr/>
-          <a:lstStyle/>
-          <a:p>
-            <a:fld id="{B2CB35FA-AFE4-478C-BD33-A429FC619F8C}" type="datetime1">
-              <a:rPr lang="en-US" smtClean="0"/>
-              <a:t>2019-12-25</a:t>
-            </a:fld>
-            <a:endParaRPr lang="en-US" dirty="0"/>
-          </a:p>
-        </p:txBody>
-      </p:sp>
-      <p:sp>
-        <p:nvSpPr>
-          <p:cNvPr id="6" name="Footer Placeholder 5">
-            <a:extLst>
-              <a:ext uri="{FF2B5EF4-FFF2-40B4-BE49-F238E27FC236}">
-                <a16:creationId xmlns:a16="http://schemas.microsoft.com/office/drawing/2014/main" id="{8159DDF2-3A0C-4A39-8BC4-3B4C241BA0AD}"/>
-              </a:ext>
-            </a:extLst>
-          </p:cNvPr>
-          <p:cNvSpPr>
-            <a:spLocks noGrp="1"/>
-          </p:cNvSpPr>
-          <p:nvPr>
-            <p:ph type="ftr" sz="quarter" idx="4"/>
-          </p:nvPr>
-        </p:nvSpPr>
-        <p:spPr/>
-        <p:txBody>
-          <a:bodyPr/>
-          <a:lstStyle/>
-          <a:p>
-            <a:endParaRPr lang="en-US" dirty="0"/>
-          </a:p>
-        </p:txBody>
-      </p:sp>
-      <p:sp>
-        <p:nvSpPr>
-          <p:cNvPr id="7" name="Header Placeholder 6">
-            <a:extLst>
-              <a:ext uri="{FF2B5EF4-FFF2-40B4-BE49-F238E27FC236}">
-                <a16:creationId xmlns:a16="http://schemas.microsoft.com/office/drawing/2014/main" id="{7AC11B1C-995F-4158-9F65-656E6848359D}"/>
-              </a:ext>
-            </a:extLst>
-          </p:cNvPr>
-          <p:cNvSpPr>
-            <a:spLocks noGrp="1"/>
-          </p:cNvSpPr>
-          <p:nvPr>
-            <p:ph type="hdr" sz="quarter"/>
-          </p:nvPr>
-        </p:nvSpPr>
-        <p:spPr/>
-        <p:txBody>
-          <a:bodyPr/>
-          <a:lstStyle/>
-          <a:p>
-            <a:endParaRPr lang="en-US" dirty="0"/>
+            <a:endParaRPr lang="en-US"/>
           </a:p>
         </p:txBody>
       </p:sp>
@@ -6499,7 +4023,15 @@
           <a:p>
             <a:r>
               <a:rPr lang="en-US" dirty="0"/>
-              <a:t>The host and NCP uses a proprietary serial protocol to exchange data. The protocol is named EZSP, which is short for EmberZnet serial protocol.</a:t>
+              <a:t>The host and NCP uses a proprietary serial protocol to exchange data. The protocol is named EZSP, which is short for </a:t>
+            </a:r>
+            <a:r>
+              <a:rPr lang="en-US" dirty="0" err="1"/>
+              <a:t>EmberZnet</a:t>
+            </a:r>
+            <a:r>
+              <a:rPr lang="en-US" dirty="0"/>
+              <a:t> serial protocol.</a:t>
             </a:r>
           </a:p>
           <a:p>
@@ -6535,86 +4067,7 @@
               <a:rPr lang="en-US" smtClean="0"/>
               <a:t>8</a:t>
             </a:fld>
-            <a:endParaRPr lang="en-US" dirty="0"/>
-          </a:p>
-        </p:txBody>
-      </p:sp>
-      <p:sp>
-        <p:nvSpPr>
-          <p:cNvPr id="5" name="Date Placeholder 4">
-            <a:extLst>
-              <a:ext uri="{FF2B5EF4-FFF2-40B4-BE49-F238E27FC236}">
-                <a16:creationId xmlns:a16="http://schemas.microsoft.com/office/drawing/2014/main" id="{A8FF04CF-AE2D-417B-B8F3-6FB6559777F3}"/>
-              </a:ext>
-            </a:extLst>
-          </p:cNvPr>
-          <p:cNvSpPr>
-            <a:spLocks noGrp="1"/>
-          </p:cNvSpPr>
-          <p:nvPr>
-            <p:ph type="dt" idx="1"/>
-          </p:nvPr>
-        </p:nvSpPr>
-        <p:spPr/>
-        <p:txBody>
-          <a:bodyPr/>
-          <a:lstStyle/>
-          <a:p>
-            <a:fld id="{E36C4223-C6B0-4ACB-9115-6EC5459B8A01}" type="datetime1">
-              <a:rPr lang="en-US" smtClean="0"/>
-              <a:t>2019-12-25</a:t>
-            </a:fld>
-            <a:endParaRPr lang="en-US" dirty="0"/>
-          </a:p>
-        </p:txBody>
-      </p:sp>
-      <p:sp>
-        <p:nvSpPr>
-          <p:cNvPr id="6" name="Footer Placeholder 5">
-            <a:extLst>
-              <a:ext uri="{FF2B5EF4-FFF2-40B4-BE49-F238E27FC236}">
-                <a16:creationId xmlns:a16="http://schemas.microsoft.com/office/drawing/2014/main" id="{9E7709A6-636F-4076-B8C3-A3DD4D496BF2}"/>
-              </a:ext>
-            </a:extLst>
-          </p:cNvPr>
-          <p:cNvSpPr>
-            <a:spLocks noGrp="1"/>
-          </p:cNvSpPr>
-          <p:nvPr>
-            <p:ph type="ftr" sz="quarter" idx="4"/>
-          </p:nvPr>
-        </p:nvSpPr>
-        <p:spPr/>
-        <p:txBody>
-          <a:bodyPr/>
-          <a:lstStyle/>
-          <a:p>
-            <a:endParaRPr lang="en-US" dirty="0"/>
-          </a:p>
-        </p:txBody>
-      </p:sp>
-      <p:sp>
-        <p:nvSpPr>
-          <p:cNvPr id="7" name="Header Placeholder 6">
-            <a:extLst>
-              <a:ext uri="{FF2B5EF4-FFF2-40B4-BE49-F238E27FC236}">
-                <a16:creationId xmlns:a16="http://schemas.microsoft.com/office/drawing/2014/main" id="{A413926E-E8C3-4977-895A-F1A6DC55D8F0}"/>
-              </a:ext>
-            </a:extLst>
-          </p:cNvPr>
-          <p:cNvSpPr>
-            <a:spLocks noGrp="1"/>
-          </p:cNvSpPr>
-          <p:nvPr>
-            <p:ph type="hdr" sz="quarter"/>
-          </p:nvPr>
-        </p:nvSpPr>
-        <p:spPr/>
-        <p:txBody>
-          <a:bodyPr/>
-          <a:lstStyle/>
-          <a:p>
-            <a:endParaRPr lang="en-US" dirty="0"/>
+            <a:endParaRPr lang="en-US"/>
           </a:p>
         </p:txBody>
       </p:sp>
@@ -6677,7 +4130,7 @@
           <a:p>
             <a:r>
               <a:rPr lang="en-US" dirty="0"/>
-              <a:t>For Zigbee projects, we have three types of bootloader. The purpose of using a bootloader is to support upgrading.</a:t>
+              <a:t>For Zigbee projects, we have four types of bootloader. The purpose of using a bootloader is to support upgrading.</a:t>
             </a:r>
           </a:p>
           <a:p>
@@ -6686,7 +4139,47 @@
           <a:p>
             <a:r>
               <a:rPr lang="en-US" dirty="0"/>
-              <a:t>First, Bootload-xmodem-uart, also called as standalone bootloader. Normally used in NCP. When ncp needs to upgrade, it will reset and stay at bootloader stage. Then the host will transfer the new ncp image through xmodem and overwrite the current ncp image.</a:t>
+              <a:t>First, </a:t>
+            </a:r>
+            <a:r>
+              <a:rPr lang="en-US" dirty="0" err="1"/>
+              <a:t>Bootload-xmodem-uart</a:t>
+            </a:r>
+            <a:r>
+              <a:rPr lang="en-US" dirty="0"/>
+              <a:t> and EZSP-SPI-Bootloader, also called as standalone bootloader. Normally used in NCP. When </a:t>
+            </a:r>
+            <a:r>
+              <a:rPr lang="en-US" dirty="0" err="1"/>
+              <a:t>ncp</a:t>
+            </a:r>
+            <a:r>
+              <a:rPr lang="en-US" dirty="0"/>
+              <a:t> needs to upgrade, it will reset and stay at bootloader stage. Then the host will transfer the new </a:t>
+            </a:r>
+            <a:r>
+              <a:rPr lang="en-US" dirty="0" err="1"/>
+              <a:t>ncp</a:t>
+            </a:r>
+            <a:r>
+              <a:rPr lang="en-US" dirty="0"/>
+              <a:t> image through </a:t>
+            </a:r>
+            <a:r>
+              <a:rPr lang="en-US" dirty="0" err="1"/>
+              <a:t>xmodem</a:t>
+            </a:r>
+            <a:r>
+              <a:rPr lang="en-US" dirty="0"/>
+              <a:t> and overwrite the current </a:t>
+            </a:r>
+            <a:r>
+              <a:rPr lang="en-US" dirty="0" err="1"/>
+              <a:t>ncp</a:t>
+            </a:r>
+            <a:r>
+              <a:rPr lang="en-US" dirty="0"/>
+              <a:t> image.</a:t>
             </a:r>
           </a:p>
           <a:p>
@@ -6746,86 +4239,7 @@
               <a:rPr lang="en-US" smtClean="0"/>
               <a:t>9</a:t>
             </a:fld>
-            <a:endParaRPr lang="en-US" dirty="0"/>
-          </a:p>
-        </p:txBody>
-      </p:sp>
-      <p:sp>
-        <p:nvSpPr>
-          <p:cNvPr id="5" name="Date Placeholder 4">
-            <a:extLst>
-              <a:ext uri="{FF2B5EF4-FFF2-40B4-BE49-F238E27FC236}">
-                <a16:creationId xmlns:a16="http://schemas.microsoft.com/office/drawing/2014/main" id="{74E5FAAB-9B9B-4190-9AD8-48A3223C7A4D}"/>
-              </a:ext>
-            </a:extLst>
-          </p:cNvPr>
-          <p:cNvSpPr>
-            <a:spLocks noGrp="1"/>
-          </p:cNvSpPr>
-          <p:nvPr>
-            <p:ph type="dt" idx="1"/>
-          </p:nvPr>
-        </p:nvSpPr>
-        <p:spPr/>
-        <p:txBody>
-          <a:bodyPr/>
-          <a:lstStyle/>
-          <a:p>
-            <a:fld id="{828066C5-C640-4D90-9DC6-5EF0FB060C25}" type="datetime1">
-              <a:rPr lang="en-US" smtClean="0"/>
-              <a:t>2019-12-25</a:t>
-            </a:fld>
-            <a:endParaRPr lang="en-US" dirty="0"/>
-          </a:p>
-        </p:txBody>
-      </p:sp>
-      <p:sp>
-        <p:nvSpPr>
-          <p:cNvPr id="6" name="Footer Placeholder 5">
-            <a:extLst>
-              <a:ext uri="{FF2B5EF4-FFF2-40B4-BE49-F238E27FC236}">
-                <a16:creationId xmlns:a16="http://schemas.microsoft.com/office/drawing/2014/main" id="{ECF5D12A-6698-4A3E-9FFF-0C6C883CA6D8}"/>
-              </a:ext>
-            </a:extLst>
-          </p:cNvPr>
-          <p:cNvSpPr>
-            <a:spLocks noGrp="1"/>
-          </p:cNvSpPr>
-          <p:nvPr>
-            <p:ph type="ftr" sz="quarter" idx="4"/>
-          </p:nvPr>
-        </p:nvSpPr>
-        <p:spPr/>
-        <p:txBody>
-          <a:bodyPr/>
-          <a:lstStyle/>
-          <a:p>
-            <a:endParaRPr lang="en-US" dirty="0"/>
-          </a:p>
-        </p:txBody>
-      </p:sp>
-      <p:sp>
-        <p:nvSpPr>
-          <p:cNvPr id="7" name="Header Placeholder 6">
-            <a:extLst>
-              <a:ext uri="{FF2B5EF4-FFF2-40B4-BE49-F238E27FC236}">
-                <a16:creationId xmlns:a16="http://schemas.microsoft.com/office/drawing/2014/main" id="{7DBD566E-C321-4430-9C51-0095F28D9DC8}"/>
-              </a:ext>
-            </a:extLst>
-          </p:cNvPr>
-          <p:cNvSpPr>
-            <a:spLocks noGrp="1"/>
-          </p:cNvSpPr>
-          <p:nvPr>
-            <p:ph type="hdr" sz="quarter"/>
-          </p:nvPr>
-        </p:nvSpPr>
-        <p:spPr/>
-        <p:txBody>
-          <a:bodyPr/>
-          <a:lstStyle/>
-          <a:p>
-            <a:endParaRPr lang="en-US" dirty="0"/>
+            <a:endParaRPr lang="en-US"/>
           </a:p>
         </p:txBody>
       </p:sp>
@@ -7107,7 +4521,7 @@
   <p:transition spd="med">
     <p:wipe/>
   </p:transition>
-  <p:extLst mod="1">
+  <p:extLst>
     <p:ext uri="{DCECCB84-F9BA-43D5-87BE-67443E8EF086}">
       <p15:sldGuideLst xmlns:p15="http://schemas.microsoft.com/office/powerpoint/2012/main">
         <p15:guide id="1" orient="horz" pos="2160">
@@ -7543,7 +4957,7 @@
     <p:wipe/>
   </p:transition>
   <p:hf hdr="0" dt="0"/>
-  <p:extLst mod="1">
+  <p:extLst>
     <p:ext uri="{DCECCB84-F9BA-43D5-87BE-67443E8EF086}">
       <p15:sldGuideLst xmlns:p15="http://schemas.microsoft.com/office/powerpoint/2012/main">
         <p15:guide id="1" orient="horz" pos="2160">
@@ -7830,7 +5244,7 @@
   <p:transition spd="med">
     <p:wipe/>
   </p:transition>
-  <p:extLst mod="1">
+  <p:extLst>
     <p:ext uri="{DCECCB84-F9BA-43D5-87BE-67443E8EF086}">
       <p15:sldGuideLst xmlns:p15="http://schemas.microsoft.com/office/powerpoint/2012/main">
         <p15:guide id="1" orient="horz" pos="2160">
@@ -8017,7 +5431,7 @@
   <p:transition spd="med">
     <p:wipe/>
   </p:transition>
-  <p:extLst mod="1">
+  <p:extLst>
     <p:ext uri="{DCECCB84-F9BA-43D5-87BE-67443E8EF086}">
       <p15:sldGuideLst xmlns:p15="http://schemas.microsoft.com/office/powerpoint/2012/main">
         <p15:guide id="1" orient="horz" pos="2160">
@@ -14407,7 +11821,7 @@
   <p:transition spd="med">
     <p:wipe/>
   </p:transition>
-  <p:extLst mod="1">
+  <p:extLst>
     <p:ext uri="{DCECCB84-F9BA-43D5-87BE-67443E8EF086}">
       <p15:sldGuideLst xmlns:p15="http://schemas.microsoft.com/office/powerpoint/2012/main">
         <p15:guide id="9" orient="horz" pos="2173" userDrawn="1">
@@ -14865,7 +12279,7 @@
   <p:transition spd="med">
     <p:wipe/>
   </p:transition>
-  <p:extLst mod="1">
+  <p:extLst>
     <p:ext uri="{DCECCB84-F9BA-43D5-87BE-67443E8EF086}">
       <p15:sldGuideLst xmlns:p15="http://schemas.microsoft.com/office/powerpoint/2012/main">
         <p15:guide id="1" pos="4416">
@@ -15452,7 +12866,7 @@
   <p:transition spd="med">
     <p:wipe/>
   </p:transition>
-  <p:extLst mod="1">
+  <p:extLst>
     <p:ext uri="{DCECCB84-F9BA-43D5-87BE-67443E8EF086}">
       <p15:sldGuideLst xmlns:p15="http://schemas.microsoft.com/office/powerpoint/2012/main"/>
     </p:ext>
@@ -17122,7 +14536,7 @@
   <p:transition spd="med">
     <p:wipe/>
   </p:transition>
-  <p:extLst mod="1">
+  <p:extLst>
     <p:ext uri="{DCECCB84-F9BA-43D5-87BE-67443E8EF086}">
       <p15:sldGuideLst xmlns:p15="http://schemas.microsoft.com/office/powerpoint/2012/main"/>
     </p:ext>
@@ -17809,7 +15223,7 @@
     <p:wipe dir="r"/>
   </p:transition>
   <p:hf hdr="0" dt="0"/>
-  <p:extLst mod="1">
+  <p:extLst>
     <p:ext uri="{DCECCB84-F9BA-43D5-87BE-67443E8EF086}">
       <p15:sldGuideLst xmlns:p15="http://schemas.microsoft.com/office/powerpoint/2012/main">
         <p15:guide id="6" orient="horz" pos="3888">
@@ -18428,7 +15842,7 @@
     <p:wipe dir="r"/>
   </p:transition>
   <p:hf hdr="0" dt="0"/>
-  <p:extLst mod="1">
+  <p:extLst>
     <p:ext uri="{DCECCB84-F9BA-43D5-87BE-67443E8EF086}">
       <p15:sldGuideLst xmlns:p15="http://schemas.microsoft.com/office/powerpoint/2012/main">
         <p15:guide id="4" pos="5138">
@@ -18730,7 +16144,7 @@
   <p:transition spd="med">
     <p:wipe/>
   </p:transition>
-  <p:extLst mod="1">
+  <p:extLst>
     <p:ext uri="{DCECCB84-F9BA-43D5-87BE-67443E8EF086}">
       <p15:sldGuideLst xmlns:p15="http://schemas.microsoft.com/office/powerpoint/2012/main"/>
     </p:ext>
@@ -19081,7 +16495,7 @@
   <p:transition spd="med">
     <p:wipe/>
   </p:transition>
-  <p:extLst mod="1">
+  <p:extLst>
     <p:ext uri="{DCECCB84-F9BA-43D5-87BE-67443E8EF086}">
       <p15:sldGuideLst xmlns:p15="http://schemas.microsoft.com/office/powerpoint/2012/main"/>
     </p:ext>
@@ -19492,7 +16906,7 @@
   <p:transition spd="med">
     <p:wipe/>
   </p:transition>
-  <p:extLst mod="1">
+  <p:extLst>
     <p:ext uri="{DCECCB84-F9BA-43D5-87BE-67443E8EF086}">
       <p15:sldGuideLst xmlns:p15="http://schemas.microsoft.com/office/powerpoint/2012/main">
         <p15:guide id="1" orient="horz" pos="2448">
@@ -19977,7 +17391,7 @@
   <p:transition spd="med">
     <p:wipe/>
   </p:transition>
-  <p:extLst mod="1">
+  <p:extLst>
     <p:ext uri="{DCECCB84-F9BA-43D5-87BE-67443E8EF086}">
       <p15:sldGuideLst xmlns:p15="http://schemas.microsoft.com/office/powerpoint/2012/main">
         <p15:guide id="1" orient="horz" pos="2448">
@@ -20362,7 +17776,7 @@
   <p:transition spd="med">
     <p:wipe/>
   </p:transition>
-  <p:extLst mod="1">
+  <p:extLst>
     <p:ext uri="{DCECCB84-F9BA-43D5-87BE-67443E8EF086}">
       <p15:sldGuideLst xmlns:p15="http://schemas.microsoft.com/office/powerpoint/2012/main">
         <p15:guide id="1" pos="3808">
@@ -20676,7 +18090,7 @@
   <p:transition spd="med">
     <p:wipe/>
   </p:transition>
-  <p:extLst mod="1">
+  <p:extLst>
     <p:ext uri="{DCECCB84-F9BA-43D5-87BE-67443E8EF086}">
       <p15:sldGuideLst xmlns:p15="http://schemas.microsoft.com/office/powerpoint/2012/main">
         <p15:guide id="1" pos="4416">
@@ -21047,7 +18461,7 @@
   <p:transition spd="med">
     <p:wipe/>
   </p:transition>
-  <p:extLst mod="1">
+  <p:extLst>
     <p:ext uri="{DCECCB84-F9BA-43D5-87BE-67443E8EF086}">
       <p15:sldGuideLst xmlns:p15="http://schemas.microsoft.com/office/powerpoint/2012/main">
         <p15:guide id="1" pos="4416">
@@ -21814,7 +19228,7 @@
       </a:lvl9pPr>
     </p:otherStyle>
   </p:txStyles>
-  <p:extLst mod="1">
+  <p:extLst>
     <p:ext uri="{27BBF7A9-308A-43DC-89C8-2F10F3537804}">
       <p15:sldGuideLst xmlns:p15="http://schemas.microsoft.com/office/powerpoint/2012/main">
         <p15:guide id="1" pos="3840">
@@ -21926,8 +19340,12 @@
           <a:lstStyle/>
           <a:p>
             <a:r>
+              <a:rPr lang="en-US" dirty="0" err="1"/>
+              <a:t>EmberZnet</a:t>
+            </a:r>
+            <a:r>
               <a:rPr lang="en-US" dirty="0"/>
-              <a:t>EmberZnet and WSTK</a:t>
+              <a:t> and WSTK</a:t>
             </a:r>
           </a:p>
         </p:txBody>
@@ -22003,8 +19421,12 @@
           <a:lstStyle/>
           <a:p>
             <a:r>
+              <a:rPr lang="en-US" dirty="0" err="1"/>
+              <a:t>EmberZnet</a:t>
+            </a:r>
+            <a:r>
               <a:rPr lang="en-US" dirty="0"/>
-              <a:t>EmberZnet SDK</a:t>
+              <a:t> SDK</a:t>
             </a:r>
           </a:p>
         </p:txBody>
@@ -22024,7 +19446,7 @@
           <p:nvPr>
             <p:extLst>
               <p:ext uri="{D42A27DB-BD31-4B8C-83A1-F6EECF244321}">
-                <p14:modId xmlns:p14="http://schemas.microsoft.com/office/powerpoint/2010/main" val="910861642"/>
+                <p14:modId xmlns:p14="http://schemas.microsoft.com/office/powerpoint/2010/main" val="150692244"/>
               </p:ext>
             </p:extLst>
           </p:nvPr>
@@ -22093,7 +19515,15 @@
                     <a:p>
                       <a:r>
                         <a:rPr lang="en-US" dirty="0"/>
-                        <a:t>v2.6\protocol\zigbee\documentation</a:t>
+                        <a:t>protocol\</a:t>
+                      </a:r>
+                      <a:r>
+                        <a:rPr lang="en-US" dirty="0" err="1"/>
+                        <a:t>zigbee</a:t>
+                      </a:r>
+                      <a:r>
+                        <a:rPr lang="en-US" dirty="0"/>
+                        <a:t>\documentation</a:t>
                       </a:r>
                     </a:p>
                   </a:txBody>
@@ -22127,7 +19557,23 @@
                             <a:schemeClr val="tx1"/>
                           </a:solidFill>
                         </a:rPr>
-                        <a:t>v2.6\protocol\zigbee\app\framework\plugin</a:t>
+                        <a:t>protocol\</a:t>
+                      </a:r>
+                      <a:r>
+                        <a:rPr lang="en-US" dirty="0" err="1">
+                          <a:solidFill>
+                            <a:schemeClr val="tx1"/>
+                          </a:solidFill>
+                        </a:rPr>
+                        <a:t>zigbee</a:t>
+                      </a:r>
+                      <a:r>
+                        <a:rPr lang="en-US" dirty="0">
+                          <a:solidFill>
+                            <a:schemeClr val="tx1"/>
+                          </a:solidFill>
+                        </a:rPr>
+                        <a:t>\app\framework\plugin</a:t>
                       </a:r>
                     </a:p>
                   </a:txBody>
@@ -22161,7 +19607,15 @@
                     <a:p>
                       <a:r>
                         <a:rPr lang="en-US" dirty="0"/>
-                        <a:t>v2.6\protocol\zigbee\app\framework\plugin-host</a:t>
+                        <a:t>protocol\</a:t>
+                      </a:r>
+                      <a:r>
+                        <a:rPr lang="en-US" dirty="0" err="1"/>
+                        <a:t>zigbee</a:t>
+                      </a:r>
+                      <a:r>
+                        <a:rPr lang="en-US" dirty="0"/>
+                        <a:t>\app\framework\plugin-host</a:t>
                       </a:r>
                     </a:p>
                   </a:txBody>
@@ -22212,7 +19666,15 @@
                     <a:p>
                       <a:r>
                         <a:rPr lang="en-US" dirty="0"/>
-                        <a:t>v2.6\protocol\zigbee\app\framework\plugin-soc</a:t>
+                        <a:t>protocol\</a:t>
+                      </a:r>
+                      <a:r>
+                        <a:rPr lang="en-US" dirty="0" err="1"/>
+                        <a:t>zigbee</a:t>
+                      </a:r>
+                      <a:r>
+                        <a:rPr lang="en-US" dirty="0"/>
+                        <a:t>\app\framework\plugin-soc</a:t>
                       </a:r>
                     </a:p>
                   </a:txBody>
@@ -22699,8 +20161,8 @@
         </p:nvSpPr>
         <p:spPr>
           <a:xfrm>
-            <a:off x="4508746" y="4273167"/>
-            <a:ext cx="2254079" cy="461665"/>
+            <a:off x="4982946" y="4273167"/>
+            <a:ext cx="1305678" cy="461665"/>
           </a:xfrm>
           <a:prstGeom prst="rect">
             <a:avLst/>
@@ -22716,7 +20178,7 @@
             <a:pPr algn="ctr"/>
             <a:r>
               <a:rPr lang="en-US" sz="2400" dirty="0"/>
-              <a:t>Software + Stack</a:t>
+              <a:t>Software</a:t>
             </a:r>
           </a:p>
         </p:txBody>
@@ -22909,7 +20371,7 @@
           <a:lstStyle/>
           <a:p>
             <a:pPr algn="ctr"/>
-            <a:endParaRPr lang="en-US" dirty="0"/>
+            <a:endParaRPr lang="en-US"/>
           </a:p>
         </p:txBody>
       </p:sp>
@@ -22927,7 +20389,7 @@
         </p:nvSpPr>
         <p:spPr>
           <a:xfrm>
-            <a:off x="3962924" y="1756972"/>
+            <a:off x="4101681" y="1536701"/>
             <a:ext cx="3002055" cy="3200400"/>
           </a:xfrm>
           <a:prstGeom prst="rect">
@@ -23237,7 +20699,7 @@
           <a:lstStyle/>
           <a:p>
             <a:r>
-              <a:rPr lang="en-US" sz="2000" dirty="0"/>
+              <a:rPr lang="en-US" sz="2000"/>
               <a:t>Wireless Starter Kit</a:t>
             </a:r>
           </a:p>
@@ -23600,13 +21062,23 @@
             </a:pPr>
             <a:r>
               <a:rPr lang="en-US" sz="1400" dirty="0"/>
-              <a:t>“File”</a:t>
+              <a:t>“</a:t>
+            </a:r>
+            <a:r>
+              <a:rPr lang="en-US" sz="1400" dirty="0" err="1"/>
+              <a:t>File”</a:t>
+            </a:r>
+            <a:r>
+              <a:rPr lang="en-US" sz="1400" dirty="0" err="1">
+                <a:sym typeface="Wingdings" panose="05000000000000000000" pitchFamily="2" charset="2"/>
+              </a:rPr>
+              <a:t>”New””Project</a:t>
             </a:r>
             <a:r>
               <a:rPr lang="en-US" sz="1400" dirty="0">
                 <a:sym typeface="Wingdings" panose="05000000000000000000" pitchFamily="2" charset="2"/>
               </a:rPr>
-              <a:t>”New””Project”</a:t>
+              <a:t>”</a:t>
             </a:r>
             <a:endParaRPr lang="en-US" sz="1400" dirty="0"/>
           </a:p>
@@ -24947,8 +22419,12 @@
           <a:lstStyle/>
           <a:p>
             <a:r>
+              <a:rPr lang="en-US" dirty="0" err="1"/>
+              <a:t>AppBuilder</a:t>
+            </a:r>
+            <a:r>
               <a:rPr lang="en-US" dirty="0"/>
-              <a:t>AppBuilder - General</a:t>
+              <a:t> - General</a:t>
             </a:r>
           </a:p>
         </p:txBody>
@@ -25596,7 +23072,7 @@
           <a:p>
             <a:r>
               <a:rPr lang="en-US" dirty="0"/>
-              <a:t>EmberZnet SDK &amp; Software</a:t>
+              <a:t>Software</a:t>
             </a:r>
           </a:p>
           <a:p>
@@ -25781,707 +23257,46 @@
           <a:lstStyle/>
           <a:p>
             <a:r>
+              <a:rPr lang="en-US"/>
+              <a:t>Frequently Used </a:t>
+            </a:r>
+            <a:r>
               <a:rPr lang="en-US" dirty="0"/>
-              <a:t>Typical Plugins</a:t>
+              <a:t>Plugins</a:t>
             </a:r>
           </a:p>
         </p:txBody>
       </p:sp>
-      <p:sp>
-        <p:nvSpPr>
-          <p:cNvPr id="5" name="Content Placeholder 4">
+      <p:pic>
+        <p:nvPicPr>
+          <p:cNvPr id="8" name="Picture 7">
             <a:extLst>
               <a:ext uri="{FF2B5EF4-FFF2-40B4-BE49-F238E27FC236}">
-                <a16:creationId xmlns:a16="http://schemas.microsoft.com/office/drawing/2014/main" id="{76CEF9E2-781A-4501-9447-AE0C0C250B03}"/>
+                <a16:creationId xmlns:a16="http://schemas.microsoft.com/office/drawing/2014/main" id="{9C197D42-34AF-47CF-927D-343C5DF9FEC6}"/>
               </a:ext>
             </a:extLst>
           </p:cNvPr>
-          <p:cNvSpPr>
-            <a:spLocks noGrp="1"/>
-          </p:cNvSpPr>
-          <p:nvPr>
-            <p:ph idx="10"/>
-          </p:nvPr>
-        </p:nvSpPr>
+          <p:cNvPicPr>
+            <a:picLocks noChangeAspect="1"/>
+          </p:cNvPicPr>
+          <p:nvPr/>
+        </p:nvPicPr>
+        <p:blipFill>
+          <a:blip r:embed="rId3"/>
+          <a:stretch>
+            <a:fillRect/>
+          </a:stretch>
+        </p:blipFill>
         <p:spPr>
           <a:xfrm>
-            <a:off x="679450" y="1143000"/>
-            <a:ext cx="2987386" cy="3650673"/>
-          </a:xfrm>
-        </p:spPr>
-        <p:txBody>
-          <a:bodyPr/>
-          <a:lstStyle/>
-          <a:p>
-            <a:r>
-              <a:rPr lang="en-US" dirty="0">
-                <a:solidFill>
-                  <a:srgbClr val="C00000"/>
-                </a:solidFill>
-              </a:rPr>
-              <a:t>Coordinator</a:t>
-            </a:r>
-          </a:p>
-          <a:p>
-            <a:pPr lvl="1"/>
-            <a:r>
-              <a:rPr lang="en-US" dirty="0"/>
-              <a:t>Security Core Library</a:t>
-            </a:r>
-          </a:p>
-          <a:p>
-            <a:pPr lvl="1"/>
-            <a:r>
-              <a:rPr lang="en-US" dirty="0"/>
-              <a:t>NVM3</a:t>
-            </a:r>
-          </a:p>
-          <a:p>
-            <a:pPr lvl="1"/>
-            <a:r>
-              <a:rPr lang="en-US" dirty="0"/>
-              <a:t>Simple Main</a:t>
-            </a:r>
-          </a:p>
-          <a:p>
-            <a:pPr lvl="1"/>
-            <a:r>
-              <a:rPr lang="en-US" dirty="0"/>
-              <a:t>Zigbee Pro </a:t>
-            </a:r>
-            <a:r>
-              <a:rPr lang="en-US" dirty="0">
-                <a:solidFill>
-                  <a:srgbClr val="C00000"/>
-                </a:solidFill>
-              </a:rPr>
-              <a:t>Stack</a:t>
-            </a:r>
-            <a:r>
-              <a:rPr lang="en-US" dirty="0"/>
-              <a:t> Library</a:t>
-            </a:r>
-          </a:p>
-          <a:p>
-            <a:pPr lvl="1"/>
-            <a:r>
-              <a:rPr lang="en-US" dirty="0"/>
-              <a:t>Network Creator</a:t>
-            </a:r>
-          </a:p>
-          <a:p>
-            <a:pPr lvl="1"/>
-            <a:r>
-              <a:rPr lang="en-US" dirty="0"/>
-              <a:t>Network Creator Security</a:t>
-            </a:r>
-          </a:p>
-          <a:p>
-            <a:pPr lvl="1"/>
-            <a:endParaRPr lang="en-US" dirty="0"/>
-          </a:p>
-        </p:txBody>
-      </p:sp>
-      <p:sp>
-        <p:nvSpPr>
-          <p:cNvPr id="4" name="Content Placeholder 4">
-            <a:extLst>
-              <a:ext uri="{FF2B5EF4-FFF2-40B4-BE49-F238E27FC236}">
-                <a16:creationId xmlns:a16="http://schemas.microsoft.com/office/drawing/2014/main" id="{CCAC7D93-4933-49F9-8CAC-40EC6EC95116}"/>
-              </a:ext>
-            </a:extLst>
-          </p:cNvPr>
-          <p:cNvSpPr txBox="1">
-            <a:spLocks/>
-          </p:cNvSpPr>
-          <p:nvPr/>
-        </p:nvSpPr>
-        <p:spPr>
-          <a:xfrm>
-            <a:off x="4138468" y="1143000"/>
-            <a:ext cx="2987386" cy="3650673"/>
+            <a:off x="2517913" y="914400"/>
+            <a:ext cx="6204854" cy="5429248"/>
           </a:xfrm>
           <a:prstGeom prst="rect">
             <a:avLst/>
           </a:prstGeom>
         </p:spPr>
-        <p:txBody>
-          <a:bodyPr vert="horz" lIns="91440" tIns="45720" rIns="91440" bIns="45720" rtlCol="0" anchor="t">
-            <a:normAutofit/>
-          </a:bodyPr>
-          <a:lstStyle>
-            <a:lvl1pPr marL="182880" indent="-182880" algn="l" defTabSz="914377" rtl="0" eaLnBrk="1" fontAlgn="base" latinLnBrk="0" hangingPunct="1">
-              <a:lnSpc>
-                <a:spcPct val="95000"/>
-              </a:lnSpc>
-              <a:spcBef>
-                <a:spcPts val="1200"/>
-              </a:spcBef>
-              <a:spcAft>
-                <a:spcPts val="0"/>
-              </a:spcAft>
-              <a:buClr>
-                <a:schemeClr val="tx2"/>
-              </a:buClr>
-              <a:buFont typeface="Wingdings" charset="2"/>
-              <a:buChar char="§"/>
-              <a:defRPr lang="en-US" sz="2000" b="0" i="0" kern="1200">
-                <a:solidFill>
-                  <a:schemeClr val="tx1"/>
-                </a:solidFill>
-                <a:latin typeface="+mn-lt"/>
-                <a:ea typeface="Calibri" panose="020F0502020204030204" pitchFamily="34" charset="0"/>
-                <a:cs typeface="Calibri" panose="020F0502020204030204" pitchFamily="34" charset="0"/>
-              </a:defRPr>
-            </a:lvl1pPr>
-            <a:lvl2pPr marL="365760" indent="-182880" algn="l" defTabSz="914377" rtl="0" eaLnBrk="1" fontAlgn="base" latinLnBrk="0" hangingPunct="1">
-              <a:lnSpc>
-                <a:spcPct val="95000"/>
-              </a:lnSpc>
-              <a:spcBef>
-                <a:spcPts val="600"/>
-              </a:spcBef>
-              <a:spcAft>
-                <a:spcPts val="0"/>
-              </a:spcAft>
-              <a:buClr>
-                <a:schemeClr val="tx2"/>
-              </a:buClr>
-              <a:buFont typeface="Wingdings" panose="05000000000000000000" pitchFamily="2" charset="2"/>
-              <a:buChar char="§"/>
-              <a:defRPr lang="en-US" sz="1800" b="0" i="0" kern="1200">
-                <a:solidFill>
-                  <a:schemeClr val="tx1"/>
-                </a:solidFill>
-                <a:latin typeface="+mn-lt"/>
-                <a:ea typeface="Calibri" panose="020F0502020204030204" pitchFamily="34" charset="0"/>
-                <a:cs typeface="Calibri" panose="020F0502020204030204" pitchFamily="34" charset="0"/>
-              </a:defRPr>
-            </a:lvl2pPr>
-            <a:lvl3pPr marL="548640" indent="-182880" algn="l" defTabSz="914377" rtl="0" eaLnBrk="1" fontAlgn="base" latinLnBrk="0" hangingPunct="1">
-              <a:lnSpc>
-                <a:spcPct val="95000"/>
-              </a:lnSpc>
-              <a:spcBef>
-                <a:spcPts val="600"/>
-              </a:spcBef>
-              <a:spcAft>
-                <a:spcPts val="0"/>
-              </a:spcAft>
-              <a:buClr>
-                <a:schemeClr val="tx2"/>
-              </a:buClr>
-              <a:buFont typeface="Wingdings" panose="05000000000000000000" pitchFamily="2" charset="2"/>
-              <a:buChar char="§"/>
-              <a:defRPr lang="en-US" sz="1600" b="0" i="0" kern="1200">
-                <a:solidFill>
-                  <a:schemeClr val="tx1"/>
-                </a:solidFill>
-                <a:latin typeface="+mn-lt"/>
-                <a:ea typeface="Calibri" panose="020F0502020204030204" pitchFamily="34" charset="0"/>
-                <a:cs typeface="Calibri" panose="020F0502020204030204" pitchFamily="34" charset="0"/>
-              </a:defRPr>
-            </a:lvl3pPr>
-            <a:lvl4pPr marL="731520" marR="0" indent="-182880" algn="l" defTabSz="914377" rtl="0" eaLnBrk="1" fontAlgn="base" latinLnBrk="0" hangingPunct="1">
-              <a:lnSpc>
-                <a:spcPct val="95000"/>
-              </a:lnSpc>
-              <a:spcBef>
-                <a:spcPts val="600"/>
-              </a:spcBef>
-              <a:spcAft>
-                <a:spcPts val="0"/>
-              </a:spcAft>
-              <a:buClr>
-                <a:schemeClr val="tx2"/>
-              </a:buClr>
-              <a:buSzTx/>
-              <a:buFont typeface="Wingdings" panose="05000000000000000000" pitchFamily="2" charset="2"/>
-              <a:buChar char="§"/>
-              <a:tabLst/>
-              <a:defRPr lang="en-US" sz="1400" b="0" i="0" kern="1200">
-                <a:solidFill>
-                  <a:schemeClr val="tx1"/>
-                </a:solidFill>
-                <a:latin typeface="+mn-lt"/>
-                <a:ea typeface="Calibri" panose="020F0502020204030204" pitchFamily="34" charset="0"/>
-                <a:cs typeface="Calibri" panose="020F0502020204030204" pitchFamily="34" charset="0"/>
-              </a:defRPr>
-            </a:lvl4pPr>
-            <a:lvl5pPr marL="914400" indent="-182880" algn="l" defTabSz="914377" rtl="0" eaLnBrk="1" fontAlgn="base" latinLnBrk="0" hangingPunct="1">
-              <a:lnSpc>
-                <a:spcPct val="100000"/>
-              </a:lnSpc>
-              <a:spcBef>
-                <a:spcPts val="900"/>
-              </a:spcBef>
-              <a:spcAft>
-                <a:spcPct val="0"/>
-              </a:spcAft>
-              <a:buClr>
-                <a:schemeClr val="tx2"/>
-              </a:buClr>
-              <a:buFont typeface="Wingdings" panose="05000000000000000000" pitchFamily="2" charset="2"/>
-              <a:buChar char="§"/>
-              <a:defRPr lang="en-US" sz="1400" b="0" kern="1200">
-                <a:solidFill>
-                  <a:schemeClr val="tx1"/>
-                </a:solidFill>
-                <a:latin typeface="+mn-lt"/>
-                <a:ea typeface="Segoe UI" panose="020B0502040204020203" pitchFamily="34" charset="0"/>
-                <a:cs typeface="Segoe UI" panose="020B0502040204020203" pitchFamily="34" charset="0"/>
-              </a:defRPr>
-            </a:lvl5pPr>
-            <a:lvl6pPr marL="2514537" indent="-228594" algn="l" defTabSz="914377" rtl="0" eaLnBrk="1" latinLnBrk="0" hangingPunct="1">
-              <a:lnSpc>
-                <a:spcPct val="90000"/>
-              </a:lnSpc>
-              <a:spcBef>
-                <a:spcPts val="500"/>
-              </a:spcBef>
-              <a:buFont typeface="Arial" panose="020B0604020202020204" pitchFamily="34" charset="0"/>
-              <a:buChar char="•"/>
-              <a:defRPr sz="1800" kern="1200">
-                <a:solidFill>
-                  <a:schemeClr val="tx1"/>
-                </a:solidFill>
-                <a:latin typeface="+mn-lt"/>
-                <a:ea typeface="+mn-ea"/>
-                <a:cs typeface="+mn-cs"/>
-              </a:defRPr>
-            </a:lvl6pPr>
-            <a:lvl7pPr marL="2971726" indent="-228594" algn="l" defTabSz="914377" rtl="0" eaLnBrk="1" latinLnBrk="0" hangingPunct="1">
-              <a:lnSpc>
-                <a:spcPct val="90000"/>
-              </a:lnSpc>
-              <a:spcBef>
-                <a:spcPts val="500"/>
-              </a:spcBef>
-              <a:buFont typeface="Arial" panose="020B0604020202020204" pitchFamily="34" charset="0"/>
-              <a:buChar char="•"/>
-              <a:defRPr sz="1800" kern="1200">
-                <a:solidFill>
-                  <a:schemeClr val="tx1"/>
-                </a:solidFill>
-                <a:latin typeface="+mn-lt"/>
-                <a:ea typeface="+mn-ea"/>
-                <a:cs typeface="+mn-cs"/>
-              </a:defRPr>
-            </a:lvl7pPr>
-            <a:lvl8pPr marL="3428914" indent="-228594" algn="l" defTabSz="914377" rtl="0" eaLnBrk="1" latinLnBrk="0" hangingPunct="1">
-              <a:lnSpc>
-                <a:spcPct val="90000"/>
-              </a:lnSpc>
-              <a:spcBef>
-                <a:spcPts val="500"/>
-              </a:spcBef>
-              <a:buFont typeface="Arial" panose="020B0604020202020204" pitchFamily="34" charset="0"/>
-              <a:buChar char="•"/>
-              <a:defRPr sz="1800" kern="1200">
-                <a:solidFill>
-                  <a:schemeClr val="tx1"/>
-                </a:solidFill>
-                <a:latin typeface="+mn-lt"/>
-                <a:ea typeface="+mn-ea"/>
-                <a:cs typeface="+mn-cs"/>
-              </a:defRPr>
-            </a:lvl8pPr>
-            <a:lvl9pPr marL="3886103" indent="-228594" algn="l" defTabSz="914377" rtl="0" eaLnBrk="1" latinLnBrk="0" hangingPunct="1">
-              <a:lnSpc>
-                <a:spcPct val="90000"/>
-              </a:lnSpc>
-              <a:spcBef>
-                <a:spcPts val="500"/>
-              </a:spcBef>
-              <a:buFont typeface="Arial" panose="020B0604020202020204" pitchFamily="34" charset="0"/>
-              <a:buChar char="•"/>
-              <a:defRPr sz="1800" kern="1200">
-                <a:solidFill>
-                  <a:schemeClr val="tx1"/>
-                </a:solidFill>
-                <a:latin typeface="+mn-lt"/>
-                <a:ea typeface="+mn-ea"/>
-                <a:cs typeface="+mn-cs"/>
-              </a:defRPr>
-            </a:lvl9pPr>
-          </a:lstStyle>
-          <a:p>
-            <a:r>
-              <a:rPr lang="en-US" dirty="0">
-                <a:solidFill>
-                  <a:srgbClr val="C00000"/>
-                </a:solidFill>
-              </a:rPr>
-              <a:t>Router</a:t>
-            </a:r>
-          </a:p>
-          <a:p>
-            <a:pPr lvl="1"/>
-            <a:r>
-              <a:rPr lang="en-US" dirty="0"/>
-              <a:t>Security Core Library</a:t>
-            </a:r>
-          </a:p>
-          <a:p>
-            <a:pPr lvl="1"/>
-            <a:r>
-              <a:rPr lang="en-US" dirty="0"/>
-              <a:t>NVM3</a:t>
-            </a:r>
-          </a:p>
-          <a:p>
-            <a:pPr lvl="1"/>
-            <a:r>
-              <a:rPr lang="en-US" dirty="0"/>
-              <a:t>Simple Main</a:t>
-            </a:r>
-          </a:p>
-          <a:p>
-            <a:pPr lvl="1"/>
-            <a:r>
-              <a:rPr lang="en-US" dirty="0"/>
-              <a:t>Zigbee Pro </a:t>
-            </a:r>
-            <a:r>
-              <a:rPr lang="en-US" dirty="0">
-                <a:solidFill>
-                  <a:srgbClr val="C00000"/>
-                </a:solidFill>
-              </a:rPr>
-              <a:t>Stack</a:t>
-            </a:r>
-            <a:r>
-              <a:rPr lang="en-US" dirty="0"/>
-              <a:t> Library</a:t>
-            </a:r>
-          </a:p>
-          <a:p>
-            <a:pPr lvl="1"/>
-            <a:r>
-              <a:rPr lang="en-US" dirty="0"/>
-              <a:t>Network Steering</a:t>
-            </a:r>
-          </a:p>
-          <a:p>
-            <a:pPr lvl="1"/>
-            <a:r>
-              <a:rPr lang="en-US" dirty="0"/>
-              <a:t>Update TC Link Key</a:t>
-            </a:r>
-          </a:p>
-          <a:p>
-            <a:pPr lvl="1"/>
-            <a:endParaRPr lang="en-US" dirty="0"/>
-          </a:p>
-        </p:txBody>
-      </p:sp>
-      <p:sp>
-        <p:nvSpPr>
-          <p:cNvPr id="6" name="Content Placeholder 4">
-            <a:extLst>
-              <a:ext uri="{FF2B5EF4-FFF2-40B4-BE49-F238E27FC236}">
-                <a16:creationId xmlns:a16="http://schemas.microsoft.com/office/drawing/2014/main" id="{D8460E5F-56CD-4E62-9B03-4734A0CE2EE8}"/>
-              </a:ext>
-            </a:extLst>
-          </p:cNvPr>
-          <p:cNvSpPr txBox="1">
-            <a:spLocks/>
-          </p:cNvSpPr>
-          <p:nvPr/>
-        </p:nvSpPr>
-        <p:spPr>
-          <a:xfrm>
-            <a:off x="7597486" y="1142999"/>
-            <a:ext cx="2987386" cy="3650673"/>
-          </a:xfrm>
-          <a:prstGeom prst="rect">
-            <a:avLst/>
-          </a:prstGeom>
-        </p:spPr>
-        <p:txBody>
-          <a:bodyPr vert="horz" lIns="91440" tIns="45720" rIns="91440" bIns="45720" rtlCol="0" anchor="t">
-            <a:normAutofit/>
-          </a:bodyPr>
-          <a:lstStyle>
-            <a:lvl1pPr marL="182880" indent="-182880" algn="l" defTabSz="914377" rtl="0" eaLnBrk="1" fontAlgn="base" latinLnBrk="0" hangingPunct="1">
-              <a:lnSpc>
-                <a:spcPct val="95000"/>
-              </a:lnSpc>
-              <a:spcBef>
-                <a:spcPts val="1200"/>
-              </a:spcBef>
-              <a:spcAft>
-                <a:spcPts val="0"/>
-              </a:spcAft>
-              <a:buClr>
-                <a:schemeClr val="tx2"/>
-              </a:buClr>
-              <a:buFont typeface="Wingdings" charset="2"/>
-              <a:buChar char="§"/>
-              <a:defRPr lang="en-US" sz="2000" b="0" i="0" kern="1200">
-                <a:solidFill>
-                  <a:schemeClr val="tx1"/>
-                </a:solidFill>
-                <a:latin typeface="+mn-lt"/>
-                <a:ea typeface="Calibri" panose="020F0502020204030204" pitchFamily="34" charset="0"/>
-                <a:cs typeface="Calibri" panose="020F0502020204030204" pitchFamily="34" charset="0"/>
-              </a:defRPr>
-            </a:lvl1pPr>
-            <a:lvl2pPr marL="365760" indent="-182880" algn="l" defTabSz="914377" rtl="0" eaLnBrk="1" fontAlgn="base" latinLnBrk="0" hangingPunct="1">
-              <a:lnSpc>
-                <a:spcPct val="95000"/>
-              </a:lnSpc>
-              <a:spcBef>
-                <a:spcPts val="600"/>
-              </a:spcBef>
-              <a:spcAft>
-                <a:spcPts val="0"/>
-              </a:spcAft>
-              <a:buClr>
-                <a:schemeClr val="tx2"/>
-              </a:buClr>
-              <a:buFont typeface="Wingdings" panose="05000000000000000000" pitchFamily="2" charset="2"/>
-              <a:buChar char="§"/>
-              <a:defRPr lang="en-US" sz="1800" b="0" i="0" kern="1200">
-                <a:solidFill>
-                  <a:schemeClr val="tx1"/>
-                </a:solidFill>
-                <a:latin typeface="+mn-lt"/>
-                <a:ea typeface="Calibri" panose="020F0502020204030204" pitchFamily="34" charset="0"/>
-                <a:cs typeface="Calibri" panose="020F0502020204030204" pitchFamily="34" charset="0"/>
-              </a:defRPr>
-            </a:lvl2pPr>
-            <a:lvl3pPr marL="548640" indent="-182880" algn="l" defTabSz="914377" rtl="0" eaLnBrk="1" fontAlgn="base" latinLnBrk="0" hangingPunct="1">
-              <a:lnSpc>
-                <a:spcPct val="95000"/>
-              </a:lnSpc>
-              <a:spcBef>
-                <a:spcPts val="600"/>
-              </a:spcBef>
-              <a:spcAft>
-                <a:spcPts val="0"/>
-              </a:spcAft>
-              <a:buClr>
-                <a:schemeClr val="tx2"/>
-              </a:buClr>
-              <a:buFont typeface="Wingdings" panose="05000000000000000000" pitchFamily="2" charset="2"/>
-              <a:buChar char="§"/>
-              <a:defRPr lang="en-US" sz="1600" b="0" i="0" kern="1200">
-                <a:solidFill>
-                  <a:schemeClr val="tx1"/>
-                </a:solidFill>
-                <a:latin typeface="+mn-lt"/>
-                <a:ea typeface="Calibri" panose="020F0502020204030204" pitchFamily="34" charset="0"/>
-                <a:cs typeface="Calibri" panose="020F0502020204030204" pitchFamily="34" charset="0"/>
-              </a:defRPr>
-            </a:lvl3pPr>
-            <a:lvl4pPr marL="731520" marR="0" indent="-182880" algn="l" defTabSz="914377" rtl="0" eaLnBrk="1" fontAlgn="base" latinLnBrk="0" hangingPunct="1">
-              <a:lnSpc>
-                <a:spcPct val="95000"/>
-              </a:lnSpc>
-              <a:spcBef>
-                <a:spcPts val="600"/>
-              </a:spcBef>
-              <a:spcAft>
-                <a:spcPts val="0"/>
-              </a:spcAft>
-              <a:buClr>
-                <a:schemeClr val="tx2"/>
-              </a:buClr>
-              <a:buSzTx/>
-              <a:buFont typeface="Wingdings" panose="05000000000000000000" pitchFamily="2" charset="2"/>
-              <a:buChar char="§"/>
-              <a:tabLst/>
-              <a:defRPr lang="en-US" sz="1400" b="0" i="0" kern="1200">
-                <a:solidFill>
-                  <a:schemeClr val="tx1"/>
-                </a:solidFill>
-                <a:latin typeface="+mn-lt"/>
-                <a:ea typeface="Calibri" panose="020F0502020204030204" pitchFamily="34" charset="0"/>
-                <a:cs typeface="Calibri" panose="020F0502020204030204" pitchFamily="34" charset="0"/>
-              </a:defRPr>
-            </a:lvl4pPr>
-            <a:lvl5pPr marL="914400" indent="-182880" algn="l" defTabSz="914377" rtl="0" eaLnBrk="1" fontAlgn="base" latinLnBrk="0" hangingPunct="1">
-              <a:lnSpc>
-                <a:spcPct val="100000"/>
-              </a:lnSpc>
-              <a:spcBef>
-                <a:spcPts val="900"/>
-              </a:spcBef>
-              <a:spcAft>
-                <a:spcPct val="0"/>
-              </a:spcAft>
-              <a:buClr>
-                <a:schemeClr val="tx2"/>
-              </a:buClr>
-              <a:buFont typeface="Wingdings" panose="05000000000000000000" pitchFamily="2" charset="2"/>
-              <a:buChar char="§"/>
-              <a:defRPr lang="en-US" sz="1400" b="0" kern="1200">
-                <a:solidFill>
-                  <a:schemeClr val="tx1"/>
-                </a:solidFill>
-                <a:latin typeface="+mn-lt"/>
-                <a:ea typeface="Segoe UI" panose="020B0502040204020203" pitchFamily="34" charset="0"/>
-                <a:cs typeface="Segoe UI" panose="020B0502040204020203" pitchFamily="34" charset="0"/>
-              </a:defRPr>
-            </a:lvl5pPr>
-            <a:lvl6pPr marL="2514537" indent="-228594" algn="l" defTabSz="914377" rtl="0" eaLnBrk="1" latinLnBrk="0" hangingPunct="1">
-              <a:lnSpc>
-                <a:spcPct val="90000"/>
-              </a:lnSpc>
-              <a:spcBef>
-                <a:spcPts val="500"/>
-              </a:spcBef>
-              <a:buFont typeface="Arial" panose="020B0604020202020204" pitchFamily="34" charset="0"/>
-              <a:buChar char="•"/>
-              <a:defRPr sz="1800" kern="1200">
-                <a:solidFill>
-                  <a:schemeClr val="tx1"/>
-                </a:solidFill>
-                <a:latin typeface="+mn-lt"/>
-                <a:ea typeface="+mn-ea"/>
-                <a:cs typeface="+mn-cs"/>
-              </a:defRPr>
-            </a:lvl6pPr>
-            <a:lvl7pPr marL="2971726" indent="-228594" algn="l" defTabSz="914377" rtl="0" eaLnBrk="1" latinLnBrk="0" hangingPunct="1">
-              <a:lnSpc>
-                <a:spcPct val="90000"/>
-              </a:lnSpc>
-              <a:spcBef>
-                <a:spcPts val="500"/>
-              </a:spcBef>
-              <a:buFont typeface="Arial" panose="020B0604020202020204" pitchFamily="34" charset="0"/>
-              <a:buChar char="•"/>
-              <a:defRPr sz="1800" kern="1200">
-                <a:solidFill>
-                  <a:schemeClr val="tx1"/>
-                </a:solidFill>
-                <a:latin typeface="+mn-lt"/>
-                <a:ea typeface="+mn-ea"/>
-                <a:cs typeface="+mn-cs"/>
-              </a:defRPr>
-            </a:lvl7pPr>
-            <a:lvl8pPr marL="3428914" indent="-228594" algn="l" defTabSz="914377" rtl="0" eaLnBrk="1" latinLnBrk="0" hangingPunct="1">
-              <a:lnSpc>
-                <a:spcPct val="90000"/>
-              </a:lnSpc>
-              <a:spcBef>
-                <a:spcPts val="500"/>
-              </a:spcBef>
-              <a:buFont typeface="Arial" panose="020B0604020202020204" pitchFamily="34" charset="0"/>
-              <a:buChar char="•"/>
-              <a:defRPr sz="1800" kern="1200">
-                <a:solidFill>
-                  <a:schemeClr val="tx1"/>
-                </a:solidFill>
-                <a:latin typeface="+mn-lt"/>
-                <a:ea typeface="+mn-ea"/>
-                <a:cs typeface="+mn-cs"/>
-              </a:defRPr>
-            </a:lvl8pPr>
-            <a:lvl9pPr marL="3886103" indent="-228594" algn="l" defTabSz="914377" rtl="0" eaLnBrk="1" latinLnBrk="0" hangingPunct="1">
-              <a:lnSpc>
-                <a:spcPct val="90000"/>
-              </a:lnSpc>
-              <a:spcBef>
-                <a:spcPts val="500"/>
-              </a:spcBef>
-              <a:buFont typeface="Arial" panose="020B0604020202020204" pitchFamily="34" charset="0"/>
-              <a:buChar char="•"/>
-              <a:defRPr sz="1800" kern="1200">
-                <a:solidFill>
-                  <a:schemeClr val="tx1"/>
-                </a:solidFill>
-                <a:latin typeface="+mn-lt"/>
-                <a:ea typeface="+mn-ea"/>
-                <a:cs typeface="+mn-cs"/>
-              </a:defRPr>
-            </a:lvl9pPr>
-          </a:lstStyle>
-          <a:p>
-            <a:r>
-              <a:rPr lang="en-US" dirty="0">
-                <a:solidFill>
-                  <a:srgbClr val="C00000"/>
-                </a:solidFill>
-              </a:rPr>
-              <a:t>End Device</a:t>
-            </a:r>
-          </a:p>
-          <a:p>
-            <a:pPr lvl="1"/>
-            <a:r>
-              <a:rPr lang="en-US" dirty="0"/>
-              <a:t>Security Core Library</a:t>
-            </a:r>
-          </a:p>
-          <a:p>
-            <a:pPr lvl="1"/>
-            <a:r>
-              <a:rPr lang="en-US" dirty="0"/>
-              <a:t>NVM3</a:t>
-            </a:r>
-          </a:p>
-          <a:p>
-            <a:pPr lvl="1"/>
-            <a:r>
-              <a:rPr lang="en-US" dirty="0"/>
-              <a:t>Simple Main</a:t>
-            </a:r>
-          </a:p>
-          <a:p>
-            <a:pPr lvl="1"/>
-            <a:r>
-              <a:rPr lang="en-US" dirty="0"/>
-              <a:t>Zigbee Pro </a:t>
-            </a:r>
-            <a:r>
-              <a:rPr lang="en-US" dirty="0">
-                <a:solidFill>
-                  <a:srgbClr val="C00000"/>
-                </a:solidFill>
-              </a:rPr>
-              <a:t>Leaf</a:t>
-            </a:r>
-            <a:r>
-              <a:rPr lang="en-US" dirty="0"/>
-              <a:t> Library</a:t>
-            </a:r>
-          </a:p>
-          <a:p>
-            <a:pPr lvl="1"/>
-            <a:r>
-              <a:rPr lang="en-US" dirty="0"/>
-              <a:t>Network Steering</a:t>
-            </a:r>
-          </a:p>
-          <a:p>
-            <a:pPr lvl="1"/>
-            <a:r>
-              <a:rPr lang="en-US" dirty="0"/>
-              <a:t>Update TC Link Key</a:t>
-            </a:r>
-          </a:p>
-          <a:p>
-            <a:pPr lvl="1"/>
-            <a:r>
-              <a:rPr lang="en-US" dirty="0"/>
-              <a:t>End Device Support</a:t>
-            </a:r>
-          </a:p>
-          <a:p>
-            <a:pPr lvl="1"/>
-            <a:r>
-              <a:rPr lang="en-US" dirty="0"/>
-              <a:t>Idle/Sleep</a:t>
-            </a:r>
-          </a:p>
-          <a:p>
-            <a:pPr lvl="1"/>
-            <a:endParaRPr lang="en-US" dirty="0"/>
-          </a:p>
-        </p:txBody>
-      </p:sp>
+      </p:pic>
     </p:spTree>
     <p:extLst>
       <p:ext uri="{BB962C8B-B14F-4D97-AF65-F5344CB8AC3E}">
@@ -26855,7 +23670,7 @@
           <p:nvPr>
             <p:extLst>
               <p:ext uri="{D42A27DB-BD31-4B8C-83A1-F6EECF244321}">
-                <p14:modId xmlns:p14="http://schemas.microsoft.com/office/powerpoint/2010/main" val="3056383326"/>
+                <p14:modId xmlns:p14="http://schemas.microsoft.com/office/powerpoint/2010/main" val="575475963"/>
               </p:ext>
             </p:extLst>
           </p:nvPr>
@@ -27460,6 +24275,10 @@
                         <a:tabLst/>
                         <a:defRPr/>
                       </a:pPr>
+                      <a:r>
+                        <a:rPr lang="en-US" dirty="0" err="1"/>
+                        <a:t>hal-config.h</a:t>
+                      </a:r>
                       <a:endParaRPr lang="en-US" dirty="0"/>
                     </a:p>
                   </a:txBody>
@@ -27470,7 +24289,10 @@
                     <a:bodyPr/>
                     <a:lstStyle/>
                     <a:p>
-                      <a:endParaRPr lang="en-US" dirty="0"/>
+                      <a:r>
+                        <a:rPr lang="en-US" dirty="0"/>
+                        <a:t>All hardware settings are generated in this file</a:t>
+                      </a:r>
                     </a:p>
                   </a:txBody>
                   <a:tcPr/>
@@ -28427,8 +25249,8 @@
         </p:nvSpPr>
         <p:spPr>
           <a:xfrm>
-            <a:off x="4323565" y="4273167"/>
-            <a:ext cx="2624437" cy="461665"/>
+            <a:off x="4982944" y="4273167"/>
+            <a:ext cx="1305677" cy="461665"/>
           </a:xfrm>
           <a:prstGeom prst="rect">
             <a:avLst/>
@@ -28444,7 +25266,7 @@
             <a:pPr algn="ctr"/>
             <a:r>
               <a:rPr lang="en-US" sz="2400" dirty="0"/>
-              <a:t>Software + Stacks</a:t>
+              <a:t>Software</a:t>
             </a:r>
           </a:p>
         </p:txBody>
@@ -28601,7 +25423,7 @@
         </p:nvSpPr>
         <p:spPr>
           <a:xfrm>
-            <a:off x="3999081" y="1749197"/>
+            <a:off x="4101681" y="1684619"/>
             <a:ext cx="3002055" cy="3200400"/>
           </a:xfrm>
           <a:prstGeom prst="rect">
@@ -28691,7 +25513,7 @@
           <a:lstStyle/>
           <a:p>
             <a:pPr algn="ctr"/>
-            <a:endParaRPr lang="en-US" dirty="0"/>
+            <a:endParaRPr lang="en-US"/>
           </a:p>
         </p:txBody>
       </p:sp>
@@ -29176,8 +25998,13 @@
           <a:p>
             <a:r>
               <a:rPr lang="en-US" dirty="0"/>
-              <a:t>Wireless Gecko Socs</a:t>
-            </a:r>
+              <a:t>Wireless Gecko </a:t>
+            </a:r>
+            <a:r>
+              <a:rPr lang="en-US" dirty="0" err="1"/>
+              <a:t>Socs</a:t>
+            </a:r>
+            <a:endParaRPr lang="en-US" dirty="0"/>
           </a:p>
         </p:txBody>
       </p:sp>
@@ -29187,9 +26014,7 @@
           <p:cNvGraphicFramePr>
             <a:graphicFrameLocks/>
           </p:cNvGraphicFramePr>
-          <p:nvPr>
-            <p:extLst/>
-          </p:nvPr>
+          <p:nvPr/>
         </p:nvGraphicFramePr>
         <p:xfrm>
           <a:off x="1600199" y="1805897"/>
@@ -31017,7 +27842,7 @@
           <p:nvPr>
             <p:extLst>
               <p:ext uri="{D42A27DB-BD31-4B8C-83A1-F6EECF244321}">
-                <p14:modId xmlns:p14="http://schemas.microsoft.com/office/powerpoint/2010/main" val="1271540077"/>
+                <p14:modId xmlns:p14="http://schemas.microsoft.com/office/powerpoint/2010/main" val="230520123"/>
               </p:ext>
             </p:extLst>
           </p:nvPr>
@@ -33915,7 +30740,19 @@
                           <a:ea typeface="+mn-ea"/>
                           <a:cs typeface="Arial" panose="020B0604020202020204" pitchFamily="34" charset="0"/>
                         </a:rPr>
-                        <a:t>+ TRNG TrustZone</a:t>
+                        <a:t>+ TRNG </a:t>
+                      </a:r>
+                      <a:r>
+                        <a:rPr lang="en-US" sz="1200" b="0" i="0" u="none" strike="noStrike" kern="1200" dirty="0" err="1">
+                          <a:solidFill>
+                            <a:schemeClr val="tx1"/>
+                          </a:solidFill>
+                          <a:effectLst/>
+                          <a:latin typeface="Arial" panose="020B0604020202020204" pitchFamily="34" charset="0"/>
+                          <a:ea typeface="+mn-ea"/>
+                          <a:cs typeface="Arial" panose="020B0604020202020204" pitchFamily="34" charset="0"/>
+                        </a:rPr>
+                        <a:t>TrustZone</a:t>
                       </a:r>
                       <a:endParaRPr lang="en-US" sz="1200" b="0" i="0" u="none" strike="noStrike" kern="1200" dirty="0">
                         <a:solidFill>
@@ -38955,9 +35792,7 @@
           <p:cNvGraphicFramePr>
             <a:graphicFrameLocks noGrp="1"/>
           </p:cNvGraphicFramePr>
-          <p:nvPr>
-            <p:extLst/>
-          </p:nvPr>
+          <p:nvPr/>
         </p:nvGraphicFramePr>
         <p:xfrm>
           <a:off x="5889663" y="1254630"/>
@@ -39656,9 +36491,7 @@
           <p:cNvGraphicFramePr>
             <a:graphicFrameLocks noGrp="1"/>
           </p:cNvGraphicFramePr>
-          <p:nvPr>
-            <p:extLst/>
-          </p:nvPr>
+          <p:nvPr/>
         </p:nvGraphicFramePr>
         <p:xfrm>
           <a:off x="3675888" y="1254630"/>
@@ -40293,9 +37126,7 @@
           <p:cNvGraphicFramePr>
             <a:graphicFrameLocks noGrp="1"/>
           </p:cNvGraphicFramePr>
-          <p:nvPr>
-            <p:extLst/>
-          </p:nvPr>
+          <p:nvPr/>
         </p:nvGraphicFramePr>
         <p:xfrm>
           <a:off x="5690554" y="4279735"/>
@@ -40858,9 +37689,7 @@
           <p:cNvGraphicFramePr>
             <a:graphicFrameLocks noGrp="1"/>
           </p:cNvGraphicFramePr>
-          <p:nvPr>
-            <p:extLst/>
-          </p:nvPr>
+          <p:nvPr/>
         </p:nvGraphicFramePr>
         <p:xfrm>
           <a:off x="8263128" y="1254630"/>
@@ -41261,9 +38090,7 @@
           <p:cNvGraphicFramePr>
             <a:graphicFrameLocks noGrp="1"/>
           </p:cNvGraphicFramePr>
-          <p:nvPr>
-            <p:extLst/>
-          </p:nvPr>
+          <p:nvPr/>
         </p:nvGraphicFramePr>
         <p:xfrm>
           <a:off x="380999" y="1254630"/>
@@ -41968,9 +38795,7 @@
           <p:cNvGraphicFramePr>
             <a:graphicFrameLocks noGrp="1"/>
           </p:cNvGraphicFramePr>
-          <p:nvPr>
-            <p:extLst/>
-          </p:nvPr>
+          <p:nvPr/>
         </p:nvGraphicFramePr>
         <p:xfrm>
           <a:off x="380998" y="4267200"/>
@@ -42415,9 +39240,7 @@
           <p:cNvGraphicFramePr>
             <a:graphicFrameLocks noGrp="1"/>
           </p:cNvGraphicFramePr>
-          <p:nvPr>
-            <p:extLst/>
-          </p:nvPr>
+          <p:nvPr/>
         </p:nvGraphicFramePr>
         <p:xfrm>
           <a:off x="3678626" y="4267200"/>
@@ -43205,9 +40028,7 @@
           <p:cNvGraphicFramePr>
             <a:graphicFrameLocks noGrp="1"/>
           </p:cNvGraphicFramePr>
-          <p:nvPr>
-            <p:extLst/>
-          </p:nvPr>
+          <p:nvPr/>
         </p:nvGraphicFramePr>
         <p:xfrm>
           <a:off x="7491684" y="4279734"/>
@@ -44388,9 +41209,7 @@
           <p:cNvGraphicFramePr>
             <a:graphicFrameLocks noGrp="1"/>
           </p:cNvGraphicFramePr>
-          <p:nvPr>
-            <p:extLst/>
-          </p:nvPr>
+          <p:nvPr/>
         </p:nvGraphicFramePr>
         <p:xfrm>
           <a:off x="2068973" y="4268842"/>
@@ -44914,7 +41733,7 @@
           <a:p>
             <a:r>
               <a:rPr lang="en-US" dirty="0"/>
-              <a:t>Software and Stack</a:t>
+              <a:t>Software</a:t>
             </a:r>
           </a:p>
         </p:txBody>
@@ -44986,8 +41805,8 @@
         </p:nvSpPr>
         <p:spPr>
           <a:xfrm>
-            <a:off x="4508746" y="4273167"/>
-            <a:ext cx="2254079" cy="461665"/>
+            <a:off x="4982946" y="4273167"/>
+            <a:ext cx="1305678" cy="461665"/>
           </a:xfrm>
           <a:prstGeom prst="rect">
             <a:avLst/>
@@ -45003,7 +41822,7 @@
             <a:pPr algn="ctr"/>
             <a:r>
               <a:rPr lang="en-US" sz="2400" dirty="0"/>
-              <a:t>Software + Stack</a:t>
+              <a:t>Software</a:t>
             </a:r>
           </a:p>
         </p:txBody>
@@ -45196,7 +42015,7 @@
           <a:lstStyle/>
           <a:p>
             <a:pPr algn="ctr"/>
-            <a:endParaRPr lang="en-US" dirty="0"/>
+            <a:endParaRPr lang="en-US"/>
           </a:p>
         </p:txBody>
       </p:sp>
@@ -45250,7 +42069,7 @@
           <a:lstStyle/>
           <a:p>
             <a:pPr algn="ctr"/>
-            <a:endParaRPr lang="en-US" dirty="0"/>
+            <a:endParaRPr lang="en-US"/>
           </a:p>
         </p:txBody>
       </p:sp>
@@ -45837,7 +42656,7 @@
               <a:lstStyle/>
               <a:p>
                 <a:pPr algn="ctr"/>
-                <a:endParaRPr lang="en-US" dirty="0"/>
+                <a:endParaRPr lang="en-US"/>
               </a:p>
             </p:txBody>
           </p:sp>
@@ -45875,7 +42694,7 @@
               <a:lstStyle/>
               <a:p>
                 <a:pPr algn="ctr"/>
-                <a:endParaRPr lang="en-US" dirty="0"/>
+                <a:endParaRPr lang="en-US"/>
               </a:p>
             </p:txBody>
           </p:sp>
@@ -46201,7 +43020,7 @@
             <a:lstStyle/>
             <a:p>
               <a:pPr algn="ctr"/>
-              <a:endParaRPr lang="en-US" dirty="0"/>
+              <a:endParaRPr lang="en-US"/>
             </a:p>
           </p:txBody>
         </p:sp>
@@ -46323,7 +43142,23 @@
                     <a:schemeClr val="tx1"/>
                   </a:solidFill>
                 </a:rPr>
-                <a:t>System-on-Chip (SoC)</a:t>
+                <a:t>System-on-Chip (</a:t>
+              </a:r>
+              <a:r>
+                <a:rPr lang="en-US" b="1" dirty="0" err="1">
+                  <a:solidFill>
+                    <a:schemeClr val="tx1"/>
+                  </a:solidFill>
+                </a:rPr>
+                <a:t>SoC</a:t>
+              </a:r>
+              <a:r>
+                <a:rPr lang="en-US" b="1" dirty="0">
+                  <a:solidFill>
+                    <a:schemeClr val="tx1"/>
+                  </a:solidFill>
+                </a:rPr>
+                <a:t>)</a:t>
               </a:r>
             </a:p>
             <a:p>
@@ -46495,13 +43330,18 @@
           <a:lstStyle/>
           <a:p>
             <a:r>
-              <a:rPr lang="en-US" b="1" dirty="0">
+              <a:rPr lang="en-US" b="1" dirty="0" err="1">
                 <a:solidFill>
                   <a:srgbClr val="C00000"/>
                 </a:solidFill>
               </a:rPr>
               <a:t>SoC</a:t>
             </a:r>
+            <a:endParaRPr lang="en-US" b="1" dirty="0">
+              <a:solidFill>
+                <a:srgbClr val="C00000"/>
+              </a:solidFill>
+            </a:endParaRPr>
           </a:p>
         </p:txBody>
       </p:sp>
@@ -46543,7 +43383,7 @@
           <a:lstStyle/>
           <a:p>
             <a:pPr algn="ctr"/>
-            <a:endParaRPr lang="en-US" dirty="0"/>
+            <a:endParaRPr lang="en-US"/>
           </a:p>
         </p:txBody>
       </p:sp>
@@ -46890,7 +43730,7 @@
             <a:lstStyle/>
             <a:p>
               <a:pPr algn="ctr"/>
-              <a:endParaRPr lang="en-US" dirty="0"/>
+              <a:endParaRPr lang="en-US"/>
             </a:p>
           </p:txBody>
         </p:sp>
@@ -46991,7 +43831,7 @@
           <a:lstStyle/>
           <a:p>
             <a:pPr algn="ctr"/>
-            <a:endParaRPr lang="en-US" dirty="0"/>
+            <a:endParaRPr lang="en-US"/>
           </a:p>
         </p:txBody>
       </p:sp>
@@ -47043,7 +43883,7 @@
           <a:lstStyle/>
           <a:p>
             <a:pPr algn="ctr"/>
-            <a:endParaRPr lang="en-US" dirty="0"/>
+            <a:endParaRPr lang="en-US"/>
           </a:p>
         </p:txBody>
       </p:sp>
@@ -47160,14 +44000,14 @@
           <p:nvPr>
             <p:extLst>
               <p:ext uri="{D42A27DB-BD31-4B8C-83A1-F6EECF244321}">
-                <p14:modId xmlns:p14="http://schemas.microsoft.com/office/powerpoint/2010/main" val="836919782"/>
+                <p14:modId xmlns:p14="http://schemas.microsoft.com/office/powerpoint/2010/main" val="1046162410"/>
               </p:ext>
             </p:extLst>
           </p:nvPr>
         </p:nvGraphicFramePr>
         <p:xfrm>
           <a:off x="457200" y="914400"/>
-          <a:ext cx="11277600" cy="1483360"/>
+          <a:ext cx="11277600" cy="1854200"/>
         </p:xfrm>
         <a:graphic>
           <a:graphicData uri="http://schemas.openxmlformats.org/drawingml/2006/table">
@@ -47229,7 +44069,15 @@
                     <a:p>
                       <a:r>
                         <a:rPr lang="en-US" dirty="0"/>
-                        <a:t>Bootloader-xmodem-uart</a:t>
+                        <a:t>Bootloader-</a:t>
+                      </a:r>
+                      <a:r>
+                        <a:rPr lang="en-US" dirty="0" err="1"/>
+                        <a:t>Xmodem</a:t>
+                      </a:r>
+                      <a:r>
+                        <a:rPr lang="en-US" dirty="0"/>
+                        <a:t>-UART</a:t>
                       </a:r>
                     </a:p>
                   </a:txBody>
@@ -47251,6 +44099,39 @@
                 <a:extLst>
                   <a:ext uri="{0D108BD9-81ED-4DB2-BD59-A6C34878D82A}">
                     <a16:rowId xmlns:a16="http://schemas.microsoft.com/office/drawing/2014/main" val="853235210"/>
+                  </a:ext>
+                </a:extLst>
+              </a:tr>
+              <a:tr h="370840">
+                <a:tc>
+                  <a:txBody>
+                    <a:bodyPr/>
+                    <a:lstStyle/>
+                    <a:p>
+                      <a:r>
+                        <a:rPr lang="en-US" dirty="0"/>
+                        <a:t>EZSP-SPI-Bootloader</a:t>
+                      </a:r>
+                    </a:p>
+                  </a:txBody>
+                  <a:tcPr/>
+                </a:tc>
+                <a:tc>
+                  <a:txBody>
+                    <a:bodyPr/>
+                    <a:lstStyle/>
+                    <a:p>
+                      <a:r>
+                        <a:rPr lang="en-US" dirty="0"/>
+                        <a:t>Similar to the above one, use SPI instead of UART. Mainly used on NCP.</a:t>
+                      </a:r>
+                    </a:p>
+                  </a:txBody>
+                  <a:tcPr/>
+                </a:tc>
+                <a:extLst>
+                  <a:ext uri="{0D108BD9-81ED-4DB2-BD59-A6C34878D82A}">
+                    <a16:rowId xmlns:a16="http://schemas.microsoft.com/office/drawing/2014/main" val="1609115059"/>
                   </a:ext>
                 </a:extLst>
               </a:tr>
@@ -47368,14 +44249,14 @@
           <p:nvPr>
             <p:extLst>
               <p:ext uri="{D42A27DB-BD31-4B8C-83A1-F6EECF244321}">
-                <p14:modId xmlns:p14="http://schemas.microsoft.com/office/powerpoint/2010/main" val="3236760236"/>
+                <p14:modId xmlns:p14="http://schemas.microsoft.com/office/powerpoint/2010/main" val="578912532"/>
               </p:ext>
             </p:extLst>
           </p:nvPr>
         </p:nvGraphicFramePr>
         <p:xfrm>
           <a:off x="457200" y="2976881"/>
-          <a:ext cx="11277600" cy="1483360"/>
+          <a:ext cx="11277600" cy="1854200"/>
         </p:xfrm>
         <a:graphic>
           <a:graphicData uri="http://schemas.openxmlformats.org/drawingml/2006/table">
@@ -47440,7 +44321,15 @@
                     <a:p>
                       <a:r>
                         <a:rPr lang="en-US" dirty="0"/>
-                        <a:t>Bootloader-xmodem-uart</a:t>
+                        <a:t>Bootloader-</a:t>
+                      </a:r>
+                      <a:r>
+                        <a:rPr lang="en-US" dirty="0" err="1"/>
+                        <a:t>Xmodem</a:t>
+                      </a:r>
+                      <a:r>
+                        <a:rPr lang="en-US" dirty="0"/>
+                        <a:t>-UART</a:t>
                       </a:r>
                     </a:p>
                   </a:txBody>
@@ -47453,8 +44342,21 @@
                     <a:p>
                       <a:r>
                         <a:rPr lang="en-US" dirty="0"/>
-                        <a:t>v2.6\platform\bootloader\sample-apps\bootloader-uart-xmodem</a:t>
+                        <a:t>platform\bootloader\sample-apps\bootloader-</a:t>
                       </a:r>
+                      <a:r>
+                        <a:rPr lang="en-US" dirty="0" err="1"/>
+                        <a:t>uart</a:t>
+                      </a:r>
+                      <a:r>
+                        <a:rPr lang="en-US" dirty="0"/>
+                        <a:t>-</a:t>
+                      </a:r>
+                      <a:r>
+                        <a:rPr lang="en-US" dirty="0" err="1"/>
+                        <a:t>xmodem</a:t>
+                      </a:r>
+                      <a:endParaRPr lang="en-US" dirty="0"/>
                     </a:p>
                   </a:txBody>
                   <a:tcPr/>
@@ -47462,6 +44364,69 @@
                 <a:extLst>
                   <a:ext uri="{0D108BD9-81ED-4DB2-BD59-A6C34878D82A}">
                     <a16:rowId xmlns:a16="http://schemas.microsoft.com/office/drawing/2014/main" val="853235210"/>
+                  </a:ext>
+                </a:extLst>
+              </a:tr>
+              <a:tr h="370840">
+                <a:tc>
+                  <a:txBody>
+                    <a:bodyPr/>
+                    <a:lstStyle/>
+                    <a:p>
+                      <a:pPr marL="0" marR="0" lvl="0" indent="0" algn="l" defTabSz="914377" rtl="0" eaLnBrk="1" fontAlgn="auto" latinLnBrk="0" hangingPunct="1">
+                        <a:lnSpc>
+                          <a:spcPct val="100000"/>
+                        </a:lnSpc>
+                        <a:spcBef>
+                          <a:spcPts val="0"/>
+                        </a:spcBef>
+                        <a:spcAft>
+                          <a:spcPts val="0"/>
+                        </a:spcAft>
+                        <a:buClrTx/>
+                        <a:buSzTx/>
+                        <a:buFontTx/>
+                        <a:buNone/>
+                        <a:tabLst/>
+                        <a:defRPr/>
+                      </a:pPr>
+                      <a:r>
+                        <a:rPr lang="en-US" dirty="0"/>
+                        <a:t>EZSP-SPI-Bootloader</a:t>
+                      </a:r>
+                    </a:p>
+                  </a:txBody>
+                  <a:tcPr/>
+                </a:tc>
+                <a:tc>
+                  <a:txBody>
+                    <a:bodyPr/>
+                    <a:lstStyle/>
+                    <a:p>
+                      <a:r>
+                        <a:rPr lang="en-US" dirty="0"/>
+                        <a:t>platform\bootloader\sample-apps\bootloader-</a:t>
+                      </a:r>
+                      <a:r>
+                        <a:rPr lang="en-US" dirty="0" err="1"/>
+                        <a:t>spi</a:t>
+                      </a:r>
+                      <a:r>
+                        <a:rPr lang="en-US" dirty="0"/>
+                        <a:t>-</a:t>
+                      </a:r>
+                      <a:r>
+                        <a:rPr lang="en-US" dirty="0" err="1"/>
+                        <a:t>ezsp</a:t>
+                      </a:r>
+                      <a:endParaRPr lang="en-US" dirty="0"/>
+                    </a:p>
+                  </a:txBody>
+                  <a:tcPr/>
+                </a:tc>
+                <a:extLst>
+                  <a:ext uri="{0D108BD9-81ED-4DB2-BD59-A6C34878D82A}">
+                    <a16:rowId xmlns:a16="http://schemas.microsoft.com/office/drawing/2014/main" val="2465079650"/>
                   </a:ext>
                 </a:extLst>
               </a:tr>
@@ -47494,7 +44459,7 @@
                             <a:schemeClr val="tx1"/>
                           </a:solidFill>
                         </a:rPr>
-                        <a:t>v2.6\platform\bootloader\sample-apps\bootloader-storage-internal-single</a:t>
+                        <a:t>platform\bootloader\sample-apps\bootloader-storage-internal-single</a:t>
                       </a:r>
                     </a:p>
                   </a:txBody>
@@ -47548,7 +44513,23 @@
                             <a:schemeClr val="tx1"/>
                           </a:solidFill>
                         </a:rPr>
-                        <a:t>v2.6\platform\bootloader\sample-apps\bootloader-storage-spiflash-single</a:t>
+                        <a:t>platform\bootloader\sample-apps\bootloader-storage-</a:t>
+                      </a:r>
+                      <a:r>
+                        <a:rPr lang="en-US" dirty="0" err="1">
+                          <a:solidFill>
+                            <a:schemeClr val="tx1"/>
+                          </a:solidFill>
+                        </a:rPr>
+                        <a:t>spiflash</a:t>
+                      </a:r>
+                      <a:r>
+                        <a:rPr lang="en-US" dirty="0">
+                          <a:solidFill>
+                            <a:schemeClr val="tx1"/>
+                          </a:solidFill>
+                        </a:rPr>
+                        <a:t>-single</a:t>
                       </a:r>
                     </a:p>
                   </a:txBody>
@@ -48185,302 +45166,22 @@
 </a:theme>
 </file>
 
-<file path=ppt/theme/theme3.xml><?xml version="1.0" encoding="utf-8"?>
-<a:theme xmlns:a="http://schemas.openxmlformats.org/drawingml/2006/main" name="Office Theme">
-  <a:themeElements>
-    <a:clrScheme name="Office">
-      <a:dk1>
-        <a:sysClr val="windowText" lastClr="000000"/>
-      </a:dk1>
-      <a:lt1>
-        <a:sysClr val="window" lastClr="FFFFFF"/>
-      </a:lt1>
-      <a:dk2>
-        <a:srgbClr val="44546A"/>
-      </a:dk2>
-      <a:lt2>
-        <a:srgbClr val="E7E6E6"/>
-      </a:lt2>
-      <a:accent1>
-        <a:srgbClr val="4472C4"/>
-      </a:accent1>
-      <a:accent2>
-        <a:srgbClr val="ED7D31"/>
-      </a:accent2>
-      <a:accent3>
-        <a:srgbClr val="A5A5A5"/>
-      </a:accent3>
-      <a:accent4>
-        <a:srgbClr val="FFC000"/>
-      </a:accent4>
-      <a:accent5>
-        <a:srgbClr val="5B9BD5"/>
-      </a:accent5>
-      <a:accent6>
-        <a:srgbClr val="70AD47"/>
-      </a:accent6>
-      <a:hlink>
-        <a:srgbClr val="0563C1"/>
-      </a:hlink>
-      <a:folHlink>
-        <a:srgbClr val="954F72"/>
-      </a:folHlink>
-    </a:clrScheme>
-    <a:fontScheme name="Office">
-      <a:majorFont>
-        <a:latin typeface="Calibri Light" panose="020F0302020204030204"/>
-        <a:ea typeface=""/>
-        <a:cs typeface=""/>
-        <a:font script="Jpan" typeface="游ゴシック Light"/>
-        <a:font script="Hang" typeface="맑은 고딕"/>
-        <a:font script="Hans" typeface="等线 Light"/>
-        <a:font script="Hant" typeface="新細明體"/>
-        <a:font script="Arab" typeface="Times New Roman"/>
-        <a:font script="Hebr" typeface="Times New Roman"/>
-        <a:font script="Thai" typeface="Angsana New"/>
-        <a:font script="Ethi" typeface="Nyala"/>
-        <a:font script="Beng" typeface="Vrinda"/>
-        <a:font script="Gujr" typeface="Shruti"/>
-        <a:font script="Khmr" typeface="MoolBoran"/>
-        <a:font script="Knda" typeface="Tunga"/>
-        <a:font script="Guru" typeface="Raavi"/>
-        <a:font script="Cans" typeface="Euphemia"/>
-        <a:font script="Cher" typeface="Plantagenet Cherokee"/>
-        <a:font script="Yiii" typeface="Microsoft Yi Baiti"/>
-        <a:font script="Tibt" typeface="Microsoft Himalaya"/>
-        <a:font script="Thaa" typeface="MV Boli"/>
-        <a:font script="Deva" typeface="Mangal"/>
-        <a:font script="Telu" typeface="Gautami"/>
-        <a:font script="Taml" typeface="Latha"/>
-        <a:font script="Syrc" typeface="Estrangelo Edessa"/>
-        <a:font script="Orya" typeface="Kalinga"/>
-        <a:font script="Mlym" typeface="Kartika"/>
-        <a:font script="Laoo" typeface="DokChampa"/>
-        <a:font script="Sinh" typeface="Iskoola Pota"/>
-        <a:font script="Mong" typeface="Mongolian Baiti"/>
-        <a:font script="Viet" typeface="Times New Roman"/>
-        <a:font script="Uigh" typeface="Microsoft Uighur"/>
-        <a:font script="Geor" typeface="Sylfaen"/>
-        <a:font script="Armn" typeface="Arial"/>
-        <a:font script="Bugi" typeface="Leelawadee UI"/>
-        <a:font script="Bopo" typeface="Microsoft JhengHei"/>
-        <a:font script="Java" typeface="Javanese Text"/>
-        <a:font script="Lisu" typeface="Segoe UI"/>
-        <a:font script="Mymr" typeface="Myanmar Text"/>
-        <a:font script="Nkoo" typeface="Ebrima"/>
-        <a:font script="Olck" typeface="Nirmala UI"/>
-        <a:font script="Osma" typeface="Ebrima"/>
-        <a:font script="Phag" typeface="Phagspa"/>
-        <a:font script="Syrn" typeface="Estrangelo Edessa"/>
-        <a:font script="Syrj" typeface="Estrangelo Edessa"/>
-        <a:font script="Syre" typeface="Estrangelo Edessa"/>
-        <a:font script="Sora" typeface="Nirmala UI"/>
-        <a:font script="Tale" typeface="Microsoft Tai Le"/>
-        <a:font script="Talu" typeface="Microsoft New Tai Lue"/>
-        <a:font script="Tfng" typeface="Ebrima"/>
-      </a:majorFont>
-      <a:minorFont>
-        <a:latin typeface="Calibri" panose="020F0502020204030204"/>
-        <a:ea typeface=""/>
-        <a:cs typeface=""/>
-        <a:font script="Jpan" typeface="游ゴシック"/>
-        <a:font script="Hang" typeface="맑은 고딕"/>
-        <a:font script="Hans" typeface="等线"/>
-        <a:font script="Hant" typeface="新細明體"/>
-        <a:font script="Arab" typeface="Arial"/>
-        <a:font script="Hebr" typeface="Arial"/>
-        <a:font script="Thai" typeface="Cordia New"/>
-        <a:font script="Ethi" typeface="Nyala"/>
-        <a:font script="Beng" typeface="Vrinda"/>
-        <a:font script="Gujr" typeface="Shruti"/>
-        <a:font script="Khmr" typeface="DaunPenh"/>
-        <a:font script="Knda" typeface="Tunga"/>
-        <a:font script="Guru" typeface="Raavi"/>
-        <a:font script="Cans" typeface="Euphemia"/>
-        <a:font script="Cher" typeface="Plantagenet Cherokee"/>
-        <a:font script="Yiii" typeface="Microsoft Yi Baiti"/>
-        <a:font script="Tibt" typeface="Microsoft Himalaya"/>
-        <a:font script="Thaa" typeface="MV Boli"/>
-        <a:font script="Deva" typeface="Mangal"/>
-        <a:font script="Telu" typeface="Gautami"/>
-        <a:font script="Taml" typeface="Latha"/>
-        <a:font script="Syrc" typeface="Estrangelo Edessa"/>
-        <a:font script="Orya" typeface="Kalinga"/>
-        <a:font script="Mlym" typeface="Kartika"/>
-        <a:font script="Laoo" typeface="DokChampa"/>
-        <a:font script="Sinh" typeface="Iskoola Pota"/>
-        <a:font script="Mong" typeface="Mongolian Baiti"/>
-        <a:font script="Viet" typeface="Arial"/>
-        <a:font script="Uigh" typeface="Microsoft Uighur"/>
-        <a:font script="Geor" typeface="Sylfaen"/>
-        <a:font script="Armn" typeface="Arial"/>
-        <a:font script="Bugi" typeface="Leelawadee UI"/>
-        <a:font script="Bopo" typeface="Microsoft JhengHei"/>
-        <a:font script="Java" typeface="Javanese Text"/>
-        <a:font script="Lisu" typeface="Segoe UI"/>
-        <a:font script="Mymr" typeface="Myanmar Text"/>
-        <a:font script="Nkoo" typeface="Ebrima"/>
-        <a:font script="Olck" typeface="Nirmala UI"/>
-        <a:font script="Osma" typeface="Ebrima"/>
-        <a:font script="Phag" typeface="Phagspa"/>
-        <a:font script="Syrn" typeface="Estrangelo Edessa"/>
-        <a:font script="Syrj" typeface="Estrangelo Edessa"/>
-        <a:font script="Syre" typeface="Estrangelo Edessa"/>
-        <a:font script="Sora" typeface="Nirmala UI"/>
-        <a:font script="Tale" typeface="Microsoft Tai Le"/>
-        <a:font script="Talu" typeface="Microsoft New Tai Lue"/>
-        <a:font script="Tfng" typeface="Ebrima"/>
-      </a:minorFont>
-    </a:fontScheme>
-    <a:fmtScheme name="Office">
-      <a:fillStyleLst>
-        <a:solidFill>
-          <a:schemeClr val="phClr"/>
-        </a:solidFill>
-        <a:gradFill rotWithShape="1">
-          <a:gsLst>
-            <a:gs pos="0">
-              <a:schemeClr val="phClr">
-                <a:lumMod val="110000"/>
-                <a:satMod val="105000"/>
-                <a:tint val="67000"/>
-              </a:schemeClr>
-            </a:gs>
-            <a:gs pos="50000">
-              <a:schemeClr val="phClr">
-                <a:lumMod val="105000"/>
-                <a:satMod val="103000"/>
-                <a:tint val="73000"/>
-              </a:schemeClr>
-            </a:gs>
-            <a:gs pos="100000">
-              <a:schemeClr val="phClr">
-                <a:lumMod val="105000"/>
-                <a:satMod val="109000"/>
-                <a:tint val="81000"/>
-              </a:schemeClr>
-            </a:gs>
-          </a:gsLst>
-          <a:lin ang="5400000" scaled="0"/>
-        </a:gradFill>
-        <a:gradFill rotWithShape="1">
-          <a:gsLst>
-            <a:gs pos="0">
-              <a:schemeClr val="phClr">
-                <a:satMod val="103000"/>
-                <a:lumMod val="102000"/>
-                <a:tint val="94000"/>
-              </a:schemeClr>
-            </a:gs>
-            <a:gs pos="50000">
-              <a:schemeClr val="phClr">
-                <a:satMod val="110000"/>
-                <a:lumMod val="100000"/>
-                <a:shade val="100000"/>
-              </a:schemeClr>
-            </a:gs>
-            <a:gs pos="100000">
-              <a:schemeClr val="phClr">
-                <a:lumMod val="99000"/>
-                <a:satMod val="120000"/>
-                <a:shade val="78000"/>
-              </a:schemeClr>
-            </a:gs>
-          </a:gsLst>
-          <a:lin ang="5400000" scaled="0"/>
-        </a:gradFill>
-      </a:fillStyleLst>
-      <a:lnStyleLst>
-        <a:ln w="6350" cap="flat" cmpd="sng" algn="ctr">
-          <a:solidFill>
-            <a:schemeClr val="phClr"/>
-          </a:solidFill>
-          <a:prstDash val="solid"/>
-          <a:miter lim="800000"/>
-        </a:ln>
-        <a:ln w="12700" cap="flat" cmpd="sng" algn="ctr">
-          <a:solidFill>
-            <a:schemeClr val="phClr"/>
-          </a:solidFill>
-          <a:prstDash val="solid"/>
-          <a:miter lim="800000"/>
-        </a:ln>
-        <a:ln w="19050" cap="flat" cmpd="sng" algn="ctr">
-          <a:solidFill>
-            <a:schemeClr val="phClr"/>
-          </a:solidFill>
-          <a:prstDash val="solid"/>
-          <a:miter lim="800000"/>
-        </a:ln>
-      </a:lnStyleLst>
-      <a:effectStyleLst>
-        <a:effectStyle>
-          <a:effectLst/>
-        </a:effectStyle>
-        <a:effectStyle>
-          <a:effectLst/>
-        </a:effectStyle>
-        <a:effectStyle>
-          <a:effectLst>
-            <a:outerShdw blurRad="57150" dist="19050" dir="5400000" algn="ctr" rotWithShape="0">
-              <a:srgbClr val="000000">
-                <a:alpha val="63000"/>
-              </a:srgbClr>
-            </a:outerShdw>
-          </a:effectLst>
-        </a:effectStyle>
-      </a:effectStyleLst>
-      <a:bgFillStyleLst>
-        <a:solidFill>
-          <a:schemeClr val="phClr"/>
-        </a:solidFill>
-        <a:solidFill>
-          <a:schemeClr val="phClr">
-            <a:tint val="95000"/>
-            <a:satMod val="170000"/>
-          </a:schemeClr>
-        </a:solidFill>
-        <a:gradFill rotWithShape="1">
-          <a:gsLst>
-            <a:gs pos="0">
-              <a:schemeClr val="phClr">
-                <a:tint val="93000"/>
-                <a:satMod val="150000"/>
-                <a:shade val="98000"/>
-                <a:lumMod val="102000"/>
-              </a:schemeClr>
-            </a:gs>
-            <a:gs pos="50000">
-              <a:schemeClr val="phClr">
-                <a:tint val="98000"/>
-                <a:satMod val="130000"/>
-                <a:shade val="90000"/>
-                <a:lumMod val="103000"/>
-              </a:schemeClr>
-            </a:gs>
-            <a:gs pos="100000">
-              <a:schemeClr val="phClr">
-                <a:shade val="63000"/>
-                <a:satMod val="120000"/>
-              </a:schemeClr>
-            </a:gs>
-          </a:gsLst>
-          <a:lin ang="5400000" scaled="0"/>
-        </a:gradFill>
-      </a:bgFillStyleLst>
-    </a:fmtScheme>
-  </a:themeElements>
-  <a:objectDefaults/>
-  <a:extraClrSchemeLst/>
-  <a:extLst>
-    <a:ext uri="{05A4C25C-085E-4340-85A3-A5531E510DB2}">
-      <thm15:themeFamily xmlns:thm15="http://schemas.microsoft.com/office/thememl/2012/main" name="Office Theme" id="{62F939B6-93AF-4DB8-9C6B-D6C7DFDC589F}" vid="{4A3C46E8-61CC-4603-A589-7422A47A8E4A}"/>
-    </a:ext>
-  </a:extLst>
-</a:theme>
+<file path=customXml/item1.xml><?xml version="1.0" encoding="utf-8"?>
+<p:properties xmlns:p="http://schemas.microsoft.com/office/2006/metadata/properties" xmlns:xsi="http://www.w3.org/2001/XMLSchema-instance" xmlns:pc="http://schemas.microsoft.com/office/infopath/2007/PartnerControls">
+  <documentManagement/>
+</p:properties>
 </file>
 
-<file path=customXml/item1.xml><?xml version="1.0" encoding="utf-8"?>
+<file path=customXml/item2.xml><?xml version="1.0" encoding="utf-8"?>
+<?mso-contentType ?>
+<FormTemplates xmlns="http://schemas.microsoft.com/sharepoint/v3/contenttype/forms">
+  <Display>DocumentLibraryForm</Display>
+  <Edit>DocumentLibraryForm</Edit>
+  <New>DocumentLibraryForm</New>
+</FormTemplates>
+</file>
+
+<file path=customXml/item3.xml><?xml version="1.0" encoding="utf-8"?>
 <ct:contentTypeSchema xmlns:ct="http://schemas.microsoft.com/office/2006/metadata/contentType" xmlns:ma="http://schemas.microsoft.com/office/2006/metadata/properties/metaAttributes" ct:_="" ma:_="" ma:contentTypeName="Document" ma:contentTypeID="0x010100B21F7AB2AB09B744870FD2BB34F58D4C" ma:contentTypeVersion="0" ma:contentTypeDescription="Create a new document." ma:contentTypeScope="" ma:versionID="610a13794e9c15d6bc8a774371eef038">
   <xsd:schema xmlns:xsd="http://www.w3.org/2001/XMLSchema" xmlns:xs="http://www.w3.org/2001/XMLSchema" xmlns:p="http://schemas.microsoft.com/office/2006/metadata/properties" targetNamespace="http://schemas.microsoft.com/office/2006/metadata/properties" ma:root="true" ma:fieldsID="1b05d82d297216baf5b26c55225140df">
     <xsd:element name="properties">
@@ -48594,22 +45295,30 @@
 </ct:contentTypeSchema>
 </file>
 
-<file path=customXml/item2.xml><?xml version="1.0" encoding="utf-8"?>
-<?mso-contentType ?>
-<FormTemplates xmlns="http://schemas.microsoft.com/sharepoint/v3/contenttype/forms">
-  <Display>DocumentLibraryForm</Display>
-  <Edit>DocumentLibraryForm</Edit>
-  <New>DocumentLibraryForm</New>
-</FormTemplates>
+<file path=customXml/itemProps1.xml><?xml version="1.0" encoding="utf-8"?>
+<ds:datastoreItem xmlns:ds="http://schemas.openxmlformats.org/officeDocument/2006/customXml" ds:itemID="{88E5C257-99A9-40B2-A1DE-0EB62604DA9C}">
+  <ds:schemaRefs>
+    <ds:schemaRef ds:uri="http://purl.org/dc/terms/"/>
+    <ds:schemaRef ds:uri="http://schemas.openxmlformats.org/package/2006/metadata/core-properties"/>
+    <ds:schemaRef ds:uri="http://schemas.microsoft.com/office/2006/documentManagement/types"/>
+    <ds:schemaRef ds:uri="http://schemas.microsoft.com/office/infopath/2007/PartnerControls"/>
+    <ds:schemaRef ds:uri="http://purl.org/dc/elements/1.1/"/>
+    <ds:schemaRef ds:uri="http://schemas.microsoft.com/office/2006/metadata/properties"/>
+    <ds:schemaRef ds:uri="http://www.w3.org/XML/1998/namespace"/>
+    <ds:schemaRef ds:uri="http://purl.org/dc/dcmitype/"/>
+  </ds:schemaRefs>
+</ds:datastoreItem>
 </file>
 
-<file path=customXml/item3.xml><?xml version="1.0" encoding="utf-8"?>
-<p:properties xmlns:p="http://schemas.microsoft.com/office/2006/metadata/properties" xmlns:xsi="http://www.w3.org/2001/XMLSchema-instance" xmlns:pc="http://schemas.microsoft.com/office/infopath/2007/PartnerControls">
-  <documentManagement/>
-</p:properties>
+<file path=customXml/itemProps2.xml><?xml version="1.0" encoding="utf-8"?>
+<ds:datastoreItem xmlns:ds="http://schemas.openxmlformats.org/officeDocument/2006/customXml" ds:itemID="{4DD62670-B0F9-4782-967B-54D0F2A11DD3}">
+  <ds:schemaRefs>
+    <ds:schemaRef ds:uri="http://schemas.microsoft.com/sharepoint/v3/contenttype/forms"/>
+  </ds:schemaRefs>
+</ds:datastoreItem>
 </file>
 
-<file path=customXml/itemProps1.xml><?xml version="1.0" encoding="utf-8"?>
+<file path=customXml/itemProps3.xml><?xml version="1.0" encoding="utf-8"?>
 <ds:datastoreItem xmlns:ds="http://schemas.openxmlformats.org/officeDocument/2006/customXml" ds:itemID="{59925F4A-05CC-4D19-A5F3-6B37E808F6A7}">
   <ds:schemaRefs>
     <ds:schemaRef ds:uri="http://schemas.microsoft.com/office/2006/metadata/contentType"/>
@@ -48623,27 +45332,4 @@
     <ds:schemaRef ds:uri="http://schemas.microsoft.com/office/infopath/2007/PartnerControls"/>
   </ds:schemaRefs>
 </ds:datastoreItem>
-</file>
-
-<file path=customXml/itemProps2.xml><?xml version="1.0" encoding="utf-8"?>
-<ds:datastoreItem xmlns:ds="http://schemas.openxmlformats.org/officeDocument/2006/customXml" ds:itemID="{4DD62670-B0F9-4782-967B-54D0F2A11DD3}">
-  <ds:schemaRefs>
-    <ds:schemaRef ds:uri="http://schemas.microsoft.com/sharepoint/v3/contenttype/forms"/>
-  </ds:schemaRefs>
-</ds:datastoreItem>
-</file>
-
-<file path=customXml/itemProps3.xml><?xml version="1.0" encoding="utf-8"?>
-<ds:datastoreItem xmlns:ds="http://schemas.openxmlformats.org/officeDocument/2006/customXml" ds:itemID="{88E5C257-99A9-40B2-A1DE-0EB62604DA9C}">
-  <ds:schemaRefs>
-    <ds:schemaRef ds:uri="http://purl.org/dc/terms/"/>
-    <ds:schemaRef ds:uri="http://schemas.microsoft.com/office/2006/documentManagement/types"/>
-    <ds:schemaRef ds:uri="http://purl.org/dc/dcmitype/"/>
-    <ds:schemaRef ds:uri="http://schemas.microsoft.com/office/infopath/2007/PartnerControls"/>
-    <ds:schemaRef ds:uri="http://purl.org/dc/elements/1.1/"/>
-    <ds:schemaRef ds:uri="http://schemas.microsoft.com/office/2006/metadata/properties"/>
-    <ds:schemaRef ds:uri="http://schemas.openxmlformats.org/package/2006/metadata/core-properties"/>
-    <ds:schemaRef ds:uri="http://www.w3.org/XML/1998/namespace"/>
-  </ds:schemaRefs>
-</ds:datastoreItem>
 </file>
--- a/zigbee/files/ZB-2019Q4-ZMGC-Training/source/EmberZnet-and-WSTK.pptx
+++ b/zigbee/files/ZB-2019Q4-ZMGC-Training/source/EmberZnet-and-WSTK.pptx
@@ -248,7 +248,7 @@
           <a:p>
             <a:fld id="{3CAB3C29-341D-6743-A203-2F7086D57830}" type="datetimeFigureOut">
               <a:rPr lang="en-US" smtClean="0"/>
-              <a:t>2020-02-12</a:t>
+              <a:t>2020-02-13</a:t>
             </a:fld>
             <a:endParaRPr lang="en-US"/>
           </a:p>
@@ -45167,21 +45167,6 @@
 </file>
 
 <file path=customXml/item1.xml><?xml version="1.0" encoding="utf-8"?>
-<p:properties xmlns:p="http://schemas.microsoft.com/office/2006/metadata/properties" xmlns:xsi="http://www.w3.org/2001/XMLSchema-instance" xmlns:pc="http://schemas.microsoft.com/office/infopath/2007/PartnerControls">
-  <documentManagement/>
-</p:properties>
-</file>
-
-<file path=customXml/item2.xml><?xml version="1.0" encoding="utf-8"?>
-<?mso-contentType ?>
-<FormTemplates xmlns="http://schemas.microsoft.com/sharepoint/v3/contenttype/forms">
-  <Display>DocumentLibraryForm</Display>
-  <Edit>DocumentLibraryForm</Edit>
-  <New>DocumentLibraryForm</New>
-</FormTemplates>
-</file>
-
-<file path=customXml/item3.xml><?xml version="1.0" encoding="utf-8"?>
 <ct:contentTypeSchema xmlns:ct="http://schemas.microsoft.com/office/2006/metadata/contentType" xmlns:ma="http://schemas.microsoft.com/office/2006/metadata/properties/metaAttributes" ct:_="" ma:_="" ma:contentTypeName="Document" ma:contentTypeID="0x010100B21F7AB2AB09B744870FD2BB34F58D4C" ma:contentTypeVersion="0" ma:contentTypeDescription="Create a new document." ma:contentTypeScope="" ma:versionID="610a13794e9c15d6bc8a774371eef038">
   <xsd:schema xmlns:xsd="http://www.w3.org/2001/XMLSchema" xmlns:xs="http://www.w3.org/2001/XMLSchema" xmlns:p="http://schemas.microsoft.com/office/2006/metadata/properties" targetNamespace="http://schemas.microsoft.com/office/2006/metadata/properties" ma:root="true" ma:fieldsID="1b05d82d297216baf5b26c55225140df">
     <xsd:element name="properties">
@@ -45295,17 +45280,33 @@
 </ct:contentTypeSchema>
 </file>
 
+<file path=customXml/item2.xml><?xml version="1.0" encoding="utf-8"?>
+<?mso-contentType ?>
+<FormTemplates xmlns="http://schemas.microsoft.com/sharepoint/v3/contenttype/forms">
+  <Display>DocumentLibraryForm</Display>
+  <Edit>DocumentLibraryForm</Edit>
+  <New>DocumentLibraryForm</New>
+</FormTemplates>
+</file>
+
+<file path=customXml/item3.xml><?xml version="1.0" encoding="utf-8"?>
+<p:properties xmlns:p="http://schemas.microsoft.com/office/2006/metadata/properties" xmlns:xsi="http://www.w3.org/2001/XMLSchema-instance" xmlns:pc="http://schemas.microsoft.com/office/infopath/2007/PartnerControls">
+  <documentManagement/>
+</p:properties>
+</file>
+
 <file path=customXml/itemProps1.xml><?xml version="1.0" encoding="utf-8"?>
-<ds:datastoreItem xmlns:ds="http://schemas.openxmlformats.org/officeDocument/2006/customXml" ds:itemID="{88E5C257-99A9-40B2-A1DE-0EB62604DA9C}">
+<ds:datastoreItem xmlns:ds="http://schemas.openxmlformats.org/officeDocument/2006/customXml" ds:itemID="{59925F4A-05CC-4D19-A5F3-6B37E808F6A7}">
   <ds:schemaRefs>
+    <ds:schemaRef ds:uri="http://schemas.microsoft.com/office/2006/metadata/contentType"/>
+    <ds:schemaRef ds:uri="http://schemas.microsoft.com/office/2006/metadata/properties/metaAttributes"/>
+    <ds:schemaRef ds:uri="http://www.w3.org/2001/XMLSchema"/>
+    <ds:schemaRef ds:uri="http://schemas.microsoft.com/office/2006/metadata/properties"/>
+    <ds:schemaRef ds:uri="http://schemas.openxmlformats.org/package/2006/metadata/core-properties"/>
+    <ds:schemaRef ds:uri="http://purl.org/dc/elements/1.1/"/>
     <ds:schemaRef ds:uri="http://purl.org/dc/terms/"/>
-    <ds:schemaRef ds:uri="http://schemas.openxmlformats.org/package/2006/metadata/core-properties"/>
-    <ds:schemaRef ds:uri="http://schemas.microsoft.com/office/2006/documentManagement/types"/>
+    <ds:schemaRef ds:uri="http://schemas.microsoft.com/internal/obd"/>
     <ds:schemaRef ds:uri="http://schemas.microsoft.com/office/infopath/2007/PartnerControls"/>
-    <ds:schemaRef ds:uri="http://purl.org/dc/elements/1.1/"/>
-    <ds:schemaRef ds:uri="http://schemas.microsoft.com/office/2006/metadata/properties"/>
-    <ds:schemaRef ds:uri="http://www.w3.org/XML/1998/namespace"/>
-    <ds:schemaRef ds:uri="http://purl.org/dc/dcmitype/"/>
   </ds:schemaRefs>
 </ds:datastoreItem>
 </file>
@@ -45319,17 +45320,16 @@
 </file>
 
 <file path=customXml/itemProps3.xml><?xml version="1.0" encoding="utf-8"?>
-<ds:datastoreItem xmlns:ds="http://schemas.openxmlformats.org/officeDocument/2006/customXml" ds:itemID="{59925F4A-05CC-4D19-A5F3-6B37E808F6A7}">
+<ds:datastoreItem xmlns:ds="http://schemas.openxmlformats.org/officeDocument/2006/customXml" ds:itemID="{88E5C257-99A9-40B2-A1DE-0EB62604DA9C}">
   <ds:schemaRefs>
-    <ds:schemaRef ds:uri="http://schemas.microsoft.com/office/2006/metadata/contentType"/>
-    <ds:schemaRef ds:uri="http://schemas.microsoft.com/office/2006/metadata/properties/metaAttributes"/>
-    <ds:schemaRef ds:uri="http://www.w3.org/2001/XMLSchema"/>
+    <ds:schemaRef ds:uri="http://purl.org/dc/terms/"/>
+    <ds:schemaRef ds:uri="http://schemas.openxmlformats.org/package/2006/metadata/core-properties"/>
+    <ds:schemaRef ds:uri="http://schemas.microsoft.com/office/2006/documentManagement/types"/>
+    <ds:schemaRef ds:uri="http://schemas.microsoft.com/office/infopath/2007/PartnerControls"/>
+    <ds:schemaRef ds:uri="http://purl.org/dc/elements/1.1/"/>
     <ds:schemaRef ds:uri="http://schemas.microsoft.com/office/2006/metadata/properties"/>
-    <ds:schemaRef ds:uri="http://schemas.openxmlformats.org/package/2006/metadata/core-properties"/>
-    <ds:schemaRef ds:uri="http://purl.org/dc/elements/1.1/"/>
-    <ds:schemaRef ds:uri="http://purl.org/dc/terms/"/>
-    <ds:schemaRef ds:uri="http://schemas.microsoft.com/internal/obd"/>
-    <ds:schemaRef ds:uri="http://schemas.microsoft.com/office/infopath/2007/PartnerControls"/>
+    <ds:schemaRef ds:uri="http://www.w3.org/XML/1998/namespace"/>
+    <ds:schemaRef ds:uri="http://purl.org/dc/dcmitype/"/>
   </ds:schemaRefs>
 </ds:datastoreItem>
 </file>